--- a/shiny_intro_slides_part2.pptx
+++ b/shiny_intro_slides_part2.pptx
@@ -5,10 +5,10 @@
     <p:sldMasterId id="2147483851" r:id="rId4"/>
   </p:sldMasterIdLst>
   <p:notesMasterIdLst>
-    <p:notesMasterId r:id="rId39"/>
+    <p:notesMasterId r:id="rId35"/>
   </p:notesMasterIdLst>
   <p:handoutMasterIdLst>
-    <p:handoutMasterId r:id="rId40"/>
+    <p:handoutMasterId r:id="rId36"/>
   </p:handoutMasterIdLst>
   <p:sldIdLst>
     <p:sldId id="399" r:id="rId5"/>
@@ -41,10 +41,6 @@
     <p:sldId id="401" r:id="rId32"/>
     <p:sldId id="415" r:id="rId33"/>
     <p:sldId id="378" r:id="rId34"/>
-    <p:sldId id="410" r:id="rId35"/>
-    <p:sldId id="409" r:id="rId36"/>
-    <p:sldId id="413" r:id="rId37"/>
-    <p:sldId id="411" r:id="rId38"/>
   </p:sldIdLst>
   <p:sldSz cx="12192000" cy="6858000"/>
   <p:notesSz cx="6858000" cy="9144000"/>
@@ -18183,13 +18179,8 @@
           <a:p>
             <a:r>
               <a:rPr lang="en-US" dirty="0"/>
-              <a:t>Shiny SME </a:t>
-            </a:r>
-            <a:r>
-              <a:rPr lang="en-US" dirty="0" err="1"/>
-              <a:t>Sharepoint</a:t>
-            </a:r>
-            <a:endParaRPr lang="en-US" dirty="0"/>
+              <a:t>Shiny Package Cheat Sheet</a:t>
+            </a:r>
           </a:p>
           <a:p>
             <a:pPr lvl="1"/>
@@ -18197,7 +18188,7 @@
               <a:rPr lang="en-US" dirty="0">
                 <a:hlinkClick r:id="rId2"/>
               </a:rPr>
-              <a:t>https://pfizer.sharepoint.com/sites/GPMx/SitePages/R-Shiny.aspx</a:t>
+              <a:t>https://shiny.rstudio.com/images/shiny-cheatsheet.pdf</a:t>
             </a:r>
             <a:r>
               <a:rPr lang="en-US" dirty="0"/>
@@ -18207,16 +18198,23 @@
           <a:p>
             <a:r>
               <a:rPr lang="en-US" dirty="0"/>
-              <a:t>Shiny Package Cheat Sheet</a:t>
+              <a:t>Basic RStudio Training Resources</a:t>
             </a:r>
           </a:p>
           <a:p>
             <a:pPr lvl="1"/>
+            <a:r>
+              <a:rPr lang="en-US" dirty="0"/>
+              <a:t>Written Shiny tutorial</a:t>
+            </a:r>
+          </a:p>
+          <a:p>
+            <a:pPr lvl="2"/>
             <a:r>
               <a:rPr lang="en-US" dirty="0">
                 <a:hlinkClick r:id="rId3"/>
               </a:rPr>
-              <a:t>https://shiny.rstudio.com/images/shiny-cheatsheet.pdf</a:t>
+              <a:t>https://shiny.rstudio.com/tutorial/written-tutorial/lesson1/</a:t>
             </a:r>
             <a:r>
               <a:rPr lang="en-US" dirty="0"/>
@@ -18224,16 +18222,10 @@
             </a:r>
           </a:p>
           <a:p>
-            <a:r>
-              <a:rPr lang="en-US" dirty="0"/>
-              <a:t>Basic RStudio Training Resources</a:t>
-            </a:r>
-          </a:p>
-          <a:p>
             <a:pPr lvl="1"/>
             <a:r>
               <a:rPr lang="en-US" dirty="0"/>
-              <a:t>Written Shiny tutorial</a:t>
+              <a:t>Video Shiny tutorial</a:t>
             </a:r>
           </a:p>
           <a:p>
@@ -18241,26 +18233,6 @@
             <a:r>
               <a:rPr lang="en-US" dirty="0">
                 <a:hlinkClick r:id="rId4"/>
-              </a:rPr>
-              <a:t>https://shiny.rstudio.com/tutorial/written-tutorial/lesson1/</a:t>
-            </a:r>
-            <a:r>
-              <a:rPr lang="en-US" dirty="0"/>
-              <a:t> </a:t>
-            </a:r>
-          </a:p>
-          <a:p>
-            <a:pPr lvl="1"/>
-            <a:r>
-              <a:rPr lang="en-US" dirty="0"/>
-              <a:t>Video Shiny tutorial</a:t>
-            </a:r>
-          </a:p>
-          <a:p>
-            <a:pPr lvl="2"/>
-            <a:r>
-              <a:rPr lang="en-US" dirty="0">
-                <a:hlinkClick r:id="rId5"/>
               </a:rPr>
               <a:t>https://vimeo.com/131218530</a:t>
             </a:r>
@@ -18530,26 +18502,26 @@
             <a:pPr lvl="1"/>
             <a:r>
               <a:rPr lang="en-US" dirty="0">
+                <a:hlinkClick r:id="rId5"/>
+              </a:rPr>
+              <a:t>https://ascpt.onlinelibrary.wiley.com/doi/full/10.1002/psp4.21</a:t>
+            </a:r>
+            <a:r>
+              <a:rPr lang="en-US" dirty="0"/>
+              <a:t> </a:t>
+            </a:r>
+          </a:p>
+          <a:p>
+            <a:r>
+              <a:rPr lang="en-US" dirty="0"/>
+              <a:t>Basic-Advanced Shiny articles</a:t>
+            </a:r>
+          </a:p>
+          <a:p>
+            <a:pPr lvl="1"/>
+            <a:r>
+              <a:rPr lang="en-US" dirty="0">
                 <a:hlinkClick r:id="rId6"/>
-              </a:rPr>
-              <a:t>https://ascpt.onlinelibrary.wiley.com/doi/full/10.1002/psp4.21</a:t>
-            </a:r>
-            <a:r>
-              <a:rPr lang="en-US" dirty="0"/>
-              <a:t> </a:t>
-            </a:r>
-          </a:p>
-          <a:p>
-            <a:r>
-              <a:rPr lang="en-US" dirty="0"/>
-              <a:t>Basic-Advanced Shiny articles</a:t>
-            </a:r>
-          </a:p>
-          <a:p>
-            <a:pPr lvl="1"/>
-            <a:r>
-              <a:rPr lang="en-US" dirty="0">
-                <a:hlinkClick r:id="rId7"/>
               </a:rPr>
               <a:t>https://shiny.rstudio.com/articles/</a:t>
             </a:r>
@@ -18582,27 +18554,27 @@
             <a:pPr lvl="2"/>
             <a:r>
               <a:rPr lang="en-US" dirty="0">
+                <a:hlinkClick r:id="rId7"/>
+              </a:rPr>
+              <a:t>https://mastering-shiny.org/</a:t>
+            </a:r>
+            <a:r>
+              <a:rPr lang="en-US" dirty="0"/>
+              <a:t> </a:t>
+            </a:r>
+          </a:p>
+          <a:p>
+            <a:pPr lvl="1"/>
+            <a:r>
+              <a:rPr lang="en-US" dirty="0"/>
+              <a:t>Engineering Production-Grade Shiny Apps by Colin Fay et al.</a:t>
+            </a:r>
+          </a:p>
+          <a:p>
+            <a:pPr lvl="2"/>
+            <a:r>
+              <a:rPr lang="en-US" dirty="0">
                 <a:hlinkClick r:id="rId8"/>
-              </a:rPr>
-              <a:t>https://mastering-shiny.org/</a:t>
-            </a:r>
-            <a:r>
-              <a:rPr lang="en-US" dirty="0"/>
-              <a:t> </a:t>
-            </a:r>
-          </a:p>
-          <a:p>
-            <a:pPr lvl="1"/>
-            <a:r>
-              <a:rPr lang="en-US" dirty="0"/>
-              <a:t>Engineering Production-Grade Shiny Apps by Colin Fay et al.</a:t>
-            </a:r>
-          </a:p>
-          <a:p>
-            <a:pPr lvl="2"/>
-            <a:r>
-              <a:rPr lang="en-US" dirty="0">
-                <a:hlinkClick r:id="rId9"/>
               </a:rPr>
               <a:t>https://engineering-shiny.org/</a:t>
             </a:r>
@@ -18621,1005 +18593,6 @@
     <p:extLst>
       <p:ext uri="{BB962C8B-B14F-4D97-AF65-F5344CB8AC3E}">
         <p14:creationId xmlns:p14="http://schemas.microsoft.com/office/powerpoint/2010/main" val="4251462001"/>
-      </p:ext>
-    </p:extLst>
-  </p:cSld>
-  <p:clrMapOvr>
-    <a:masterClrMapping/>
-  </p:clrMapOvr>
-</p:sld>
-</file>
-
-<file path=ppt/slides/slide31.xml><?xml version="1.0" encoding="utf-8"?>
-<p:sld xmlns:a="http://schemas.openxmlformats.org/drawingml/2006/main" xmlns:r="http://schemas.openxmlformats.org/officeDocument/2006/relationships" xmlns:p="http://schemas.openxmlformats.org/presentationml/2006/main">
-  <p:cSld>
-    <p:spTree>
-      <p:nvGrpSpPr>
-        <p:cNvPr id="1" name=""/>
-        <p:cNvGrpSpPr/>
-        <p:nvPr/>
-      </p:nvGrpSpPr>
-      <p:grpSpPr>
-        <a:xfrm>
-          <a:off x="0" y="0"/>
-          <a:ext cx="0" cy="0"/>
-          <a:chOff x="0" y="0"/>
-          <a:chExt cx="0" cy="0"/>
-        </a:xfrm>
-      </p:grpSpPr>
-      <p:sp>
-        <p:nvSpPr>
-          <p:cNvPr id="3" name="Title 2">
-            <a:extLst>
-              <a:ext uri="{FF2B5EF4-FFF2-40B4-BE49-F238E27FC236}">
-                <a16:creationId xmlns:a16="http://schemas.microsoft.com/office/drawing/2014/main" id="{4320ABE0-453B-784C-932A-BA136FEDF697}"/>
-              </a:ext>
-            </a:extLst>
-          </p:cNvPr>
-          <p:cNvSpPr>
-            <a:spLocks noGrp="1"/>
-          </p:cNvSpPr>
-          <p:nvPr>
-            <p:ph type="title"/>
-          </p:nvPr>
-        </p:nvSpPr>
-        <p:spPr>
-          <a:xfrm>
-            <a:off x="3370182" y="2960255"/>
-            <a:ext cx="5451635" cy="642917"/>
-          </a:xfrm>
-        </p:spPr>
-        <p:txBody>
-          <a:bodyPr>
-            <a:normAutofit/>
-          </a:bodyPr>
-          <a:lstStyle/>
-          <a:p>
-            <a:r>
-              <a:rPr lang="en-US" dirty="0"/>
-              <a:t>Additional Slides</a:t>
-            </a:r>
-          </a:p>
-        </p:txBody>
-      </p:sp>
-    </p:spTree>
-    <p:extLst>
-      <p:ext uri="{BB962C8B-B14F-4D97-AF65-F5344CB8AC3E}">
-        <p14:creationId xmlns:p14="http://schemas.microsoft.com/office/powerpoint/2010/main" val="3541575501"/>
-      </p:ext>
-    </p:extLst>
-  </p:cSld>
-  <p:clrMapOvr>
-    <a:masterClrMapping/>
-  </p:clrMapOvr>
-</p:sld>
-</file>
-
-<file path=ppt/slides/slide32.xml><?xml version="1.0" encoding="utf-8"?>
-<p:sld xmlns:a="http://schemas.openxmlformats.org/drawingml/2006/main" xmlns:r="http://schemas.openxmlformats.org/officeDocument/2006/relationships" xmlns:p="http://schemas.openxmlformats.org/presentationml/2006/main">
-  <p:cSld>
-    <p:spTree>
-      <p:nvGrpSpPr>
-        <p:cNvPr id="1" name=""/>
-        <p:cNvGrpSpPr/>
-        <p:nvPr/>
-      </p:nvGrpSpPr>
-      <p:grpSpPr>
-        <a:xfrm>
-          <a:off x="0" y="0"/>
-          <a:ext cx="0" cy="0"/>
-          <a:chOff x="0" y="0"/>
-          <a:chExt cx="0" cy="0"/>
-        </a:xfrm>
-      </p:grpSpPr>
-      <p:sp>
-        <p:nvSpPr>
-          <p:cNvPr id="2" name="Text Placeholder 1">
-            <a:extLst>
-              <a:ext uri="{FF2B5EF4-FFF2-40B4-BE49-F238E27FC236}">
-                <a16:creationId xmlns:a16="http://schemas.microsoft.com/office/drawing/2014/main" id="{3D5F9207-4104-4B99-A2F0-579565E09008}"/>
-              </a:ext>
-            </a:extLst>
-          </p:cNvPr>
-          <p:cNvSpPr>
-            <a:spLocks noGrp="1"/>
-          </p:cNvSpPr>
-          <p:nvPr>
-            <p:ph type="body" sz="quarter" idx="11"/>
-          </p:nvPr>
-        </p:nvSpPr>
-        <p:spPr>
-          <a:xfrm>
-            <a:off x="410847" y="1714752"/>
-            <a:ext cx="5821511" cy="4240880"/>
-          </a:xfrm>
-        </p:spPr>
-        <p:txBody>
-          <a:bodyPr>
-            <a:normAutofit/>
-          </a:bodyPr>
-          <a:lstStyle/>
-          <a:p>
-            <a:r>
-              <a:rPr lang="en-US" dirty="0"/>
-              <a:t>Standard Pfizer process should be followed when handling sensitive data</a:t>
-            </a:r>
-          </a:p>
-          <a:p>
-            <a:pPr lvl="1"/>
-            <a:r>
-              <a:rPr lang="en-US" dirty="0"/>
-              <a:t>Refer to P2L trainings</a:t>
-            </a:r>
-          </a:p>
-          <a:p>
-            <a:r>
-              <a:rPr lang="en-US" dirty="0"/>
-              <a:t>Best to take the most conservative approach</a:t>
-            </a:r>
-          </a:p>
-          <a:p>
-            <a:r>
-              <a:rPr lang="en-US" dirty="0"/>
-              <a:t>If you are thinking about uploading clinical data to RStudio Connect within an app, consider:</a:t>
-            </a:r>
-          </a:p>
-          <a:p>
-            <a:pPr lvl="1"/>
-            <a:r>
-              <a:rPr lang="en-US" dirty="0"/>
-              <a:t>Will it give access to the data who shouldn’t?</a:t>
-            </a:r>
-          </a:p>
-          <a:p>
-            <a:pPr lvl="1"/>
-            <a:r>
-              <a:rPr lang="en-US" dirty="0"/>
-              <a:t>Does its inclusion directly address the scope?</a:t>
-            </a:r>
-          </a:p>
-          <a:p>
-            <a:pPr lvl="1"/>
-            <a:r>
-              <a:rPr lang="en-US" dirty="0"/>
-              <a:t>Does it need to be uploaded?</a:t>
-            </a:r>
-          </a:p>
-          <a:p>
-            <a:pPr lvl="2"/>
-            <a:r>
-              <a:rPr lang="en-US" dirty="0"/>
-              <a:t>There may be better way! Information on pulling published data out of Improve (and other places) is coming soon</a:t>
-            </a:r>
-          </a:p>
-          <a:p>
-            <a:pPr lvl="1"/>
-            <a:endParaRPr lang="en-US" dirty="0"/>
-          </a:p>
-        </p:txBody>
-      </p:sp>
-      <p:sp>
-        <p:nvSpPr>
-          <p:cNvPr id="3" name="Slide Number Placeholder 2">
-            <a:extLst>
-              <a:ext uri="{FF2B5EF4-FFF2-40B4-BE49-F238E27FC236}">
-                <a16:creationId xmlns:a16="http://schemas.microsoft.com/office/drawing/2014/main" id="{5680653A-D5F4-466B-8A2D-2B8E01D2BE0D}"/>
-              </a:ext>
-            </a:extLst>
-          </p:cNvPr>
-          <p:cNvSpPr>
-            <a:spLocks noGrp="1"/>
-          </p:cNvSpPr>
-          <p:nvPr>
-            <p:ph type="sldNum" sz="quarter" idx="12"/>
-          </p:nvPr>
-        </p:nvSpPr>
-        <p:spPr/>
-        <p:txBody>
-          <a:bodyPr/>
-          <a:lstStyle/>
-          <a:p>
-            <a:fld id="{88F6FEFC-CCC7-A94C-AAC3-BECAE4BF550D}" type="slidenum">
-              <a:rPr lang="en-US" smtClean="0"/>
-              <a:pPr/>
-              <a:t>32</a:t>
-            </a:fld>
-            <a:endParaRPr lang="en-US" dirty="0"/>
-          </a:p>
-        </p:txBody>
-      </p:sp>
-      <p:sp>
-        <p:nvSpPr>
-          <p:cNvPr id="4" name="Title 3">
-            <a:extLst>
-              <a:ext uri="{FF2B5EF4-FFF2-40B4-BE49-F238E27FC236}">
-                <a16:creationId xmlns:a16="http://schemas.microsoft.com/office/drawing/2014/main" id="{C2E7E0FD-8FF9-46F6-A304-EE824D605FAB}"/>
-              </a:ext>
-            </a:extLst>
-          </p:cNvPr>
-          <p:cNvSpPr>
-            <a:spLocks noGrp="1"/>
-          </p:cNvSpPr>
-          <p:nvPr>
-            <p:ph type="title"/>
-          </p:nvPr>
-        </p:nvSpPr>
-        <p:spPr/>
-        <p:txBody>
-          <a:bodyPr/>
-          <a:lstStyle/>
-          <a:p>
-            <a:r>
-              <a:rPr lang="en-US" dirty="0"/>
-              <a:t>RStudio Connect and Sensitive Data</a:t>
-            </a:r>
-          </a:p>
-        </p:txBody>
-      </p:sp>
-      <p:sp>
-        <p:nvSpPr>
-          <p:cNvPr id="6" name="Text Placeholder 1">
-            <a:extLst>
-              <a:ext uri="{FF2B5EF4-FFF2-40B4-BE49-F238E27FC236}">
-                <a16:creationId xmlns:a16="http://schemas.microsoft.com/office/drawing/2014/main" id="{AF8EEFA9-B235-463D-9B5B-BF1D0609EF68}"/>
-              </a:ext>
-            </a:extLst>
-          </p:cNvPr>
-          <p:cNvSpPr txBox="1">
-            <a:spLocks/>
-          </p:cNvSpPr>
-          <p:nvPr/>
-        </p:nvSpPr>
-        <p:spPr>
-          <a:xfrm>
-            <a:off x="6506847" y="4716378"/>
-            <a:ext cx="5199879" cy="884321"/>
-          </a:xfrm>
-          <a:prstGeom prst="rect">
-            <a:avLst/>
-          </a:prstGeom>
-        </p:spPr>
-        <p:txBody>
-          <a:bodyPr vert="horz" lIns="91440" tIns="45720" rIns="91440" bIns="45720" rtlCol="0">
-            <a:normAutofit/>
-          </a:bodyPr>
-          <a:lstStyle>
-            <a:lvl1pPr marL="228600" indent="-228600" algn="l" defTabSz="914400" rtl="0" eaLnBrk="1" latinLnBrk="0" hangingPunct="1">
-              <a:lnSpc>
-                <a:spcPct val="100000"/>
-              </a:lnSpc>
-              <a:spcBef>
-                <a:spcPts val="1000"/>
-              </a:spcBef>
-              <a:buFont typeface="Arial" panose="020B0604020202020204" pitchFamily="34" charset="0"/>
-              <a:buChar char="•"/>
-              <a:defRPr sz="2000" b="0" i="0" kern="1200">
-                <a:solidFill>
-                  <a:schemeClr val="tx1"/>
-                </a:solidFill>
-                <a:latin typeface="+mn-lt"/>
-                <a:ea typeface="+mn-ea"/>
-                <a:cs typeface="Arial" panose="020B0604020202020204" pitchFamily="34" charset="0"/>
-              </a:defRPr>
-            </a:lvl1pPr>
-            <a:lvl2pPr marL="685800" indent="-228600" algn="l" defTabSz="914400" rtl="0" eaLnBrk="1" latinLnBrk="0" hangingPunct="1">
-              <a:lnSpc>
-                <a:spcPct val="100000"/>
-              </a:lnSpc>
-              <a:spcBef>
-                <a:spcPts val="500"/>
-              </a:spcBef>
-              <a:buFont typeface="Arial" panose="020B0604020202020204" pitchFamily="34" charset="0"/>
-              <a:buChar char="•"/>
-              <a:defRPr sz="1800" b="0" i="0" kern="1200">
-                <a:solidFill>
-                  <a:schemeClr val="tx1"/>
-                </a:solidFill>
-                <a:latin typeface="+mn-lt"/>
-                <a:ea typeface="+mn-ea"/>
-                <a:cs typeface="Arial" panose="020B0604020202020204" pitchFamily="34" charset="0"/>
-              </a:defRPr>
-            </a:lvl2pPr>
-            <a:lvl3pPr marL="1143000" indent="-228600" algn="l" defTabSz="914400" rtl="0" eaLnBrk="1" latinLnBrk="0" hangingPunct="1">
-              <a:lnSpc>
-                <a:spcPct val="100000"/>
-              </a:lnSpc>
-              <a:spcBef>
-                <a:spcPts val="500"/>
-              </a:spcBef>
-              <a:buFont typeface="Arial" panose="020B0604020202020204" pitchFamily="34" charset="0"/>
-              <a:buChar char="•"/>
-              <a:defRPr sz="1400" b="0" i="0" kern="1200">
-                <a:solidFill>
-                  <a:schemeClr val="tx1"/>
-                </a:solidFill>
-                <a:latin typeface="+mn-lt"/>
-                <a:ea typeface="+mn-ea"/>
-                <a:cs typeface="Arial" panose="020B0604020202020204" pitchFamily="34" charset="0"/>
-              </a:defRPr>
-            </a:lvl3pPr>
-            <a:lvl4pPr marL="1600200" indent="-228600" algn="l" defTabSz="914400" rtl="0" eaLnBrk="1" latinLnBrk="0" hangingPunct="1">
-              <a:lnSpc>
-                <a:spcPct val="100000"/>
-              </a:lnSpc>
-              <a:spcBef>
-                <a:spcPts val="500"/>
-              </a:spcBef>
-              <a:buFont typeface="Arial" panose="020B0604020202020204" pitchFamily="34" charset="0"/>
-              <a:buChar char="•"/>
-              <a:defRPr sz="1200" b="0" i="0" kern="1200">
-                <a:solidFill>
-                  <a:schemeClr val="tx1"/>
-                </a:solidFill>
-                <a:latin typeface="+mn-lt"/>
-                <a:ea typeface="+mn-ea"/>
-                <a:cs typeface="Arial" panose="020B0604020202020204" pitchFamily="34" charset="0"/>
-              </a:defRPr>
-            </a:lvl4pPr>
-            <a:lvl5pPr marL="2057400" indent="-228600" algn="l" defTabSz="914400" rtl="0" eaLnBrk="1" latinLnBrk="0" hangingPunct="1">
-              <a:lnSpc>
-                <a:spcPct val="100000"/>
-              </a:lnSpc>
-              <a:spcBef>
-                <a:spcPts val="500"/>
-              </a:spcBef>
-              <a:buFont typeface="Arial" panose="020B0604020202020204" pitchFamily="34" charset="0"/>
-              <a:buChar char="•"/>
-              <a:defRPr sz="1000" b="0" i="0" kern="1200">
-                <a:solidFill>
-                  <a:schemeClr val="tx1"/>
-                </a:solidFill>
-                <a:latin typeface="+mn-lt"/>
-                <a:ea typeface="+mn-ea"/>
-                <a:cs typeface="Arial" panose="020B0604020202020204" pitchFamily="34" charset="0"/>
-              </a:defRPr>
-            </a:lvl5pPr>
-            <a:lvl6pPr marL="2514600" indent="-228600" algn="l" defTabSz="914400" rtl="0" eaLnBrk="1" latinLnBrk="0" hangingPunct="1">
-              <a:lnSpc>
-                <a:spcPct val="90000"/>
-              </a:lnSpc>
-              <a:spcBef>
-                <a:spcPts val="500"/>
-              </a:spcBef>
-              <a:buFont typeface="Arial" panose="020B0604020202020204" pitchFamily="34" charset="0"/>
-              <a:buChar char="•"/>
-              <a:defRPr sz="1800" kern="1200">
-                <a:solidFill>
-                  <a:schemeClr val="tx1"/>
-                </a:solidFill>
-                <a:latin typeface="+mn-lt"/>
-                <a:ea typeface="+mn-ea"/>
-                <a:cs typeface="+mn-cs"/>
-              </a:defRPr>
-            </a:lvl6pPr>
-            <a:lvl7pPr marL="2971800" indent="-228600" algn="l" defTabSz="914400" rtl="0" eaLnBrk="1" latinLnBrk="0" hangingPunct="1">
-              <a:lnSpc>
-                <a:spcPct val="90000"/>
-              </a:lnSpc>
-              <a:spcBef>
-                <a:spcPts val="500"/>
-              </a:spcBef>
-              <a:buFont typeface="Arial" panose="020B0604020202020204" pitchFamily="34" charset="0"/>
-              <a:buChar char="•"/>
-              <a:defRPr sz="1800" kern="1200">
-                <a:solidFill>
-                  <a:schemeClr val="tx1"/>
-                </a:solidFill>
-                <a:latin typeface="+mn-lt"/>
-                <a:ea typeface="+mn-ea"/>
-                <a:cs typeface="+mn-cs"/>
-              </a:defRPr>
-            </a:lvl7pPr>
-            <a:lvl8pPr marL="3429000" indent="-228600" algn="l" defTabSz="914400" rtl="0" eaLnBrk="1" latinLnBrk="0" hangingPunct="1">
-              <a:lnSpc>
-                <a:spcPct val="90000"/>
-              </a:lnSpc>
-              <a:spcBef>
-                <a:spcPts val="500"/>
-              </a:spcBef>
-              <a:buFont typeface="Arial" panose="020B0604020202020204" pitchFamily="34" charset="0"/>
-              <a:buChar char="•"/>
-              <a:defRPr sz="1800" kern="1200">
-                <a:solidFill>
-                  <a:schemeClr val="tx1"/>
-                </a:solidFill>
-                <a:latin typeface="+mn-lt"/>
-                <a:ea typeface="+mn-ea"/>
-                <a:cs typeface="+mn-cs"/>
-              </a:defRPr>
-            </a:lvl8pPr>
-            <a:lvl9pPr marL="3886200" indent="-228600" algn="l" defTabSz="914400" rtl="0" eaLnBrk="1" latinLnBrk="0" hangingPunct="1">
-              <a:lnSpc>
-                <a:spcPct val="90000"/>
-              </a:lnSpc>
-              <a:spcBef>
-                <a:spcPts val="500"/>
-              </a:spcBef>
-              <a:buFont typeface="Arial" panose="020B0604020202020204" pitchFamily="34" charset="0"/>
-              <a:buChar char="•"/>
-              <a:defRPr sz="1800" kern="1200">
-                <a:solidFill>
-                  <a:schemeClr val="tx1"/>
-                </a:solidFill>
-                <a:latin typeface="+mn-lt"/>
-                <a:ea typeface="+mn-ea"/>
-                <a:cs typeface="+mn-cs"/>
-              </a:defRPr>
-            </a:lvl9pPr>
-          </a:lstStyle>
-          <a:p>
-            <a:pPr marL="0" indent="0">
-              <a:buNone/>
-            </a:pPr>
-            <a:r>
-              <a:rPr lang="en-US" dirty="0"/>
-              <a:t>Setting permissions can help restrict access to published apps</a:t>
-            </a:r>
-          </a:p>
-        </p:txBody>
-      </p:sp>
-      <p:pic>
-        <p:nvPicPr>
-          <p:cNvPr id="7" name="Picture 6">
-            <a:extLst>
-              <a:ext uri="{FF2B5EF4-FFF2-40B4-BE49-F238E27FC236}">
-                <a16:creationId xmlns:a16="http://schemas.microsoft.com/office/drawing/2014/main" id="{BEBB4A80-0961-4A3A-A30D-1120EFB8A6A8}"/>
-              </a:ext>
-            </a:extLst>
-          </p:cNvPr>
-          <p:cNvPicPr>
-            <a:picLocks noChangeAspect="1"/>
-          </p:cNvPicPr>
-          <p:nvPr/>
-        </p:nvPicPr>
-        <p:blipFill>
-          <a:blip r:embed="rId2"/>
-          <a:stretch>
-            <a:fillRect/>
-          </a:stretch>
-        </p:blipFill>
-        <p:spPr>
-          <a:xfrm>
-            <a:off x="7473911" y="1353551"/>
-            <a:ext cx="3265749" cy="3249780"/>
-          </a:xfrm>
-          <a:prstGeom prst="rect">
-            <a:avLst/>
-          </a:prstGeom>
-        </p:spPr>
-      </p:pic>
-      <p:pic>
-        <p:nvPicPr>
-          <p:cNvPr id="8" name="Picture 7">
-            <a:extLst>
-              <a:ext uri="{FF2B5EF4-FFF2-40B4-BE49-F238E27FC236}">
-                <a16:creationId xmlns:a16="http://schemas.microsoft.com/office/drawing/2014/main" id="{4E968FC8-A1CB-48C3-8879-B5200BC1C87A}"/>
-              </a:ext>
-            </a:extLst>
-          </p:cNvPr>
-          <p:cNvPicPr>
-            <a:picLocks noChangeAspect="1"/>
-          </p:cNvPicPr>
-          <p:nvPr/>
-        </p:nvPicPr>
-        <p:blipFill>
-          <a:blip r:embed="rId3" cstate="print">
-            <a:extLst>
-              <a:ext uri="{28A0092B-C50C-407E-A947-70E740481C1C}">
-                <a14:useLocalDpi xmlns:a14="http://schemas.microsoft.com/office/drawing/2010/main" val="0"/>
-              </a:ext>
-            </a:extLst>
-          </a:blip>
-          <a:stretch>
-            <a:fillRect/>
-          </a:stretch>
-        </p:blipFill>
-        <p:spPr>
-          <a:xfrm>
-            <a:off x="9406647" y="1459446"/>
-            <a:ext cx="250760" cy="331724"/>
-          </a:xfrm>
-          <a:prstGeom prst="rect">
-            <a:avLst/>
-          </a:prstGeom>
-        </p:spPr>
-      </p:pic>
-      <p:pic>
-        <p:nvPicPr>
-          <p:cNvPr id="9" name="Picture 8">
-            <a:extLst>
-              <a:ext uri="{FF2B5EF4-FFF2-40B4-BE49-F238E27FC236}">
-                <a16:creationId xmlns:a16="http://schemas.microsoft.com/office/drawing/2014/main" id="{C53488C3-6E33-4B97-89AB-984C8B21D989}"/>
-              </a:ext>
-            </a:extLst>
-          </p:cNvPr>
-          <p:cNvPicPr>
-            <a:picLocks noChangeAspect="1"/>
-          </p:cNvPicPr>
-          <p:nvPr/>
-        </p:nvPicPr>
-        <p:blipFill>
-          <a:blip r:embed="rId3" cstate="print">
-            <a:extLst>
-              <a:ext uri="{28A0092B-C50C-407E-A947-70E740481C1C}">
-                <a14:useLocalDpi xmlns:a14="http://schemas.microsoft.com/office/drawing/2010/main" val="0"/>
-              </a:ext>
-            </a:extLst>
-          </a:blip>
-          <a:stretch>
-            <a:fillRect/>
-          </a:stretch>
-        </p:blipFill>
-        <p:spPr>
-          <a:xfrm>
-            <a:off x="10304895" y="3802039"/>
-            <a:ext cx="250760" cy="331724"/>
-          </a:xfrm>
-          <a:prstGeom prst="rect">
-            <a:avLst/>
-          </a:prstGeom>
-        </p:spPr>
-      </p:pic>
-    </p:spTree>
-    <p:extLst>
-      <p:ext uri="{BB962C8B-B14F-4D97-AF65-F5344CB8AC3E}">
-        <p14:creationId xmlns:p14="http://schemas.microsoft.com/office/powerpoint/2010/main" val="3978206942"/>
-      </p:ext>
-    </p:extLst>
-  </p:cSld>
-  <p:clrMapOvr>
-    <a:masterClrMapping/>
-  </p:clrMapOvr>
-</p:sld>
-</file>
-
-<file path=ppt/slides/slide33.xml><?xml version="1.0" encoding="utf-8"?>
-<p:sld xmlns:a="http://schemas.openxmlformats.org/drawingml/2006/main" xmlns:r="http://schemas.openxmlformats.org/officeDocument/2006/relationships" xmlns:p="http://schemas.openxmlformats.org/presentationml/2006/main">
-  <p:cSld>
-    <p:spTree>
-      <p:nvGrpSpPr>
-        <p:cNvPr id="1" name=""/>
-        <p:cNvGrpSpPr/>
-        <p:nvPr/>
-      </p:nvGrpSpPr>
-      <p:grpSpPr>
-        <a:xfrm>
-          <a:off x="0" y="0"/>
-          <a:ext cx="0" cy="0"/>
-          <a:chOff x="0" y="0"/>
-          <a:chExt cx="0" cy="0"/>
-        </a:xfrm>
-      </p:grpSpPr>
-      <p:sp>
-        <p:nvSpPr>
-          <p:cNvPr id="2" name="Text Placeholder 1">
-            <a:extLst>
-              <a:ext uri="{FF2B5EF4-FFF2-40B4-BE49-F238E27FC236}">
-                <a16:creationId xmlns:a16="http://schemas.microsoft.com/office/drawing/2014/main" id="{3D5F9207-4104-4B99-A2F0-579565E09008}"/>
-              </a:ext>
-            </a:extLst>
-          </p:cNvPr>
-          <p:cNvSpPr>
-            <a:spLocks noGrp="1"/>
-          </p:cNvSpPr>
-          <p:nvPr>
-            <p:ph type="body" sz="quarter" idx="11"/>
-          </p:nvPr>
-        </p:nvSpPr>
-        <p:spPr>
-          <a:xfrm>
-            <a:off x="410847" y="1714752"/>
-            <a:ext cx="5821511" cy="4004794"/>
-          </a:xfrm>
-        </p:spPr>
-        <p:txBody>
-          <a:bodyPr>
-            <a:normAutofit/>
-          </a:bodyPr>
-          <a:lstStyle/>
-          <a:p>
-            <a:r>
-              <a:rPr lang="en-US" dirty="0"/>
-              <a:t>Set colleagues you would like to have full access as a collaborator</a:t>
-            </a:r>
-          </a:p>
-          <a:p>
-            <a:pPr lvl="1"/>
-            <a:r>
-              <a:rPr lang="en-US" dirty="0"/>
-              <a:t>Use the “Collaborators &amp; you” option</a:t>
-            </a:r>
-          </a:p>
-          <a:p>
-            <a:pPr lvl="1"/>
-            <a:r>
-              <a:rPr lang="en-US" dirty="0"/>
-              <a:t>Colleagues with “Viewer” access to </a:t>
-            </a:r>
-            <a:r>
-              <a:rPr lang="en-US" dirty="0" err="1"/>
-              <a:t>Rstudio</a:t>
-            </a:r>
-            <a:r>
-              <a:rPr lang="en-US" dirty="0"/>
-              <a:t> Connect cannot be a collaborator</a:t>
-            </a:r>
-          </a:p>
-          <a:p>
-            <a:r>
-              <a:rPr lang="en-US" dirty="0"/>
-              <a:t>Set colleagues you would like to see your application as a Viewer</a:t>
-            </a:r>
-          </a:p>
-          <a:p>
-            <a:pPr lvl="1"/>
-            <a:r>
-              <a:rPr lang="en-US" dirty="0"/>
-              <a:t>Use the “Specific users or groups” option</a:t>
-            </a:r>
-          </a:p>
-          <a:p>
-            <a:r>
-              <a:rPr lang="en-US" dirty="0"/>
-              <a:t>Heavily consider application contents before choosing “All users” or “Anyone”</a:t>
-            </a:r>
-          </a:p>
-          <a:p>
-            <a:pPr lvl="1"/>
-            <a:r>
-              <a:rPr lang="en-US" dirty="0"/>
-              <a:t>“Anyone” includes all colleagues with an NTID!</a:t>
-            </a:r>
-          </a:p>
-        </p:txBody>
-      </p:sp>
-      <p:sp>
-        <p:nvSpPr>
-          <p:cNvPr id="3" name="Slide Number Placeholder 2">
-            <a:extLst>
-              <a:ext uri="{FF2B5EF4-FFF2-40B4-BE49-F238E27FC236}">
-                <a16:creationId xmlns:a16="http://schemas.microsoft.com/office/drawing/2014/main" id="{5680653A-D5F4-466B-8A2D-2B8E01D2BE0D}"/>
-              </a:ext>
-            </a:extLst>
-          </p:cNvPr>
-          <p:cNvSpPr>
-            <a:spLocks noGrp="1"/>
-          </p:cNvSpPr>
-          <p:nvPr>
-            <p:ph type="sldNum" sz="quarter" idx="12"/>
-          </p:nvPr>
-        </p:nvSpPr>
-        <p:spPr/>
-        <p:txBody>
-          <a:bodyPr/>
-          <a:lstStyle/>
-          <a:p>
-            <a:fld id="{88F6FEFC-CCC7-A94C-AAC3-BECAE4BF550D}" type="slidenum">
-              <a:rPr lang="en-US" smtClean="0"/>
-              <a:pPr/>
-              <a:t>33</a:t>
-            </a:fld>
-            <a:endParaRPr lang="en-US" dirty="0"/>
-          </a:p>
-        </p:txBody>
-      </p:sp>
-      <p:sp>
-        <p:nvSpPr>
-          <p:cNvPr id="4" name="Title 3">
-            <a:extLst>
-              <a:ext uri="{FF2B5EF4-FFF2-40B4-BE49-F238E27FC236}">
-                <a16:creationId xmlns:a16="http://schemas.microsoft.com/office/drawing/2014/main" id="{C2E7E0FD-8FF9-46F6-A304-EE824D605FAB}"/>
-              </a:ext>
-            </a:extLst>
-          </p:cNvPr>
-          <p:cNvSpPr>
-            <a:spLocks noGrp="1"/>
-          </p:cNvSpPr>
-          <p:nvPr>
-            <p:ph type="title"/>
-          </p:nvPr>
-        </p:nvSpPr>
-        <p:spPr/>
-        <p:txBody>
-          <a:bodyPr/>
-          <a:lstStyle/>
-          <a:p>
-            <a:r>
-              <a:rPr lang="en-US" dirty="0"/>
-              <a:t>RStudio Connect Access</a:t>
-            </a:r>
-          </a:p>
-        </p:txBody>
-      </p:sp>
-      <p:pic>
-        <p:nvPicPr>
-          <p:cNvPr id="5" name="Picture 4">
-            <a:extLst>
-              <a:ext uri="{FF2B5EF4-FFF2-40B4-BE49-F238E27FC236}">
-                <a16:creationId xmlns:a16="http://schemas.microsoft.com/office/drawing/2014/main" id="{40707EFE-72AA-43D9-BE27-B9D9EDD65B1E}"/>
-              </a:ext>
-            </a:extLst>
-          </p:cNvPr>
-          <p:cNvPicPr>
-            <a:picLocks noChangeAspect="1"/>
-          </p:cNvPicPr>
-          <p:nvPr/>
-        </p:nvPicPr>
-        <p:blipFill>
-          <a:blip r:embed="rId2"/>
-          <a:stretch>
-            <a:fillRect/>
-          </a:stretch>
-        </p:blipFill>
-        <p:spPr>
-          <a:xfrm>
-            <a:off x="8850983" y="1603651"/>
-            <a:ext cx="2742684" cy="3746950"/>
-          </a:xfrm>
-          <a:prstGeom prst="rect">
-            <a:avLst/>
-          </a:prstGeom>
-        </p:spPr>
-      </p:pic>
-      <p:pic>
-        <p:nvPicPr>
-          <p:cNvPr id="10" name="Picture 9">
-            <a:extLst>
-              <a:ext uri="{FF2B5EF4-FFF2-40B4-BE49-F238E27FC236}">
-                <a16:creationId xmlns:a16="http://schemas.microsoft.com/office/drawing/2014/main" id="{0776063C-97CE-4900-ABF4-19A677AE264D}"/>
-              </a:ext>
-            </a:extLst>
-          </p:cNvPr>
-          <p:cNvPicPr>
-            <a:picLocks noChangeAspect="1"/>
-          </p:cNvPicPr>
-          <p:nvPr/>
-        </p:nvPicPr>
-        <p:blipFill>
-          <a:blip r:embed="rId3"/>
-          <a:stretch>
-            <a:fillRect/>
-          </a:stretch>
-        </p:blipFill>
-        <p:spPr>
-          <a:xfrm>
-            <a:off x="6107679" y="1603652"/>
-            <a:ext cx="2743304" cy="3503754"/>
-          </a:xfrm>
-          <a:prstGeom prst="rect">
-            <a:avLst/>
-          </a:prstGeom>
-        </p:spPr>
-      </p:pic>
-    </p:spTree>
-    <p:extLst>
-      <p:ext uri="{BB962C8B-B14F-4D97-AF65-F5344CB8AC3E}">
-        <p14:creationId xmlns:p14="http://schemas.microsoft.com/office/powerpoint/2010/main" val="1469309435"/>
-      </p:ext>
-    </p:extLst>
-  </p:cSld>
-  <p:clrMapOvr>
-    <a:masterClrMapping/>
-  </p:clrMapOvr>
-</p:sld>
-</file>
-
-<file path=ppt/slides/slide34.xml><?xml version="1.0" encoding="utf-8"?>
-<p:sld xmlns:a="http://schemas.openxmlformats.org/drawingml/2006/main" xmlns:r="http://schemas.openxmlformats.org/officeDocument/2006/relationships" xmlns:p="http://schemas.openxmlformats.org/presentationml/2006/main">
-  <p:cSld>
-    <p:spTree>
-      <p:nvGrpSpPr>
-        <p:cNvPr id="1" name=""/>
-        <p:cNvGrpSpPr/>
-        <p:nvPr/>
-      </p:nvGrpSpPr>
-      <p:grpSpPr>
-        <a:xfrm>
-          <a:off x="0" y="0"/>
-          <a:ext cx="0" cy="0"/>
-          <a:chOff x="0" y="0"/>
-          <a:chExt cx="0" cy="0"/>
-        </a:xfrm>
-      </p:grpSpPr>
-      <p:sp>
-        <p:nvSpPr>
-          <p:cNvPr id="2" name="Text Placeholder 1">
-            <a:extLst>
-              <a:ext uri="{FF2B5EF4-FFF2-40B4-BE49-F238E27FC236}">
-                <a16:creationId xmlns:a16="http://schemas.microsoft.com/office/drawing/2014/main" id="{3D5F9207-4104-4B99-A2F0-579565E09008}"/>
-              </a:ext>
-            </a:extLst>
-          </p:cNvPr>
-          <p:cNvSpPr>
-            <a:spLocks noGrp="1"/>
-          </p:cNvSpPr>
-          <p:nvPr>
-            <p:ph type="body" sz="quarter" idx="11"/>
-          </p:nvPr>
-        </p:nvSpPr>
-        <p:spPr>
-          <a:xfrm>
-            <a:off x="410847" y="1714752"/>
-            <a:ext cx="5821511" cy="3816105"/>
-          </a:xfrm>
-        </p:spPr>
-        <p:txBody>
-          <a:bodyPr/>
-          <a:lstStyle/>
-          <a:p>
-            <a:r>
-              <a:rPr lang="en-US" dirty="0"/>
-              <a:t>Something may go wrong at some point</a:t>
-            </a:r>
-          </a:p>
-          <a:p>
-            <a:r>
-              <a:rPr lang="en-US" dirty="0"/>
-              <a:t>First check you have R-3.6.1 and </a:t>
-            </a:r>
-            <a:r>
-              <a:rPr lang="en-US" dirty="0" err="1"/>
-              <a:t>Rstudio</a:t>
-            </a:r>
-            <a:r>
-              <a:rPr lang="en-US" dirty="0"/>
-              <a:t> v1.2	</a:t>
-            </a:r>
-          </a:p>
-          <a:p>
-            <a:pPr lvl="1"/>
-            <a:r>
-              <a:rPr lang="en-US" dirty="0"/>
-              <a:t>This will reduce the likelihood of issues</a:t>
-            </a:r>
-          </a:p>
-          <a:p>
-            <a:r>
-              <a:rPr lang="en-US" dirty="0"/>
-              <a:t>Chances of issues increase if you have installed non-standard packages</a:t>
-            </a:r>
-          </a:p>
-          <a:p>
-            <a:pPr lvl="1"/>
-            <a:r>
-              <a:rPr lang="en-US" dirty="0"/>
-              <a:t>Have you installed any additional packages?</a:t>
-            </a:r>
-          </a:p>
-          <a:p>
-            <a:r>
-              <a:rPr lang="en-US" dirty="0"/>
-              <a:t>If you experience an issue, you should </a:t>
-            </a:r>
-            <a:br>
-              <a:rPr lang="en-US" dirty="0"/>
-            </a:br>
-            <a:r>
-              <a:rPr lang="en-US" dirty="0"/>
-              <a:t>submit a ticket</a:t>
-            </a:r>
-          </a:p>
-          <a:p>
-            <a:pPr lvl="1"/>
-            <a:r>
-              <a:rPr lang="en-US" u="sng" dirty="0">
-                <a:hlinkClick r:id="rId2"/>
-              </a:rPr>
-              <a:t>DL-GPD-RSC-Platform-Engineering-&amp;-Operations@pfizer.com</a:t>
-            </a:r>
-            <a:endParaRPr lang="en-US" dirty="0"/>
-          </a:p>
-        </p:txBody>
-      </p:sp>
-      <p:sp>
-        <p:nvSpPr>
-          <p:cNvPr id="3" name="Slide Number Placeholder 2">
-            <a:extLst>
-              <a:ext uri="{FF2B5EF4-FFF2-40B4-BE49-F238E27FC236}">
-                <a16:creationId xmlns:a16="http://schemas.microsoft.com/office/drawing/2014/main" id="{5680653A-D5F4-466B-8A2D-2B8E01D2BE0D}"/>
-              </a:ext>
-            </a:extLst>
-          </p:cNvPr>
-          <p:cNvSpPr>
-            <a:spLocks noGrp="1"/>
-          </p:cNvSpPr>
-          <p:nvPr>
-            <p:ph type="sldNum" sz="quarter" idx="12"/>
-          </p:nvPr>
-        </p:nvSpPr>
-        <p:spPr/>
-        <p:txBody>
-          <a:bodyPr/>
-          <a:lstStyle/>
-          <a:p>
-            <a:fld id="{88F6FEFC-CCC7-A94C-AAC3-BECAE4BF550D}" type="slidenum">
-              <a:rPr lang="en-US" smtClean="0"/>
-              <a:pPr/>
-              <a:t>34</a:t>
-            </a:fld>
-            <a:endParaRPr lang="en-US" dirty="0"/>
-          </a:p>
-        </p:txBody>
-      </p:sp>
-      <p:sp>
-        <p:nvSpPr>
-          <p:cNvPr id="4" name="Title 3">
-            <a:extLst>
-              <a:ext uri="{FF2B5EF4-FFF2-40B4-BE49-F238E27FC236}">
-                <a16:creationId xmlns:a16="http://schemas.microsoft.com/office/drawing/2014/main" id="{C2E7E0FD-8FF9-46F6-A304-EE824D605FAB}"/>
-              </a:ext>
-            </a:extLst>
-          </p:cNvPr>
-          <p:cNvSpPr>
-            <a:spLocks noGrp="1"/>
-          </p:cNvSpPr>
-          <p:nvPr>
-            <p:ph type="title"/>
-          </p:nvPr>
-        </p:nvSpPr>
-        <p:spPr/>
-        <p:txBody>
-          <a:bodyPr/>
-          <a:lstStyle/>
-          <a:p>
-            <a:r>
-              <a:rPr lang="en-US" dirty="0"/>
-              <a:t>RStudio Connect Troubleshooting</a:t>
-            </a:r>
-          </a:p>
-        </p:txBody>
-      </p:sp>
-      <p:pic>
-        <p:nvPicPr>
-          <p:cNvPr id="1026" name="Picture 2">
-            <a:extLst>
-              <a:ext uri="{FF2B5EF4-FFF2-40B4-BE49-F238E27FC236}">
-                <a16:creationId xmlns:a16="http://schemas.microsoft.com/office/drawing/2014/main" id="{A0C9A678-C006-4FFC-B96A-63B4A3817CE8}"/>
-              </a:ext>
-            </a:extLst>
-          </p:cNvPr>
-          <p:cNvPicPr>
-            <a:picLocks noChangeAspect="1" noChangeArrowheads="1"/>
-          </p:cNvPicPr>
-          <p:nvPr/>
-        </p:nvPicPr>
-        <p:blipFill>
-          <a:blip r:embed="rId3">
-            <a:extLst>
-              <a:ext uri="{28A0092B-C50C-407E-A947-70E740481C1C}">
-                <a14:useLocalDpi xmlns:a14="http://schemas.microsoft.com/office/drawing/2010/main" val="0"/>
-              </a:ext>
-            </a:extLst>
-          </a:blip>
-          <a:srcRect/>
-          <a:stretch>
-            <a:fillRect/>
-          </a:stretch>
-        </p:blipFill>
-        <p:spPr bwMode="auto">
-          <a:xfrm>
-            <a:off x="6343548" y="2105778"/>
-            <a:ext cx="5430253" cy="1466168"/>
-          </a:xfrm>
-          <a:prstGeom prst="rect">
-            <a:avLst/>
-          </a:prstGeom>
-          <a:noFill/>
-          <a:extLst>
-            <a:ext uri="{909E8E84-426E-40DD-AFC4-6F175D3DCCD1}">
-              <a14:hiddenFill xmlns:a14="http://schemas.microsoft.com/office/drawing/2010/main">
-                <a:solidFill>
-                  <a:srgbClr val="FFFFFF"/>
-                </a:solidFill>
-              </a14:hiddenFill>
-            </a:ext>
-          </a:extLst>
-        </p:spPr>
-      </p:pic>
-    </p:spTree>
-    <p:extLst>
-      <p:ext uri="{BB962C8B-B14F-4D97-AF65-F5344CB8AC3E}">
-        <p14:creationId xmlns:p14="http://schemas.microsoft.com/office/powerpoint/2010/main" val="3995819048"/>
       </p:ext>
     </p:extLst>
   </p:cSld>
@@ -19710,12 +18683,6 @@
             <a:r>
               <a:rPr lang="en-US" sz="2400" b="1" dirty="0"/>
               <a:t>First Session</a:t>
-            </a:r>
-          </a:p>
-          <a:p>
-            <a:r>
-              <a:rPr lang="en-US" sz="2400" dirty="0"/>
-              <a:t>Why should I care about Shiny?</a:t>
             </a:r>
           </a:p>
           <a:p>
@@ -22447,9 +21414,12 @@
 </file>
 
 <file path=customXml/item1.xml><?xml version="1.0" encoding="utf-8"?>
-<p:properties xmlns:p="http://schemas.microsoft.com/office/2006/metadata/properties" xmlns:xsi="http://www.w3.org/2001/XMLSchema-instance" xmlns:pc="http://schemas.microsoft.com/office/infopath/2007/PartnerControls">
-  <documentManagement/>
-</p:properties>
+<?mso-contentType ?>
+<FormTemplates xmlns="http://schemas.microsoft.com/sharepoint/v3/contenttype/forms">
+  <Display>DocumentLibraryForm</Display>
+  <Edit>DocumentLibraryForm</Edit>
+  <New>DocumentLibraryForm</New>
+</FormTemplates>
 </file>
 
 <file path=customXml/item2.xml><?xml version="1.0" encoding="utf-8"?>
@@ -22670,27 +21640,15 @@
 </file>
 
 <file path=customXml/item3.xml><?xml version="1.0" encoding="utf-8"?>
-<?mso-contentType ?>
-<FormTemplates xmlns="http://schemas.microsoft.com/sharepoint/v3/contenttype/forms">
-  <Display>DocumentLibraryForm</Display>
-  <Edit>DocumentLibraryForm</Edit>
-  <New>DocumentLibraryForm</New>
-</FormTemplates>
+<p:properties xmlns:p="http://schemas.microsoft.com/office/2006/metadata/properties" xmlns:xsi="http://www.w3.org/2001/XMLSchema-instance" xmlns:pc="http://schemas.microsoft.com/office/infopath/2007/PartnerControls">
+  <documentManagement/>
+</p:properties>
 </file>
 
 <file path=customXml/itemProps1.xml><?xml version="1.0" encoding="utf-8"?>
-<ds:datastoreItem xmlns:ds="http://schemas.openxmlformats.org/officeDocument/2006/customXml" ds:itemID="{C9A8D935-8A53-433C-8E28-33A6EA97163E}">
+<ds:datastoreItem xmlns:ds="http://schemas.openxmlformats.org/officeDocument/2006/customXml" ds:itemID="{3ED16ACD-10E9-46CC-B043-473B6C59C75E}">
   <ds:schemaRefs>
-    <ds:schemaRef ds:uri="70b70b9e-4f3b-4b3f-a260-8b4cbc9e3221"/>
-    <ds:schemaRef ds:uri="http://schemas.microsoft.com/office/2006/metadata/properties"/>
-    <ds:schemaRef ds:uri="http://schemas.microsoft.com/office/2006/documentManagement/types"/>
-    <ds:schemaRef ds:uri="http://purl.org/dc/terms/"/>
-    <ds:schemaRef ds:uri="http://purl.org/dc/dcmitype/"/>
-    <ds:schemaRef ds:uri="http://schemas.microsoft.com/office/infopath/2007/PartnerControls"/>
-    <ds:schemaRef ds:uri="http://schemas.openxmlformats.org/package/2006/metadata/core-properties"/>
-    <ds:schemaRef ds:uri="b5f03f3b-433d-47cb-adeb-326d892aa9fc"/>
-    <ds:schemaRef ds:uri="http://www.w3.org/XML/1998/namespace"/>
-    <ds:schemaRef ds:uri="http://purl.org/dc/elements/1.1/"/>
+    <ds:schemaRef ds:uri="http://schemas.microsoft.com/sharepoint/v3/contenttype/forms"/>
   </ds:schemaRefs>
 </ds:datastoreItem>
 </file>
@@ -22715,9 +21673,18 @@
 </file>
 
 <file path=customXml/itemProps3.xml><?xml version="1.0" encoding="utf-8"?>
-<ds:datastoreItem xmlns:ds="http://schemas.openxmlformats.org/officeDocument/2006/customXml" ds:itemID="{3ED16ACD-10E9-46CC-B043-473B6C59C75E}">
+<ds:datastoreItem xmlns:ds="http://schemas.openxmlformats.org/officeDocument/2006/customXml" ds:itemID="{C9A8D935-8A53-433C-8E28-33A6EA97163E}">
   <ds:schemaRefs>
-    <ds:schemaRef ds:uri="http://schemas.microsoft.com/sharepoint/v3/contenttype/forms"/>
+    <ds:schemaRef ds:uri="70b70b9e-4f3b-4b3f-a260-8b4cbc9e3221"/>
+    <ds:schemaRef ds:uri="http://schemas.microsoft.com/office/2006/metadata/properties"/>
+    <ds:schemaRef ds:uri="http://schemas.microsoft.com/office/2006/documentManagement/types"/>
+    <ds:schemaRef ds:uri="http://purl.org/dc/terms/"/>
+    <ds:schemaRef ds:uri="http://purl.org/dc/dcmitype/"/>
+    <ds:schemaRef ds:uri="http://schemas.microsoft.com/office/infopath/2007/PartnerControls"/>
+    <ds:schemaRef ds:uri="http://schemas.openxmlformats.org/package/2006/metadata/core-properties"/>
+    <ds:schemaRef ds:uri="b5f03f3b-433d-47cb-adeb-326d892aa9fc"/>
+    <ds:schemaRef ds:uri="http://www.w3.org/XML/1998/namespace"/>
+    <ds:schemaRef ds:uri="http://purl.org/dc/elements/1.1/"/>
   </ds:schemaRefs>
 </ds:datastoreItem>
 </file>
--- a/shiny_intro_slides_part2.pptx
+++ b/shiny_intro_slides_part2.pptx
@@ -701,3442 +701,6 @@
 </file>
 
 <file path=ppt/slideLayouts/slideLayout1.xml><?xml version="1.0" encoding="utf-8"?>
-<p:sldLayout xmlns:a="http://schemas.openxmlformats.org/drawingml/2006/main" xmlns:r="http://schemas.openxmlformats.org/officeDocument/2006/relationships" xmlns:p="http://schemas.openxmlformats.org/presentationml/2006/main" type="blank" preserve="1">
-  <p:cSld name="1_Blank">
-    <p:bg>
-      <p:bgPr>
-        <a:solidFill>
-          <a:schemeClr val="bg2">
-            <a:alpha val="20000"/>
-          </a:schemeClr>
-        </a:solidFill>
-        <a:effectLst/>
-      </p:bgPr>
-    </p:bg>
-    <p:spTree>
-      <p:nvGrpSpPr>
-        <p:cNvPr id="1" name=""/>
-        <p:cNvGrpSpPr/>
-        <p:nvPr/>
-      </p:nvGrpSpPr>
-      <p:grpSpPr>
-        <a:xfrm>
-          <a:off x="0" y="0"/>
-          <a:ext cx="0" cy="0"/>
-          <a:chOff x="0" y="0"/>
-          <a:chExt cx="0" cy="0"/>
-        </a:xfrm>
-      </p:grpSpPr>
-      <p:pic>
-        <p:nvPicPr>
-          <p:cNvPr id="8" name="Picture 7" descr="A picture containing vector graphics&#10;&#10;Description automatically generated">
-            <a:extLst>
-              <a:ext uri="{FF2B5EF4-FFF2-40B4-BE49-F238E27FC236}">
-                <a16:creationId xmlns:a16="http://schemas.microsoft.com/office/drawing/2014/main" id="{EC3657DA-D79A-5C4B-8684-50A121460353}"/>
-              </a:ext>
-            </a:extLst>
-          </p:cNvPr>
-          <p:cNvPicPr>
-            <a:picLocks noChangeAspect="1"/>
-          </p:cNvPicPr>
-          <p:nvPr userDrawn="1"/>
-        </p:nvPicPr>
-        <p:blipFill>
-          <a:blip r:embed="rId2"/>
-          <a:stretch>
-            <a:fillRect/>
-          </a:stretch>
-        </p:blipFill>
-        <p:spPr>
-          <a:xfrm>
-            <a:off x="-14514" y="0"/>
-            <a:ext cx="12286806" cy="6858000"/>
-          </a:xfrm>
-          <a:prstGeom prst="rect">
-            <a:avLst/>
-          </a:prstGeom>
-        </p:spPr>
-      </p:pic>
-    </p:spTree>
-    <p:extLst>
-      <p:ext uri="{BB962C8B-B14F-4D97-AF65-F5344CB8AC3E}">
-        <p14:creationId xmlns:p14="http://schemas.microsoft.com/office/powerpoint/2010/main" val="987035915"/>
-      </p:ext>
-    </p:extLst>
-  </p:cSld>
-  <p:clrMapOvr>
-    <a:overrideClrMapping bg1="lt1" tx1="dk1" bg2="lt2" tx2="dk2" accent1="accent1" accent2="accent2" accent3="accent3" accent4="accent4" accent5="accent5" accent6="accent6" hlink="hlink" folHlink="folHlink"/>
-  </p:clrMapOvr>
-  <p:hf hdr="0" ftr="0" dt="0"/>
-</p:sldLayout>
-</file>
-
-<file path=ppt/slideLayouts/slideLayout10.xml><?xml version="1.0" encoding="utf-8"?>
-<p:sldLayout xmlns:a="http://schemas.openxmlformats.org/drawingml/2006/main" xmlns:r="http://schemas.openxmlformats.org/officeDocument/2006/relationships" xmlns:p="http://schemas.openxmlformats.org/presentationml/2006/main" preserve="1" userDrawn="1">
-  <p:cSld name="Cover Slide b">
-    <p:bg>
-      <p:bgPr>
-        <a:solidFill>
-          <a:srgbClr val="002595"/>
-        </a:solidFill>
-        <a:effectLst/>
-      </p:bgPr>
-    </p:bg>
-    <p:spTree>
-      <p:nvGrpSpPr>
-        <p:cNvPr id="1" name=""/>
-        <p:cNvGrpSpPr/>
-        <p:nvPr/>
-      </p:nvGrpSpPr>
-      <p:grpSpPr>
-        <a:xfrm>
-          <a:off x="0" y="0"/>
-          <a:ext cx="0" cy="0"/>
-          <a:chOff x="0" y="0"/>
-          <a:chExt cx="0" cy="0"/>
-        </a:xfrm>
-      </p:grpSpPr>
-      <p:pic>
-        <p:nvPicPr>
-          <p:cNvPr id="6" name="Picture 5" descr="A picture containing electronics, circuit&#10;&#10;Description automatically generated">
-            <a:extLst>
-              <a:ext uri="{FF2B5EF4-FFF2-40B4-BE49-F238E27FC236}">
-                <a16:creationId xmlns:a16="http://schemas.microsoft.com/office/drawing/2014/main" id="{296CA3DD-E15A-8D42-B4BB-FEFB92F039B6}"/>
-              </a:ext>
-            </a:extLst>
-          </p:cNvPr>
-          <p:cNvPicPr>
-            <a:picLocks noChangeAspect="1"/>
-          </p:cNvPicPr>
-          <p:nvPr userDrawn="1"/>
-        </p:nvPicPr>
-        <p:blipFill>
-          <a:blip r:embed="rId2"/>
-          <a:stretch>
-            <a:fillRect/>
-          </a:stretch>
-        </p:blipFill>
-        <p:spPr>
-          <a:xfrm>
-            <a:off x="0" y="0"/>
-            <a:ext cx="12192000" cy="6858000"/>
-          </a:xfrm>
-          <a:prstGeom prst="rect">
-            <a:avLst/>
-          </a:prstGeom>
-        </p:spPr>
-      </p:pic>
-      <p:sp>
-        <p:nvSpPr>
-          <p:cNvPr id="8" name="Title 1">
-            <a:extLst>
-              <a:ext uri="{FF2B5EF4-FFF2-40B4-BE49-F238E27FC236}">
-                <a16:creationId xmlns:a16="http://schemas.microsoft.com/office/drawing/2014/main" id="{197D3B5B-2EAA-2340-8061-6C674C47EA3B}"/>
-              </a:ext>
-            </a:extLst>
-          </p:cNvPr>
-          <p:cNvSpPr>
-            <a:spLocks noGrp="1"/>
-          </p:cNvSpPr>
-          <p:nvPr>
-            <p:ph type="title"/>
-          </p:nvPr>
-        </p:nvSpPr>
-        <p:spPr>
-          <a:xfrm>
-            <a:off x="3370182" y="2960255"/>
-            <a:ext cx="5451635" cy="642917"/>
-          </a:xfrm>
-        </p:spPr>
-        <p:txBody>
-          <a:bodyPr anchor="t" anchorCtr="1">
-            <a:normAutofit/>
-          </a:bodyPr>
-          <a:lstStyle>
-            <a:lvl1pPr algn="l">
-              <a:defRPr sz="4000" b="1" i="0">
-                <a:solidFill>
-                  <a:schemeClr val="bg1"/>
-                </a:solidFill>
-                <a:latin typeface="+mj-lt"/>
-                <a:cs typeface="Arial" panose="020B0604020202020204" pitchFamily="34" charset="0"/>
-              </a:defRPr>
-            </a:lvl1pPr>
-          </a:lstStyle>
-          <a:p>
-            <a:endParaRPr lang="en-US" dirty="0"/>
-          </a:p>
-        </p:txBody>
-      </p:sp>
-    </p:spTree>
-    <p:extLst>
-      <p:ext uri="{BB962C8B-B14F-4D97-AF65-F5344CB8AC3E}">
-        <p14:creationId xmlns:p14="http://schemas.microsoft.com/office/powerpoint/2010/main" val="2674172245"/>
-      </p:ext>
-    </p:extLst>
-  </p:cSld>
-  <p:clrMapOvr>
-    <a:masterClrMapping/>
-  </p:clrMapOvr>
-</p:sldLayout>
-</file>
-
-<file path=ppt/slideLayouts/slideLayout11.xml><?xml version="1.0" encoding="utf-8"?>
-<p:sldLayout xmlns:a="http://schemas.openxmlformats.org/drawingml/2006/main" xmlns:r="http://schemas.openxmlformats.org/officeDocument/2006/relationships" xmlns:p="http://schemas.openxmlformats.org/presentationml/2006/main" preserve="1" userDrawn="1">
-  <p:cSld name="Cover Slide c">
-    <p:bg>
-      <p:bgPr>
-        <a:solidFill>
-          <a:srgbClr val="002595"/>
-        </a:solidFill>
-        <a:effectLst/>
-      </p:bgPr>
-    </p:bg>
-    <p:spTree>
-      <p:nvGrpSpPr>
-        <p:cNvPr id="1" name=""/>
-        <p:cNvGrpSpPr/>
-        <p:nvPr/>
-      </p:nvGrpSpPr>
-      <p:grpSpPr>
-        <a:xfrm>
-          <a:off x="0" y="0"/>
-          <a:ext cx="0" cy="0"/>
-          <a:chOff x="0" y="0"/>
-          <a:chExt cx="0" cy="0"/>
-        </a:xfrm>
-      </p:grpSpPr>
-      <p:pic>
-        <p:nvPicPr>
-          <p:cNvPr id="9" name="Picture 8" descr="A picture containing cup&#10;&#10;Description automatically generated">
-            <a:extLst>
-              <a:ext uri="{FF2B5EF4-FFF2-40B4-BE49-F238E27FC236}">
-                <a16:creationId xmlns:a16="http://schemas.microsoft.com/office/drawing/2014/main" id="{A21E3950-BCA5-3E44-953B-3E2C64D1A820}"/>
-              </a:ext>
-            </a:extLst>
-          </p:cNvPr>
-          <p:cNvPicPr>
-            <a:picLocks noChangeAspect="1"/>
-          </p:cNvPicPr>
-          <p:nvPr userDrawn="1"/>
-        </p:nvPicPr>
-        <p:blipFill>
-          <a:blip r:embed="rId2"/>
-          <a:stretch>
-            <a:fillRect/>
-          </a:stretch>
-        </p:blipFill>
-        <p:spPr>
-          <a:xfrm>
-            <a:off x="0" y="0"/>
-            <a:ext cx="12192000" cy="6858000"/>
-          </a:xfrm>
-          <a:prstGeom prst="rect">
-            <a:avLst/>
-          </a:prstGeom>
-        </p:spPr>
-      </p:pic>
-      <p:sp>
-        <p:nvSpPr>
-          <p:cNvPr id="8" name="Title 1">
-            <a:extLst>
-              <a:ext uri="{FF2B5EF4-FFF2-40B4-BE49-F238E27FC236}">
-                <a16:creationId xmlns:a16="http://schemas.microsoft.com/office/drawing/2014/main" id="{197D3B5B-2EAA-2340-8061-6C674C47EA3B}"/>
-              </a:ext>
-            </a:extLst>
-          </p:cNvPr>
-          <p:cNvSpPr>
-            <a:spLocks noGrp="1"/>
-          </p:cNvSpPr>
-          <p:nvPr>
-            <p:ph type="title"/>
-          </p:nvPr>
-        </p:nvSpPr>
-        <p:spPr>
-          <a:xfrm>
-            <a:off x="3370182" y="2960255"/>
-            <a:ext cx="5451635" cy="642917"/>
-          </a:xfrm>
-        </p:spPr>
-        <p:txBody>
-          <a:bodyPr anchor="t" anchorCtr="1">
-            <a:normAutofit/>
-          </a:bodyPr>
-          <a:lstStyle>
-            <a:lvl1pPr algn="l">
-              <a:defRPr sz="4000" b="1" i="0">
-                <a:solidFill>
-                  <a:schemeClr val="bg1"/>
-                </a:solidFill>
-                <a:latin typeface="+mj-lt"/>
-                <a:cs typeface="Arial" panose="020B0604020202020204" pitchFamily="34" charset="0"/>
-              </a:defRPr>
-            </a:lvl1pPr>
-          </a:lstStyle>
-          <a:p>
-            <a:endParaRPr lang="en-US" dirty="0"/>
-          </a:p>
-        </p:txBody>
-      </p:sp>
-    </p:spTree>
-    <p:extLst>
-      <p:ext uri="{BB962C8B-B14F-4D97-AF65-F5344CB8AC3E}">
-        <p14:creationId xmlns:p14="http://schemas.microsoft.com/office/powerpoint/2010/main" val="604174362"/>
-      </p:ext>
-    </p:extLst>
-  </p:cSld>
-  <p:clrMapOvr>
-    <a:masterClrMapping/>
-  </p:clrMapOvr>
-</p:sldLayout>
-</file>
-
-<file path=ppt/slideLayouts/slideLayout12.xml><?xml version="1.0" encoding="utf-8"?>
-<p:sldLayout xmlns:a="http://schemas.openxmlformats.org/drawingml/2006/main" xmlns:r="http://schemas.openxmlformats.org/officeDocument/2006/relationships" xmlns:p="http://schemas.openxmlformats.org/presentationml/2006/main" preserve="1" userDrawn="1">
-  <p:cSld name="Title Slide 1a">
-    <p:spTree>
-      <p:nvGrpSpPr>
-        <p:cNvPr id="1" name=""/>
-        <p:cNvGrpSpPr/>
-        <p:nvPr/>
-      </p:nvGrpSpPr>
-      <p:grpSpPr>
-        <a:xfrm>
-          <a:off x="0" y="0"/>
-          <a:ext cx="0" cy="0"/>
-          <a:chOff x="0" y="0"/>
-          <a:chExt cx="0" cy="0"/>
-        </a:xfrm>
-      </p:grpSpPr>
-      <p:pic>
-        <p:nvPicPr>
-          <p:cNvPr id="20" name="Picture 19">
-            <a:extLst>
-              <a:ext uri="{FF2B5EF4-FFF2-40B4-BE49-F238E27FC236}">
-                <a16:creationId xmlns:a16="http://schemas.microsoft.com/office/drawing/2014/main" id="{ABCFBB4B-867D-724C-8C7F-AF20A347506D}"/>
-              </a:ext>
-            </a:extLst>
-          </p:cNvPr>
-          <p:cNvPicPr>
-            <a:picLocks noChangeAspect="1"/>
-          </p:cNvPicPr>
-          <p:nvPr userDrawn="1"/>
-        </p:nvPicPr>
-        <p:blipFill>
-          <a:blip r:embed="rId2"/>
-          <a:stretch>
-            <a:fillRect/>
-          </a:stretch>
-        </p:blipFill>
-        <p:spPr>
-          <a:xfrm>
-            <a:off x="0" y="0"/>
-            <a:ext cx="12192000" cy="6858000"/>
-          </a:xfrm>
-          <a:prstGeom prst="rect">
-            <a:avLst/>
-          </a:prstGeom>
-        </p:spPr>
-      </p:pic>
-      <p:sp>
-        <p:nvSpPr>
-          <p:cNvPr id="9" name="Title 1">
-            <a:extLst>
-              <a:ext uri="{FF2B5EF4-FFF2-40B4-BE49-F238E27FC236}">
-                <a16:creationId xmlns:a16="http://schemas.microsoft.com/office/drawing/2014/main" id="{F5C20D17-35C2-4743-8117-76C43D3C5CF0}"/>
-              </a:ext>
-            </a:extLst>
-          </p:cNvPr>
-          <p:cNvSpPr>
-            <a:spLocks noGrp="1"/>
-          </p:cNvSpPr>
-          <p:nvPr>
-            <p:ph type="ctrTitle" hasCustomPrompt="1"/>
-          </p:nvPr>
-        </p:nvSpPr>
-        <p:spPr>
-          <a:xfrm>
-            <a:off x="4925908" y="2681049"/>
-            <a:ext cx="4207118" cy="747951"/>
-          </a:xfrm>
-        </p:spPr>
-        <p:txBody>
-          <a:bodyPr anchor="b">
-            <a:noAutofit/>
-          </a:bodyPr>
-          <a:lstStyle>
-            <a:lvl1pPr algn="l">
-              <a:defRPr sz="4400" b="1" i="0">
-                <a:solidFill>
-                  <a:schemeClr val="tx1"/>
-                </a:solidFill>
-                <a:latin typeface="+mj-lt"/>
-                <a:cs typeface="Arial" panose="020B0604020202020204" pitchFamily="34" charset="0"/>
-              </a:defRPr>
-            </a:lvl1pPr>
-          </a:lstStyle>
-          <a:p>
-            <a:r>
-              <a:rPr lang="en-US" dirty="0"/>
-              <a:t>Title</a:t>
-            </a:r>
-          </a:p>
-        </p:txBody>
-      </p:sp>
-      <p:sp>
-        <p:nvSpPr>
-          <p:cNvPr id="10" name="Subtitle 2">
-            <a:extLst>
-              <a:ext uri="{FF2B5EF4-FFF2-40B4-BE49-F238E27FC236}">
-                <a16:creationId xmlns:a16="http://schemas.microsoft.com/office/drawing/2014/main" id="{8D659EDD-2B38-5B47-A9D0-81844CA0E5B8}"/>
-              </a:ext>
-            </a:extLst>
-          </p:cNvPr>
-          <p:cNvSpPr>
-            <a:spLocks noGrp="1"/>
-          </p:cNvSpPr>
-          <p:nvPr>
-            <p:ph type="subTitle" idx="1" hasCustomPrompt="1"/>
-          </p:nvPr>
-        </p:nvSpPr>
-        <p:spPr>
-          <a:xfrm>
-            <a:off x="4925908" y="3546948"/>
-            <a:ext cx="4207118" cy="628439"/>
-          </a:xfrm>
-        </p:spPr>
-        <p:txBody>
-          <a:bodyPr>
-            <a:noAutofit/>
-          </a:bodyPr>
-          <a:lstStyle>
-            <a:lvl1pPr marL="0" indent="0" algn="l">
-              <a:buNone/>
-              <a:defRPr sz="1800" b="0" i="0">
-                <a:latin typeface="+mj-lt"/>
-                <a:cs typeface="Arial" panose="020B0604020202020204" pitchFamily="34" charset="0"/>
-              </a:defRPr>
-            </a:lvl1pPr>
-            <a:lvl2pPr marL="342884" indent="0" algn="ctr">
-              <a:buNone/>
-              <a:defRPr sz="1500"/>
-            </a:lvl2pPr>
-            <a:lvl3pPr marL="685766" indent="0" algn="ctr">
-              <a:buNone/>
-              <a:defRPr sz="1350"/>
-            </a:lvl3pPr>
-            <a:lvl4pPr marL="1028649" indent="0" algn="ctr">
-              <a:buNone/>
-              <a:defRPr sz="1200"/>
-            </a:lvl4pPr>
-            <a:lvl5pPr marL="1371532" indent="0" algn="ctr">
-              <a:buNone/>
-              <a:defRPr sz="1200"/>
-            </a:lvl5pPr>
-            <a:lvl6pPr marL="1714415" indent="0" algn="ctr">
-              <a:buNone/>
-              <a:defRPr sz="1200"/>
-            </a:lvl6pPr>
-            <a:lvl7pPr marL="2057297" indent="0" algn="ctr">
-              <a:buNone/>
-              <a:defRPr sz="1200"/>
-            </a:lvl7pPr>
-            <a:lvl8pPr marL="2400180" indent="0" algn="ctr">
-              <a:buNone/>
-              <a:defRPr sz="1200"/>
-            </a:lvl8pPr>
-            <a:lvl9pPr marL="2743064" indent="0" algn="ctr">
-              <a:buNone/>
-              <a:defRPr sz="1200"/>
-            </a:lvl9pPr>
-          </a:lstStyle>
-          <a:p>
-            <a:r>
-              <a:rPr lang="en-US" dirty="0"/>
-              <a:t>Subtitle</a:t>
-            </a:r>
-          </a:p>
-        </p:txBody>
-      </p:sp>
-      <p:sp>
-        <p:nvSpPr>
-          <p:cNvPr id="6" name="Rectangle 5">
-            <a:extLst>
-              <a:ext uri="{FF2B5EF4-FFF2-40B4-BE49-F238E27FC236}">
-                <a16:creationId xmlns:a16="http://schemas.microsoft.com/office/drawing/2014/main" id="{23BBC1F6-722E-7449-97EA-D3F017383FD2}"/>
-              </a:ext>
-            </a:extLst>
-          </p:cNvPr>
-          <p:cNvSpPr/>
-          <p:nvPr userDrawn="1"/>
-        </p:nvSpPr>
-        <p:spPr>
-          <a:xfrm>
-            <a:off x="199053" y="6133322"/>
-            <a:ext cx="2488163" cy="603380"/>
-          </a:xfrm>
-          <a:prstGeom prst="rect">
-            <a:avLst/>
-          </a:prstGeom>
-          <a:solidFill>
-            <a:srgbClr val="F8F8F8"/>
-          </a:solidFill>
-          <a:ln>
-            <a:noFill/>
-          </a:ln>
-        </p:spPr>
-        <p:style>
-          <a:lnRef idx="2">
-            <a:schemeClr val="accent1">
-              <a:shade val="50000"/>
-            </a:schemeClr>
-          </a:lnRef>
-          <a:fillRef idx="1">
-            <a:schemeClr val="accent1"/>
-          </a:fillRef>
-          <a:effectRef idx="0">
-            <a:schemeClr val="accent1"/>
-          </a:effectRef>
-          <a:fontRef idx="minor">
-            <a:schemeClr val="lt1"/>
-          </a:fontRef>
-        </p:style>
-        <p:txBody>
-          <a:bodyPr rtlCol="0" anchor="ctr"/>
-          <a:lstStyle/>
-          <a:p>
-            <a:pPr algn="ctr"/>
-            <a:endParaRPr lang="en-US"/>
-          </a:p>
-        </p:txBody>
-      </p:sp>
-      <p:pic>
-        <p:nvPicPr>
-          <p:cNvPr id="7" name="Picture 6" descr="A close up of a logo&#10;&#10;Description automatically generated">
-            <a:extLst>
-              <a:ext uri="{FF2B5EF4-FFF2-40B4-BE49-F238E27FC236}">
-                <a16:creationId xmlns:a16="http://schemas.microsoft.com/office/drawing/2014/main" id="{1FBF0198-5A9C-F641-9FA5-96F7E7104EA8}"/>
-              </a:ext>
-            </a:extLst>
-          </p:cNvPr>
-          <p:cNvPicPr>
-            <a:picLocks noChangeAspect="1"/>
-          </p:cNvPicPr>
-          <p:nvPr userDrawn="1"/>
-        </p:nvPicPr>
-        <p:blipFill>
-          <a:blip r:embed="rId3"/>
-          <a:stretch>
-            <a:fillRect/>
-          </a:stretch>
-        </p:blipFill>
-        <p:spPr>
-          <a:xfrm>
-            <a:off x="0" y="5877012"/>
-            <a:ext cx="2923878" cy="1234302"/>
-          </a:xfrm>
-          <a:prstGeom prst="rect">
-            <a:avLst/>
-          </a:prstGeom>
-        </p:spPr>
-      </p:pic>
-    </p:spTree>
-    <p:extLst>
-      <p:ext uri="{BB962C8B-B14F-4D97-AF65-F5344CB8AC3E}">
-        <p14:creationId xmlns:p14="http://schemas.microsoft.com/office/powerpoint/2010/main" val="2256767406"/>
-      </p:ext>
-    </p:extLst>
-  </p:cSld>
-  <p:clrMapOvr>
-    <a:masterClrMapping/>
-  </p:clrMapOvr>
-</p:sldLayout>
-</file>
-
-<file path=ppt/slideLayouts/slideLayout13.xml><?xml version="1.0" encoding="utf-8"?>
-<p:sldLayout xmlns:a="http://schemas.openxmlformats.org/drawingml/2006/main" xmlns:r="http://schemas.openxmlformats.org/officeDocument/2006/relationships" xmlns:p="http://schemas.openxmlformats.org/presentationml/2006/main" preserve="1" userDrawn="1">
-  <p:cSld name="1_Title Slide 1a">
-    <p:spTree>
-      <p:nvGrpSpPr>
-        <p:cNvPr id="1" name=""/>
-        <p:cNvGrpSpPr/>
-        <p:nvPr/>
-      </p:nvGrpSpPr>
-      <p:grpSpPr>
-        <a:xfrm>
-          <a:off x="0" y="0"/>
-          <a:ext cx="0" cy="0"/>
-          <a:chOff x="0" y="0"/>
-          <a:chExt cx="0" cy="0"/>
-        </a:xfrm>
-      </p:grpSpPr>
-      <p:pic>
-        <p:nvPicPr>
-          <p:cNvPr id="20" name="Picture 19">
-            <a:extLst>
-              <a:ext uri="{FF2B5EF4-FFF2-40B4-BE49-F238E27FC236}">
-                <a16:creationId xmlns:a16="http://schemas.microsoft.com/office/drawing/2014/main" id="{ABCFBB4B-867D-724C-8C7F-AF20A347506D}"/>
-              </a:ext>
-            </a:extLst>
-          </p:cNvPr>
-          <p:cNvPicPr>
-            <a:picLocks noChangeAspect="1"/>
-          </p:cNvPicPr>
-          <p:nvPr userDrawn="1"/>
-        </p:nvPicPr>
-        <p:blipFill>
-          <a:blip r:embed="rId2"/>
-          <a:stretch>
-            <a:fillRect/>
-          </a:stretch>
-        </p:blipFill>
-        <p:spPr>
-          <a:xfrm>
-            <a:off x="0" y="0"/>
-            <a:ext cx="12192000" cy="6858000"/>
-          </a:xfrm>
-          <a:prstGeom prst="rect">
-            <a:avLst/>
-          </a:prstGeom>
-        </p:spPr>
-      </p:pic>
-      <p:pic>
-        <p:nvPicPr>
-          <p:cNvPr id="5" name="Picture 4">
-            <a:extLst>
-              <a:ext uri="{FF2B5EF4-FFF2-40B4-BE49-F238E27FC236}">
-                <a16:creationId xmlns:a16="http://schemas.microsoft.com/office/drawing/2014/main" id="{E9D0C7A9-65BE-5641-A5CA-C22188BC0627}"/>
-              </a:ext>
-            </a:extLst>
-          </p:cNvPr>
-          <p:cNvPicPr>
-            <a:picLocks noChangeAspect="1"/>
-          </p:cNvPicPr>
-          <p:nvPr userDrawn="1"/>
-        </p:nvPicPr>
-        <p:blipFill>
-          <a:blip r:embed="rId3"/>
-          <a:stretch>
-            <a:fillRect/>
-          </a:stretch>
-        </p:blipFill>
-        <p:spPr>
-          <a:xfrm>
-            <a:off x="0" y="0"/>
-            <a:ext cx="12192000" cy="6858000"/>
-          </a:xfrm>
-          <a:prstGeom prst="rect">
-            <a:avLst/>
-          </a:prstGeom>
-        </p:spPr>
-      </p:pic>
-      <p:sp>
-        <p:nvSpPr>
-          <p:cNvPr id="9" name="Title 1">
-            <a:extLst>
-              <a:ext uri="{FF2B5EF4-FFF2-40B4-BE49-F238E27FC236}">
-                <a16:creationId xmlns:a16="http://schemas.microsoft.com/office/drawing/2014/main" id="{F5C20D17-35C2-4743-8117-76C43D3C5CF0}"/>
-              </a:ext>
-            </a:extLst>
-          </p:cNvPr>
-          <p:cNvSpPr>
-            <a:spLocks noGrp="1"/>
-          </p:cNvSpPr>
-          <p:nvPr>
-            <p:ph type="ctrTitle" hasCustomPrompt="1"/>
-          </p:nvPr>
-        </p:nvSpPr>
-        <p:spPr>
-          <a:xfrm>
-            <a:off x="4925908" y="2681049"/>
-            <a:ext cx="4207118" cy="747951"/>
-          </a:xfrm>
-        </p:spPr>
-        <p:txBody>
-          <a:bodyPr anchor="b">
-            <a:noAutofit/>
-          </a:bodyPr>
-          <a:lstStyle>
-            <a:lvl1pPr algn="l">
-              <a:defRPr sz="4400" b="1" i="0">
-                <a:solidFill>
-                  <a:schemeClr val="tx1"/>
-                </a:solidFill>
-                <a:latin typeface="+mj-lt"/>
-                <a:cs typeface="Arial" panose="020B0604020202020204" pitchFamily="34" charset="0"/>
-              </a:defRPr>
-            </a:lvl1pPr>
-          </a:lstStyle>
-          <a:p>
-            <a:r>
-              <a:rPr lang="en-US" dirty="0"/>
-              <a:t>Title</a:t>
-            </a:r>
-          </a:p>
-        </p:txBody>
-      </p:sp>
-      <p:sp>
-        <p:nvSpPr>
-          <p:cNvPr id="10" name="Subtitle 2">
-            <a:extLst>
-              <a:ext uri="{FF2B5EF4-FFF2-40B4-BE49-F238E27FC236}">
-                <a16:creationId xmlns:a16="http://schemas.microsoft.com/office/drawing/2014/main" id="{8D659EDD-2B38-5B47-A9D0-81844CA0E5B8}"/>
-              </a:ext>
-            </a:extLst>
-          </p:cNvPr>
-          <p:cNvSpPr>
-            <a:spLocks noGrp="1"/>
-          </p:cNvSpPr>
-          <p:nvPr>
-            <p:ph type="subTitle" idx="1" hasCustomPrompt="1"/>
-          </p:nvPr>
-        </p:nvSpPr>
-        <p:spPr>
-          <a:xfrm>
-            <a:off x="4925908" y="3546948"/>
-            <a:ext cx="4207118" cy="628439"/>
-          </a:xfrm>
-        </p:spPr>
-        <p:txBody>
-          <a:bodyPr>
-            <a:noAutofit/>
-          </a:bodyPr>
-          <a:lstStyle>
-            <a:lvl1pPr marL="0" indent="0" algn="l">
-              <a:buNone/>
-              <a:defRPr sz="1800" b="0" i="0">
-                <a:latin typeface="+mj-lt"/>
-                <a:cs typeface="Arial" panose="020B0604020202020204" pitchFamily="34" charset="0"/>
-              </a:defRPr>
-            </a:lvl1pPr>
-            <a:lvl2pPr marL="342884" indent="0" algn="ctr">
-              <a:buNone/>
-              <a:defRPr sz="1500"/>
-            </a:lvl2pPr>
-            <a:lvl3pPr marL="685766" indent="0" algn="ctr">
-              <a:buNone/>
-              <a:defRPr sz="1350"/>
-            </a:lvl3pPr>
-            <a:lvl4pPr marL="1028649" indent="0" algn="ctr">
-              <a:buNone/>
-              <a:defRPr sz="1200"/>
-            </a:lvl4pPr>
-            <a:lvl5pPr marL="1371532" indent="0" algn="ctr">
-              <a:buNone/>
-              <a:defRPr sz="1200"/>
-            </a:lvl5pPr>
-            <a:lvl6pPr marL="1714415" indent="0" algn="ctr">
-              <a:buNone/>
-              <a:defRPr sz="1200"/>
-            </a:lvl6pPr>
-            <a:lvl7pPr marL="2057297" indent="0" algn="ctr">
-              <a:buNone/>
-              <a:defRPr sz="1200"/>
-            </a:lvl7pPr>
-            <a:lvl8pPr marL="2400180" indent="0" algn="ctr">
-              <a:buNone/>
-              <a:defRPr sz="1200"/>
-            </a:lvl8pPr>
-            <a:lvl9pPr marL="2743064" indent="0" algn="ctr">
-              <a:buNone/>
-              <a:defRPr sz="1200"/>
-            </a:lvl9pPr>
-          </a:lstStyle>
-          <a:p>
-            <a:r>
-              <a:rPr lang="en-US" dirty="0"/>
-              <a:t>Subtitle</a:t>
-            </a:r>
-          </a:p>
-        </p:txBody>
-      </p:sp>
-      <p:sp>
-        <p:nvSpPr>
-          <p:cNvPr id="8" name="Rectangle 7">
-            <a:extLst>
-              <a:ext uri="{FF2B5EF4-FFF2-40B4-BE49-F238E27FC236}">
-                <a16:creationId xmlns:a16="http://schemas.microsoft.com/office/drawing/2014/main" id="{203C5879-9DFB-074E-8AB6-BD452CE51D4C}"/>
-              </a:ext>
-            </a:extLst>
-          </p:cNvPr>
-          <p:cNvSpPr/>
-          <p:nvPr userDrawn="1"/>
-        </p:nvSpPr>
-        <p:spPr>
-          <a:xfrm>
-            <a:off x="199053" y="6133322"/>
-            <a:ext cx="2488163" cy="603380"/>
-          </a:xfrm>
-          <a:prstGeom prst="rect">
-            <a:avLst/>
-          </a:prstGeom>
-          <a:solidFill>
-            <a:srgbClr val="F8F8F8"/>
-          </a:solidFill>
-          <a:ln>
-            <a:noFill/>
-          </a:ln>
-        </p:spPr>
-        <p:style>
-          <a:lnRef idx="2">
-            <a:schemeClr val="accent1">
-              <a:shade val="50000"/>
-            </a:schemeClr>
-          </a:lnRef>
-          <a:fillRef idx="1">
-            <a:schemeClr val="accent1"/>
-          </a:fillRef>
-          <a:effectRef idx="0">
-            <a:schemeClr val="accent1"/>
-          </a:effectRef>
-          <a:fontRef idx="minor">
-            <a:schemeClr val="lt1"/>
-          </a:fontRef>
-        </p:style>
-        <p:txBody>
-          <a:bodyPr rtlCol="0" anchor="ctr"/>
-          <a:lstStyle/>
-          <a:p>
-            <a:pPr algn="ctr"/>
-            <a:endParaRPr lang="en-US"/>
-          </a:p>
-        </p:txBody>
-      </p:sp>
-      <p:pic>
-        <p:nvPicPr>
-          <p:cNvPr id="11" name="Picture 10" descr="A close up of a logo&#10;&#10;Description automatically generated">
-            <a:extLst>
-              <a:ext uri="{FF2B5EF4-FFF2-40B4-BE49-F238E27FC236}">
-                <a16:creationId xmlns:a16="http://schemas.microsoft.com/office/drawing/2014/main" id="{A818234F-D272-2E4B-9E5D-8259F5B16577}"/>
-              </a:ext>
-            </a:extLst>
-          </p:cNvPr>
-          <p:cNvPicPr>
-            <a:picLocks noChangeAspect="1"/>
-          </p:cNvPicPr>
-          <p:nvPr userDrawn="1"/>
-        </p:nvPicPr>
-        <p:blipFill>
-          <a:blip r:embed="rId4"/>
-          <a:stretch>
-            <a:fillRect/>
-          </a:stretch>
-        </p:blipFill>
-        <p:spPr>
-          <a:xfrm>
-            <a:off x="0" y="5877012"/>
-            <a:ext cx="2923878" cy="1234302"/>
-          </a:xfrm>
-          <a:prstGeom prst="rect">
-            <a:avLst/>
-          </a:prstGeom>
-        </p:spPr>
-      </p:pic>
-    </p:spTree>
-    <p:extLst>
-      <p:ext uri="{BB962C8B-B14F-4D97-AF65-F5344CB8AC3E}">
-        <p14:creationId xmlns:p14="http://schemas.microsoft.com/office/powerpoint/2010/main" val="362846762"/>
-      </p:ext>
-    </p:extLst>
-  </p:cSld>
-  <p:clrMapOvr>
-    <a:masterClrMapping/>
-  </p:clrMapOvr>
-</p:sldLayout>
-</file>
-
-<file path=ppt/slideLayouts/slideLayout14.xml><?xml version="1.0" encoding="utf-8"?>
-<p:sldLayout xmlns:a="http://schemas.openxmlformats.org/drawingml/2006/main" xmlns:r="http://schemas.openxmlformats.org/officeDocument/2006/relationships" xmlns:p="http://schemas.openxmlformats.org/presentationml/2006/main" preserve="1" userDrawn="1">
-  <p:cSld name="Title Slide 1c">
-    <p:spTree>
-      <p:nvGrpSpPr>
-        <p:cNvPr id="1" name=""/>
-        <p:cNvGrpSpPr/>
-        <p:nvPr/>
-      </p:nvGrpSpPr>
-      <p:grpSpPr>
-        <a:xfrm>
-          <a:off x="0" y="0"/>
-          <a:ext cx="0" cy="0"/>
-          <a:chOff x="0" y="0"/>
-          <a:chExt cx="0" cy="0"/>
-        </a:xfrm>
-      </p:grpSpPr>
-      <p:pic>
-        <p:nvPicPr>
-          <p:cNvPr id="20" name="Picture 19">
-            <a:extLst>
-              <a:ext uri="{FF2B5EF4-FFF2-40B4-BE49-F238E27FC236}">
-                <a16:creationId xmlns:a16="http://schemas.microsoft.com/office/drawing/2014/main" id="{ABCFBB4B-867D-724C-8C7F-AF20A347506D}"/>
-              </a:ext>
-            </a:extLst>
-          </p:cNvPr>
-          <p:cNvPicPr>
-            <a:picLocks noChangeAspect="1"/>
-          </p:cNvPicPr>
-          <p:nvPr userDrawn="1"/>
-        </p:nvPicPr>
-        <p:blipFill>
-          <a:blip r:embed="rId2"/>
-          <a:stretch>
-            <a:fillRect/>
-          </a:stretch>
-        </p:blipFill>
-        <p:spPr>
-          <a:xfrm>
-            <a:off x="0" y="0"/>
-            <a:ext cx="12192000" cy="6858000"/>
-          </a:xfrm>
-          <a:prstGeom prst="rect">
-            <a:avLst/>
-          </a:prstGeom>
-        </p:spPr>
-      </p:pic>
-      <p:pic>
-        <p:nvPicPr>
-          <p:cNvPr id="3" name="Picture 2">
-            <a:extLst>
-              <a:ext uri="{FF2B5EF4-FFF2-40B4-BE49-F238E27FC236}">
-                <a16:creationId xmlns:a16="http://schemas.microsoft.com/office/drawing/2014/main" id="{C1120318-6297-3447-8B77-D9C7B54E3BA4}"/>
-              </a:ext>
-            </a:extLst>
-          </p:cNvPr>
-          <p:cNvPicPr>
-            <a:picLocks noChangeAspect="1"/>
-          </p:cNvPicPr>
-          <p:nvPr userDrawn="1"/>
-        </p:nvPicPr>
-        <p:blipFill>
-          <a:blip r:embed="rId3"/>
-          <a:stretch>
-            <a:fillRect/>
-          </a:stretch>
-        </p:blipFill>
-        <p:spPr>
-          <a:xfrm>
-            <a:off x="0" y="0"/>
-            <a:ext cx="12192000" cy="6858000"/>
-          </a:xfrm>
-          <a:prstGeom prst="rect">
-            <a:avLst/>
-          </a:prstGeom>
-        </p:spPr>
-      </p:pic>
-      <p:sp>
-        <p:nvSpPr>
-          <p:cNvPr id="9" name="Title 1">
-            <a:extLst>
-              <a:ext uri="{FF2B5EF4-FFF2-40B4-BE49-F238E27FC236}">
-                <a16:creationId xmlns:a16="http://schemas.microsoft.com/office/drawing/2014/main" id="{F5C20D17-35C2-4743-8117-76C43D3C5CF0}"/>
-              </a:ext>
-            </a:extLst>
-          </p:cNvPr>
-          <p:cNvSpPr>
-            <a:spLocks noGrp="1"/>
-          </p:cNvSpPr>
-          <p:nvPr>
-            <p:ph type="ctrTitle" hasCustomPrompt="1"/>
-          </p:nvPr>
-        </p:nvSpPr>
-        <p:spPr>
-          <a:xfrm>
-            <a:off x="4925908" y="2681049"/>
-            <a:ext cx="4207118" cy="747951"/>
-          </a:xfrm>
-        </p:spPr>
-        <p:txBody>
-          <a:bodyPr anchor="b">
-            <a:noAutofit/>
-          </a:bodyPr>
-          <a:lstStyle>
-            <a:lvl1pPr algn="l">
-              <a:defRPr sz="4400" b="1" i="0">
-                <a:solidFill>
-                  <a:schemeClr val="tx1"/>
-                </a:solidFill>
-                <a:latin typeface="+mj-lt"/>
-                <a:cs typeface="Arial" panose="020B0604020202020204" pitchFamily="34" charset="0"/>
-              </a:defRPr>
-            </a:lvl1pPr>
-          </a:lstStyle>
-          <a:p>
-            <a:r>
-              <a:rPr lang="en-US" dirty="0"/>
-              <a:t>Title</a:t>
-            </a:r>
-          </a:p>
-        </p:txBody>
-      </p:sp>
-      <p:sp>
-        <p:nvSpPr>
-          <p:cNvPr id="10" name="Subtitle 2">
-            <a:extLst>
-              <a:ext uri="{FF2B5EF4-FFF2-40B4-BE49-F238E27FC236}">
-                <a16:creationId xmlns:a16="http://schemas.microsoft.com/office/drawing/2014/main" id="{8D659EDD-2B38-5B47-A9D0-81844CA0E5B8}"/>
-              </a:ext>
-            </a:extLst>
-          </p:cNvPr>
-          <p:cNvSpPr>
-            <a:spLocks noGrp="1"/>
-          </p:cNvSpPr>
-          <p:nvPr>
-            <p:ph type="subTitle" idx="1" hasCustomPrompt="1"/>
-          </p:nvPr>
-        </p:nvSpPr>
-        <p:spPr>
-          <a:xfrm>
-            <a:off x="4925908" y="3546948"/>
-            <a:ext cx="4207118" cy="628439"/>
-          </a:xfrm>
-        </p:spPr>
-        <p:txBody>
-          <a:bodyPr>
-            <a:noAutofit/>
-          </a:bodyPr>
-          <a:lstStyle>
-            <a:lvl1pPr marL="0" indent="0" algn="l">
-              <a:buNone/>
-              <a:defRPr sz="1800" b="0" i="0">
-                <a:latin typeface="+mj-lt"/>
-                <a:cs typeface="Arial" panose="020B0604020202020204" pitchFamily="34" charset="0"/>
-              </a:defRPr>
-            </a:lvl1pPr>
-            <a:lvl2pPr marL="342884" indent="0" algn="ctr">
-              <a:buNone/>
-              <a:defRPr sz="1500"/>
-            </a:lvl2pPr>
-            <a:lvl3pPr marL="685766" indent="0" algn="ctr">
-              <a:buNone/>
-              <a:defRPr sz="1350"/>
-            </a:lvl3pPr>
-            <a:lvl4pPr marL="1028649" indent="0" algn="ctr">
-              <a:buNone/>
-              <a:defRPr sz="1200"/>
-            </a:lvl4pPr>
-            <a:lvl5pPr marL="1371532" indent="0" algn="ctr">
-              <a:buNone/>
-              <a:defRPr sz="1200"/>
-            </a:lvl5pPr>
-            <a:lvl6pPr marL="1714415" indent="0" algn="ctr">
-              <a:buNone/>
-              <a:defRPr sz="1200"/>
-            </a:lvl6pPr>
-            <a:lvl7pPr marL="2057297" indent="0" algn="ctr">
-              <a:buNone/>
-              <a:defRPr sz="1200"/>
-            </a:lvl7pPr>
-            <a:lvl8pPr marL="2400180" indent="0" algn="ctr">
-              <a:buNone/>
-              <a:defRPr sz="1200"/>
-            </a:lvl8pPr>
-            <a:lvl9pPr marL="2743064" indent="0" algn="ctr">
-              <a:buNone/>
-              <a:defRPr sz="1200"/>
-            </a:lvl9pPr>
-          </a:lstStyle>
-          <a:p>
-            <a:r>
-              <a:rPr lang="en-US" dirty="0"/>
-              <a:t>Subtitle</a:t>
-            </a:r>
-          </a:p>
-        </p:txBody>
-      </p:sp>
-      <p:sp>
-        <p:nvSpPr>
-          <p:cNvPr id="6" name="Rectangle 5">
-            <a:extLst>
-              <a:ext uri="{FF2B5EF4-FFF2-40B4-BE49-F238E27FC236}">
-                <a16:creationId xmlns:a16="http://schemas.microsoft.com/office/drawing/2014/main" id="{9EAA3B07-316C-2240-A705-BB36F8A802FA}"/>
-              </a:ext>
-            </a:extLst>
-          </p:cNvPr>
-          <p:cNvSpPr/>
-          <p:nvPr userDrawn="1"/>
-        </p:nvSpPr>
-        <p:spPr>
-          <a:xfrm>
-            <a:off x="199053" y="6133322"/>
-            <a:ext cx="2488163" cy="603380"/>
-          </a:xfrm>
-          <a:prstGeom prst="rect">
-            <a:avLst/>
-          </a:prstGeom>
-          <a:solidFill>
-            <a:srgbClr val="F8F8F8"/>
-          </a:solidFill>
-          <a:ln>
-            <a:noFill/>
-          </a:ln>
-        </p:spPr>
-        <p:style>
-          <a:lnRef idx="2">
-            <a:schemeClr val="accent1">
-              <a:shade val="50000"/>
-            </a:schemeClr>
-          </a:lnRef>
-          <a:fillRef idx="1">
-            <a:schemeClr val="accent1"/>
-          </a:fillRef>
-          <a:effectRef idx="0">
-            <a:schemeClr val="accent1"/>
-          </a:effectRef>
-          <a:fontRef idx="minor">
-            <a:schemeClr val="lt1"/>
-          </a:fontRef>
-        </p:style>
-        <p:txBody>
-          <a:bodyPr rtlCol="0" anchor="ctr"/>
-          <a:lstStyle/>
-          <a:p>
-            <a:pPr algn="ctr"/>
-            <a:endParaRPr lang="en-US"/>
-          </a:p>
-        </p:txBody>
-      </p:sp>
-      <p:pic>
-        <p:nvPicPr>
-          <p:cNvPr id="14" name="Picture 13" descr="A close up of a logo&#10;&#10;Description automatically generated">
-            <a:extLst>
-              <a:ext uri="{FF2B5EF4-FFF2-40B4-BE49-F238E27FC236}">
-                <a16:creationId xmlns:a16="http://schemas.microsoft.com/office/drawing/2014/main" id="{FA181C68-3A3C-4F4B-89B5-F7E01C786EB7}"/>
-              </a:ext>
-            </a:extLst>
-          </p:cNvPr>
-          <p:cNvPicPr>
-            <a:picLocks noChangeAspect="1"/>
-          </p:cNvPicPr>
-          <p:nvPr userDrawn="1"/>
-        </p:nvPicPr>
-        <p:blipFill>
-          <a:blip r:embed="rId4"/>
-          <a:stretch>
-            <a:fillRect/>
-          </a:stretch>
-        </p:blipFill>
-        <p:spPr>
-          <a:xfrm>
-            <a:off x="0" y="5877012"/>
-            <a:ext cx="2923878" cy="1234302"/>
-          </a:xfrm>
-          <a:prstGeom prst="rect">
-            <a:avLst/>
-          </a:prstGeom>
-        </p:spPr>
-      </p:pic>
-    </p:spTree>
-    <p:extLst>
-      <p:ext uri="{BB962C8B-B14F-4D97-AF65-F5344CB8AC3E}">
-        <p14:creationId xmlns:p14="http://schemas.microsoft.com/office/powerpoint/2010/main" val="4208239192"/>
-      </p:ext>
-    </p:extLst>
-  </p:cSld>
-  <p:clrMapOvr>
-    <a:masterClrMapping/>
-  </p:clrMapOvr>
-</p:sldLayout>
-</file>
-
-<file path=ppt/slideLayouts/slideLayout15.xml><?xml version="1.0" encoding="utf-8"?>
-<p:sldLayout xmlns:a="http://schemas.openxmlformats.org/drawingml/2006/main" xmlns:r="http://schemas.openxmlformats.org/officeDocument/2006/relationships" xmlns:p="http://schemas.openxmlformats.org/presentationml/2006/main" preserve="1" userDrawn="1">
-  <p:cSld name="Big Quote a">
-    <p:spTree>
-      <p:nvGrpSpPr>
-        <p:cNvPr id="1" name=""/>
-        <p:cNvGrpSpPr/>
-        <p:nvPr/>
-      </p:nvGrpSpPr>
-      <p:grpSpPr>
-        <a:xfrm>
-          <a:off x="0" y="0"/>
-          <a:ext cx="0" cy="0"/>
-          <a:chOff x="0" y="0"/>
-          <a:chExt cx="0" cy="0"/>
-        </a:xfrm>
-      </p:grpSpPr>
-      <p:pic>
-        <p:nvPicPr>
-          <p:cNvPr id="3" name="Picture 2" descr="A close up of a logo&#10;&#10;Description automatically generated">
-            <a:extLst>
-              <a:ext uri="{FF2B5EF4-FFF2-40B4-BE49-F238E27FC236}">
-                <a16:creationId xmlns:a16="http://schemas.microsoft.com/office/drawing/2014/main" id="{F18E355D-2147-0E45-A178-F68CB31DAF29}"/>
-              </a:ext>
-            </a:extLst>
-          </p:cNvPr>
-          <p:cNvPicPr>
-            <a:picLocks noChangeAspect="1"/>
-          </p:cNvPicPr>
-          <p:nvPr userDrawn="1"/>
-        </p:nvPicPr>
-        <p:blipFill>
-          <a:blip r:embed="rId2"/>
-          <a:stretch>
-            <a:fillRect/>
-          </a:stretch>
-        </p:blipFill>
-        <p:spPr>
-          <a:xfrm>
-            <a:off x="0" y="0"/>
-            <a:ext cx="12192000" cy="6858000"/>
-          </a:xfrm>
-          <a:prstGeom prst="rect">
-            <a:avLst/>
-          </a:prstGeom>
-        </p:spPr>
-      </p:pic>
-      <p:sp>
-        <p:nvSpPr>
-          <p:cNvPr id="6" name="Title 1">
-            <a:extLst>
-              <a:ext uri="{FF2B5EF4-FFF2-40B4-BE49-F238E27FC236}">
-                <a16:creationId xmlns:a16="http://schemas.microsoft.com/office/drawing/2014/main" id="{5B3A0D24-988B-EA48-AFB8-CA8099ECFD76}"/>
-              </a:ext>
-            </a:extLst>
-          </p:cNvPr>
-          <p:cNvSpPr>
-            <a:spLocks noGrp="1"/>
-          </p:cNvSpPr>
-          <p:nvPr>
-            <p:ph type="ctrTitle" hasCustomPrompt="1"/>
-          </p:nvPr>
-        </p:nvSpPr>
-        <p:spPr>
-          <a:xfrm>
-            <a:off x="308126" y="418438"/>
-            <a:ext cx="2542470" cy="304491"/>
-          </a:xfrm>
-        </p:spPr>
-        <p:txBody>
-          <a:bodyPr anchor="t">
-            <a:noAutofit/>
-          </a:bodyPr>
-          <a:lstStyle>
-            <a:lvl1pPr algn="l">
-              <a:defRPr sz="1000" b="1" i="0">
-                <a:solidFill>
-                  <a:schemeClr val="bg1"/>
-                </a:solidFill>
-                <a:latin typeface="+mj-lt"/>
-                <a:cs typeface="Arial" panose="020B0604020202020204" pitchFamily="34" charset="0"/>
-              </a:defRPr>
-            </a:lvl1pPr>
-          </a:lstStyle>
-          <a:p>
-            <a:r>
-              <a:rPr lang="en-US" dirty="0"/>
-              <a:t>Lorem Ipsum Dolor</a:t>
-            </a:r>
-          </a:p>
-        </p:txBody>
-      </p:sp>
-      <p:sp>
-        <p:nvSpPr>
-          <p:cNvPr id="7" name="Text Placeholder 24">
-            <a:extLst>
-              <a:ext uri="{FF2B5EF4-FFF2-40B4-BE49-F238E27FC236}">
-                <a16:creationId xmlns:a16="http://schemas.microsoft.com/office/drawing/2014/main" id="{A66910EA-6FCF-6149-8BAC-5F1B610EFC37}"/>
-              </a:ext>
-            </a:extLst>
-          </p:cNvPr>
-          <p:cNvSpPr>
-            <a:spLocks noGrp="1"/>
-          </p:cNvSpPr>
-          <p:nvPr>
-            <p:ph type="body" sz="quarter" idx="14" hasCustomPrompt="1"/>
-          </p:nvPr>
-        </p:nvSpPr>
-        <p:spPr>
-          <a:xfrm>
-            <a:off x="297109" y="1693898"/>
-            <a:ext cx="8549780" cy="1791316"/>
-          </a:xfrm>
-        </p:spPr>
-        <p:txBody>
-          <a:bodyPr>
-            <a:noAutofit/>
-          </a:bodyPr>
-          <a:lstStyle>
-            <a:lvl1pPr marL="0" indent="0">
-              <a:buNone/>
-              <a:defRPr sz="6000" b="1" i="0">
-                <a:solidFill>
-                  <a:schemeClr val="bg1"/>
-                </a:solidFill>
-                <a:latin typeface="+mj-lt"/>
-                <a:cs typeface="Arial" panose="020B0604020202020204" pitchFamily="34" charset="0"/>
-              </a:defRPr>
-            </a:lvl1pPr>
-          </a:lstStyle>
-          <a:p>
-            <a:pPr lvl="0"/>
-            <a:r>
-              <a:rPr lang="en-US" dirty="0"/>
-              <a:t>“Big quote” or big statement </a:t>
-            </a:r>
-          </a:p>
-        </p:txBody>
-      </p:sp>
-      <p:sp>
-        <p:nvSpPr>
-          <p:cNvPr id="8" name="Slide Number Placeholder 4">
-            <a:extLst>
-              <a:ext uri="{FF2B5EF4-FFF2-40B4-BE49-F238E27FC236}">
-                <a16:creationId xmlns:a16="http://schemas.microsoft.com/office/drawing/2014/main" id="{7A222E5A-EFA8-AB45-A5D9-0B5041A53055}"/>
-              </a:ext>
-            </a:extLst>
-          </p:cNvPr>
-          <p:cNvSpPr>
-            <a:spLocks noGrp="1"/>
-          </p:cNvSpPr>
-          <p:nvPr>
-            <p:ph type="sldNum" sz="quarter" idx="12"/>
-          </p:nvPr>
-        </p:nvSpPr>
-        <p:spPr>
-          <a:xfrm>
-            <a:off x="9058675" y="6349176"/>
-            <a:ext cx="2743200" cy="365125"/>
-          </a:xfrm>
-        </p:spPr>
-        <p:txBody>
-          <a:bodyPr/>
-          <a:lstStyle>
-            <a:lvl1pPr>
-              <a:defRPr sz="900" b="0" i="0">
-                <a:solidFill>
-                  <a:schemeClr val="bg1"/>
-                </a:solidFill>
-                <a:latin typeface="Arial" panose="020B0604020202020204" pitchFamily="34" charset="0"/>
-                <a:cs typeface="Arial" panose="020B0604020202020204" pitchFamily="34" charset="0"/>
-              </a:defRPr>
-            </a:lvl1pPr>
-          </a:lstStyle>
-          <a:p>
-            <a:fld id="{88F6FEFC-CCC7-A94C-AAC3-BECAE4BF550D}" type="slidenum">
-              <a:rPr lang="en-US" smtClean="0"/>
-              <a:pPr/>
-              <a:t>‹#›</a:t>
-            </a:fld>
-            <a:endParaRPr lang="en-US" dirty="0"/>
-          </a:p>
-        </p:txBody>
-      </p:sp>
-    </p:spTree>
-    <p:extLst>
-      <p:ext uri="{BB962C8B-B14F-4D97-AF65-F5344CB8AC3E}">
-        <p14:creationId xmlns:p14="http://schemas.microsoft.com/office/powerpoint/2010/main" val="613490047"/>
-      </p:ext>
-    </p:extLst>
-  </p:cSld>
-  <p:clrMapOvr>
-    <a:masterClrMapping/>
-  </p:clrMapOvr>
-</p:sldLayout>
-</file>
-
-<file path=ppt/slideLayouts/slideLayout16.xml><?xml version="1.0" encoding="utf-8"?>
-<p:sldLayout xmlns:a="http://schemas.openxmlformats.org/drawingml/2006/main" xmlns:r="http://schemas.openxmlformats.org/officeDocument/2006/relationships" xmlns:p="http://schemas.openxmlformats.org/presentationml/2006/main" preserve="1" userDrawn="1">
-  <p:cSld name="Big Quote b">
-    <p:spTree>
-      <p:nvGrpSpPr>
-        <p:cNvPr id="1" name=""/>
-        <p:cNvGrpSpPr/>
-        <p:nvPr/>
-      </p:nvGrpSpPr>
-      <p:grpSpPr>
-        <a:xfrm>
-          <a:off x="0" y="0"/>
-          <a:ext cx="0" cy="0"/>
-          <a:chOff x="0" y="0"/>
-          <a:chExt cx="0" cy="0"/>
-        </a:xfrm>
-      </p:grpSpPr>
-      <p:pic>
-        <p:nvPicPr>
-          <p:cNvPr id="5" name="Picture 4" descr="A close up of a logo&#10;&#10;Description automatically generated">
-            <a:extLst>
-              <a:ext uri="{FF2B5EF4-FFF2-40B4-BE49-F238E27FC236}">
-                <a16:creationId xmlns:a16="http://schemas.microsoft.com/office/drawing/2014/main" id="{472C3496-29CC-FF4E-8901-6038F96E827B}"/>
-              </a:ext>
-            </a:extLst>
-          </p:cNvPr>
-          <p:cNvPicPr>
-            <a:picLocks noChangeAspect="1"/>
-          </p:cNvPicPr>
-          <p:nvPr userDrawn="1"/>
-        </p:nvPicPr>
-        <p:blipFill>
-          <a:blip r:embed="rId2"/>
-          <a:stretch>
-            <a:fillRect/>
-          </a:stretch>
-        </p:blipFill>
-        <p:spPr>
-          <a:xfrm>
-            <a:off x="0" y="0"/>
-            <a:ext cx="12192000" cy="6858000"/>
-          </a:xfrm>
-          <a:prstGeom prst="rect">
-            <a:avLst/>
-          </a:prstGeom>
-        </p:spPr>
-      </p:pic>
-      <p:sp>
-        <p:nvSpPr>
-          <p:cNvPr id="6" name="Title 1">
-            <a:extLst>
-              <a:ext uri="{FF2B5EF4-FFF2-40B4-BE49-F238E27FC236}">
-                <a16:creationId xmlns:a16="http://schemas.microsoft.com/office/drawing/2014/main" id="{5B3A0D24-988B-EA48-AFB8-CA8099ECFD76}"/>
-              </a:ext>
-            </a:extLst>
-          </p:cNvPr>
-          <p:cNvSpPr>
-            <a:spLocks noGrp="1"/>
-          </p:cNvSpPr>
-          <p:nvPr>
-            <p:ph type="ctrTitle" hasCustomPrompt="1"/>
-          </p:nvPr>
-        </p:nvSpPr>
-        <p:spPr>
-          <a:xfrm>
-            <a:off x="308126" y="418438"/>
-            <a:ext cx="2542470" cy="304491"/>
-          </a:xfrm>
-        </p:spPr>
-        <p:txBody>
-          <a:bodyPr anchor="t">
-            <a:noAutofit/>
-          </a:bodyPr>
-          <a:lstStyle>
-            <a:lvl1pPr algn="l">
-              <a:defRPr sz="1000" b="1" i="0">
-                <a:solidFill>
-                  <a:schemeClr val="tx1"/>
-                </a:solidFill>
-                <a:latin typeface="+mj-lt"/>
-                <a:cs typeface="Arial" panose="020B0604020202020204" pitchFamily="34" charset="0"/>
-              </a:defRPr>
-            </a:lvl1pPr>
-          </a:lstStyle>
-          <a:p>
-            <a:r>
-              <a:rPr lang="en-US" dirty="0"/>
-              <a:t>Lorem Ipsum Dolor</a:t>
-            </a:r>
-          </a:p>
-        </p:txBody>
-      </p:sp>
-      <p:sp>
-        <p:nvSpPr>
-          <p:cNvPr id="7" name="Text Placeholder 24">
-            <a:extLst>
-              <a:ext uri="{FF2B5EF4-FFF2-40B4-BE49-F238E27FC236}">
-                <a16:creationId xmlns:a16="http://schemas.microsoft.com/office/drawing/2014/main" id="{A66910EA-6FCF-6149-8BAC-5F1B610EFC37}"/>
-              </a:ext>
-            </a:extLst>
-          </p:cNvPr>
-          <p:cNvSpPr>
-            <a:spLocks noGrp="1"/>
-          </p:cNvSpPr>
-          <p:nvPr>
-            <p:ph type="body" sz="quarter" idx="14" hasCustomPrompt="1"/>
-          </p:nvPr>
-        </p:nvSpPr>
-        <p:spPr>
-          <a:xfrm>
-            <a:off x="297109" y="1693898"/>
-            <a:ext cx="8549780" cy="1933722"/>
-          </a:xfrm>
-        </p:spPr>
-        <p:txBody>
-          <a:bodyPr>
-            <a:noAutofit/>
-          </a:bodyPr>
-          <a:lstStyle>
-            <a:lvl1pPr marL="0" indent="0">
-              <a:buNone/>
-              <a:defRPr sz="6000" b="1" i="0">
-                <a:solidFill>
-                  <a:srgbClr val="1E19BB"/>
-                </a:solidFill>
-                <a:latin typeface="+mj-lt"/>
-                <a:cs typeface="Arial" panose="020B0604020202020204" pitchFamily="34" charset="0"/>
-              </a:defRPr>
-            </a:lvl1pPr>
-          </a:lstStyle>
-          <a:p>
-            <a:pPr lvl="0"/>
-            <a:r>
-              <a:rPr lang="en-US" dirty="0"/>
-              <a:t>“Big quote” or big statement </a:t>
-            </a:r>
-          </a:p>
-        </p:txBody>
-      </p:sp>
-      <p:sp>
-        <p:nvSpPr>
-          <p:cNvPr id="10" name="Slide Number Placeholder 4">
-            <a:extLst>
-              <a:ext uri="{FF2B5EF4-FFF2-40B4-BE49-F238E27FC236}">
-                <a16:creationId xmlns:a16="http://schemas.microsoft.com/office/drawing/2014/main" id="{8391A59D-B615-7A4B-A58F-EF2CA49F87AE}"/>
-              </a:ext>
-            </a:extLst>
-          </p:cNvPr>
-          <p:cNvSpPr>
-            <a:spLocks noGrp="1"/>
-          </p:cNvSpPr>
-          <p:nvPr>
-            <p:ph type="sldNum" sz="quarter" idx="12"/>
-          </p:nvPr>
-        </p:nvSpPr>
-        <p:spPr>
-          <a:xfrm>
-            <a:off x="9073189" y="6349176"/>
-            <a:ext cx="2743200" cy="365125"/>
-          </a:xfrm>
-        </p:spPr>
-        <p:txBody>
-          <a:bodyPr/>
-          <a:lstStyle>
-            <a:lvl1pPr>
-              <a:defRPr sz="900" b="0" i="0">
-                <a:solidFill>
-                  <a:schemeClr val="tx1"/>
-                </a:solidFill>
-                <a:latin typeface="Arial" panose="020B0604020202020204" pitchFamily="34" charset="0"/>
-                <a:cs typeface="Arial" panose="020B0604020202020204" pitchFamily="34" charset="0"/>
-              </a:defRPr>
-            </a:lvl1pPr>
-          </a:lstStyle>
-          <a:p>
-            <a:fld id="{88F6FEFC-CCC7-A94C-AAC3-BECAE4BF550D}" type="slidenum">
-              <a:rPr lang="en-US" smtClean="0"/>
-              <a:pPr/>
-              <a:t>‹#›</a:t>
-            </a:fld>
-            <a:endParaRPr lang="en-US" dirty="0"/>
-          </a:p>
-        </p:txBody>
-      </p:sp>
-    </p:spTree>
-    <p:extLst>
-      <p:ext uri="{BB962C8B-B14F-4D97-AF65-F5344CB8AC3E}">
-        <p14:creationId xmlns:p14="http://schemas.microsoft.com/office/powerpoint/2010/main" val="1971536619"/>
-      </p:ext>
-    </p:extLst>
-  </p:cSld>
-  <p:clrMapOvr>
-    <a:masterClrMapping/>
-  </p:clrMapOvr>
-</p:sldLayout>
-</file>
-
-<file path=ppt/slideLayouts/slideLayout17.xml><?xml version="1.0" encoding="utf-8"?>
-<p:sldLayout xmlns:a="http://schemas.openxmlformats.org/drawingml/2006/main" xmlns:r="http://schemas.openxmlformats.org/officeDocument/2006/relationships" xmlns:p="http://schemas.openxmlformats.org/presentationml/2006/main" preserve="1" userDrawn="1">
-  <p:cSld name="Info Graph">
-    <p:spTree>
-      <p:nvGrpSpPr>
-        <p:cNvPr id="1" name=""/>
-        <p:cNvGrpSpPr/>
-        <p:nvPr/>
-      </p:nvGrpSpPr>
-      <p:grpSpPr>
-        <a:xfrm>
-          <a:off x="0" y="0"/>
-          <a:ext cx="0" cy="0"/>
-          <a:chOff x="0" y="0"/>
-          <a:chExt cx="0" cy="0"/>
-        </a:xfrm>
-      </p:grpSpPr>
-      <p:sp>
-        <p:nvSpPr>
-          <p:cNvPr id="2" name="Rectangle 1">
-            <a:extLst>
-              <a:ext uri="{FF2B5EF4-FFF2-40B4-BE49-F238E27FC236}">
-                <a16:creationId xmlns:a16="http://schemas.microsoft.com/office/drawing/2014/main" id="{D94E8453-E12D-B149-AF34-207892146174}"/>
-              </a:ext>
-            </a:extLst>
-          </p:cNvPr>
-          <p:cNvSpPr/>
-          <p:nvPr userDrawn="1"/>
-        </p:nvSpPr>
-        <p:spPr>
-          <a:xfrm>
-            <a:off x="4230484" y="0"/>
-            <a:ext cx="7961516" cy="6858000"/>
-          </a:xfrm>
-          <a:prstGeom prst="rect">
-            <a:avLst/>
-          </a:prstGeom>
-          <a:solidFill>
-            <a:srgbClr val="1E19BB"/>
-          </a:solidFill>
-          <a:ln>
-            <a:noFill/>
-          </a:ln>
-        </p:spPr>
-        <p:style>
-          <a:lnRef idx="2">
-            <a:schemeClr val="accent1">
-              <a:shade val="50000"/>
-            </a:schemeClr>
-          </a:lnRef>
-          <a:fillRef idx="1">
-            <a:schemeClr val="accent1"/>
-          </a:fillRef>
-          <a:effectRef idx="0">
-            <a:schemeClr val="accent1"/>
-          </a:effectRef>
-          <a:fontRef idx="minor">
-            <a:schemeClr val="lt1"/>
-          </a:fontRef>
-        </p:style>
-        <p:txBody>
-          <a:bodyPr rtlCol="0" anchor="ctr"/>
-          <a:lstStyle/>
-          <a:p>
-            <a:pPr algn="ctr"/>
-            <a:endParaRPr lang="en-US"/>
-          </a:p>
-        </p:txBody>
-      </p:sp>
-      <p:sp>
-        <p:nvSpPr>
-          <p:cNvPr id="16" name="Slide Number Placeholder 4">
-            <a:extLst>
-              <a:ext uri="{FF2B5EF4-FFF2-40B4-BE49-F238E27FC236}">
-                <a16:creationId xmlns:a16="http://schemas.microsoft.com/office/drawing/2014/main" id="{544386EA-E0AD-204B-8FB3-4AF2418A6A63}"/>
-              </a:ext>
-            </a:extLst>
-          </p:cNvPr>
-          <p:cNvSpPr>
-            <a:spLocks noGrp="1"/>
-          </p:cNvSpPr>
-          <p:nvPr>
-            <p:ph type="sldNum" sz="quarter" idx="12"/>
-          </p:nvPr>
-        </p:nvSpPr>
-        <p:spPr>
-          <a:xfrm>
-            <a:off x="9058675" y="6349176"/>
-            <a:ext cx="2743200" cy="365125"/>
-          </a:xfrm>
-        </p:spPr>
-        <p:txBody>
-          <a:bodyPr/>
-          <a:lstStyle>
-            <a:lvl1pPr>
-              <a:defRPr sz="900" b="0" i="0">
-                <a:solidFill>
-                  <a:schemeClr val="bg1"/>
-                </a:solidFill>
-                <a:latin typeface="Arial" panose="020B0604020202020204" pitchFamily="34" charset="0"/>
-                <a:cs typeface="Arial" panose="020B0604020202020204" pitchFamily="34" charset="0"/>
-              </a:defRPr>
-            </a:lvl1pPr>
-          </a:lstStyle>
-          <a:p>
-            <a:fld id="{88F6FEFC-CCC7-A94C-AAC3-BECAE4BF550D}" type="slidenum">
-              <a:rPr lang="en-US" smtClean="0"/>
-              <a:pPr/>
-              <a:t>‹#›</a:t>
-            </a:fld>
-            <a:endParaRPr lang="en-US" dirty="0"/>
-          </a:p>
-        </p:txBody>
-      </p:sp>
-      <p:sp>
-        <p:nvSpPr>
-          <p:cNvPr id="11" name="Title 1">
-            <a:extLst>
-              <a:ext uri="{FF2B5EF4-FFF2-40B4-BE49-F238E27FC236}">
-                <a16:creationId xmlns:a16="http://schemas.microsoft.com/office/drawing/2014/main" id="{C092C1DC-05F5-304C-823D-E7793E75B590}"/>
-              </a:ext>
-            </a:extLst>
-          </p:cNvPr>
-          <p:cNvSpPr>
-            <a:spLocks noGrp="1"/>
-          </p:cNvSpPr>
-          <p:nvPr>
-            <p:ph type="ctrTitle" hasCustomPrompt="1"/>
-          </p:nvPr>
-        </p:nvSpPr>
-        <p:spPr>
-          <a:xfrm>
-            <a:off x="410835" y="418441"/>
-            <a:ext cx="3389960" cy="304491"/>
-          </a:xfrm>
-        </p:spPr>
-        <p:txBody>
-          <a:bodyPr anchor="t">
-            <a:noAutofit/>
-          </a:bodyPr>
-          <a:lstStyle>
-            <a:lvl1pPr algn="l">
-              <a:defRPr sz="1400" b="1" i="0">
-                <a:solidFill>
-                  <a:srgbClr val="1E19BB"/>
-                </a:solidFill>
-                <a:latin typeface="Arial" panose="020B0604020202020204" pitchFamily="34" charset="0"/>
-                <a:cs typeface="Arial" panose="020B0604020202020204" pitchFamily="34" charset="0"/>
-              </a:defRPr>
-            </a:lvl1pPr>
-          </a:lstStyle>
-          <a:p>
-            <a:r>
-              <a:rPr lang="en-US" dirty="0"/>
-              <a:t>Title Here</a:t>
-            </a:r>
-          </a:p>
-        </p:txBody>
-      </p:sp>
-      <p:sp>
-        <p:nvSpPr>
-          <p:cNvPr id="12" name="Content Placeholder 2">
-            <a:extLst>
-              <a:ext uri="{FF2B5EF4-FFF2-40B4-BE49-F238E27FC236}">
-                <a16:creationId xmlns:a16="http://schemas.microsoft.com/office/drawing/2014/main" id="{1DAA2EA8-659D-434D-B846-7753A1257C1D}"/>
-              </a:ext>
-            </a:extLst>
-          </p:cNvPr>
-          <p:cNvSpPr>
-            <a:spLocks noGrp="1"/>
-          </p:cNvSpPr>
-          <p:nvPr>
-            <p:ph sz="half" idx="1" hasCustomPrompt="1"/>
-          </p:nvPr>
-        </p:nvSpPr>
-        <p:spPr>
-          <a:xfrm>
-            <a:off x="410389" y="2843485"/>
-            <a:ext cx="471804" cy="245547"/>
-          </a:xfrm>
-        </p:spPr>
-        <p:txBody>
-          <a:bodyPr>
-            <a:normAutofit/>
-          </a:bodyPr>
-          <a:lstStyle>
-            <a:lvl1pPr marL="0" indent="0">
-              <a:buNone/>
-              <a:defRPr sz="1400" b="1" i="0">
-                <a:solidFill>
-                  <a:srgbClr val="1E19BB"/>
-                </a:solidFill>
-                <a:latin typeface="Arial" panose="020B0604020202020204" pitchFamily="34" charset="0"/>
-                <a:cs typeface="Arial" panose="020B0604020202020204" pitchFamily="34" charset="0"/>
-              </a:defRPr>
-            </a:lvl1pPr>
-            <a:lvl2pPr>
-              <a:defRPr b="0" i="0">
-                <a:solidFill>
-                  <a:srgbClr val="2D116C"/>
-                </a:solidFill>
-                <a:latin typeface="Arial" panose="020B0604020202020204" pitchFamily="34" charset="0"/>
-                <a:cs typeface="Arial" panose="020B0604020202020204" pitchFamily="34" charset="0"/>
-              </a:defRPr>
-            </a:lvl2pPr>
-            <a:lvl3pPr>
-              <a:defRPr b="0" i="0">
-                <a:solidFill>
-                  <a:srgbClr val="2D116C"/>
-                </a:solidFill>
-                <a:latin typeface="Arial" panose="020B0604020202020204" pitchFamily="34" charset="0"/>
-                <a:cs typeface="Arial" panose="020B0604020202020204" pitchFamily="34" charset="0"/>
-              </a:defRPr>
-            </a:lvl3pPr>
-            <a:lvl4pPr>
-              <a:defRPr b="0" i="0">
-                <a:solidFill>
-                  <a:srgbClr val="2D116C"/>
-                </a:solidFill>
-                <a:latin typeface="Arial" panose="020B0604020202020204" pitchFamily="34" charset="0"/>
-                <a:cs typeface="Arial" panose="020B0604020202020204" pitchFamily="34" charset="0"/>
-              </a:defRPr>
-            </a:lvl4pPr>
-            <a:lvl5pPr>
-              <a:defRPr b="0" i="0">
-                <a:solidFill>
-                  <a:srgbClr val="2D116C"/>
-                </a:solidFill>
-                <a:latin typeface="Arial" panose="020B0604020202020204" pitchFamily="34" charset="0"/>
-                <a:cs typeface="Arial" panose="020B0604020202020204" pitchFamily="34" charset="0"/>
-              </a:defRPr>
-            </a:lvl5pPr>
-          </a:lstStyle>
-          <a:p>
-            <a:pPr lvl="0"/>
-            <a:r>
-              <a:rPr lang="en-US" dirty="0"/>
-              <a:t>01</a:t>
-            </a:r>
-          </a:p>
-        </p:txBody>
-      </p:sp>
-      <p:sp>
-        <p:nvSpPr>
-          <p:cNvPr id="13" name="Text Placeholder 24">
-            <a:extLst>
-              <a:ext uri="{FF2B5EF4-FFF2-40B4-BE49-F238E27FC236}">
-                <a16:creationId xmlns:a16="http://schemas.microsoft.com/office/drawing/2014/main" id="{33E7CCCA-849A-7E4E-98CC-8A3BF1333B4E}"/>
-              </a:ext>
-            </a:extLst>
-          </p:cNvPr>
-          <p:cNvSpPr>
-            <a:spLocks noGrp="1"/>
-          </p:cNvSpPr>
-          <p:nvPr>
-            <p:ph type="body" sz="quarter" idx="14" hasCustomPrompt="1"/>
-          </p:nvPr>
-        </p:nvSpPr>
-        <p:spPr>
-          <a:xfrm>
-            <a:off x="410377" y="1253877"/>
-            <a:ext cx="3390443" cy="914400"/>
-          </a:xfrm>
-        </p:spPr>
-        <p:txBody>
-          <a:bodyPr>
-            <a:noAutofit/>
-          </a:bodyPr>
-          <a:lstStyle>
-            <a:lvl1pPr marL="0" indent="0">
-              <a:lnSpc>
-                <a:spcPct val="100000"/>
-              </a:lnSpc>
-              <a:buNone/>
-              <a:defRPr sz="2000" b="1" i="0">
-                <a:latin typeface="Arial" panose="020B0604020202020204" pitchFamily="34" charset="0"/>
-                <a:cs typeface="Arial" panose="020B0604020202020204" pitchFamily="34" charset="0"/>
-              </a:defRPr>
-            </a:lvl1pPr>
-          </a:lstStyle>
-          <a:p>
-            <a:pPr lvl="0"/>
-            <a:r>
-              <a:rPr lang="en-US" dirty="0"/>
-              <a:t>Lorem ipsum dolor sit </a:t>
-            </a:r>
-            <a:r>
-              <a:rPr lang="en-US" dirty="0" err="1"/>
-              <a:t>amet</a:t>
-            </a:r>
-            <a:r>
-              <a:rPr lang="en-US" dirty="0"/>
-              <a:t>, </a:t>
-            </a:r>
-            <a:r>
-              <a:rPr lang="en-US" dirty="0" err="1"/>
-              <a:t>consectetur</a:t>
-            </a:r>
-            <a:r>
-              <a:rPr lang="en-US" dirty="0"/>
-              <a:t> </a:t>
-            </a:r>
-            <a:r>
-              <a:rPr lang="en-US" dirty="0" err="1"/>
-              <a:t>adipsicing</a:t>
-            </a:r>
-            <a:r>
-              <a:rPr lang="en-US" dirty="0"/>
-              <a:t> </a:t>
-            </a:r>
-            <a:r>
-              <a:rPr lang="en-US" dirty="0" err="1"/>
-              <a:t>elit</a:t>
-            </a:r>
-            <a:endParaRPr lang="en-US" dirty="0"/>
-          </a:p>
-        </p:txBody>
-      </p:sp>
-      <p:sp>
-        <p:nvSpPr>
-          <p:cNvPr id="17" name="Text Placeholder 3">
-            <a:extLst>
-              <a:ext uri="{FF2B5EF4-FFF2-40B4-BE49-F238E27FC236}">
-                <a16:creationId xmlns:a16="http://schemas.microsoft.com/office/drawing/2014/main" id="{9AA651CD-C768-5D48-A720-3072DCA94644}"/>
-              </a:ext>
-            </a:extLst>
-          </p:cNvPr>
-          <p:cNvSpPr>
-            <a:spLocks noGrp="1"/>
-          </p:cNvSpPr>
-          <p:nvPr>
-            <p:ph type="body" sz="quarter" idx="15"/>
-          </p:nvPr>
-        </p:nvSpPr>
-        <p:spPr>
-          <a:xfrm>
-            <a:off x="410641" y="3319465"/>
-            <a:ext cx="3390161" cy="2463499"/>
-          </a:xfrm>
-        </p:spPr>
-        <p:txBody>
-          <a:bodyPr>
-            <a:normAutofit/>
-          </a:bodyPr>
-          <a:lstStyle>
-            <a:lvl1pPr>
-              <a:lnSpc>
-                <a:spcPct val="100000"/>
-              </a:lnSpc>
-              <a:defRPr sz="1400"/>
-            </a:lvl1pPr>
-            <a:lvl2pPr>
-              <a:lnSpc>
-                <a:spcPct val="100000"/>
-              </a:lnSpc>
-              <a:defRPr sz="1400"/>
-            </a:lvl2pPr>
-            <a:lvl3pPr>
-              <a:lnSpc>
-                <a:spcPct val="100000"/>
-              </a:lnSpc>
-              <a:defRPr sz="1400"/>
-            </a:lvl3pPr>
-            <a:lvl4pPr>
-              <a:lnSpc>
-                <a:spcPct val="100000"/>
-              </a:lnSpc>
-              <a:defRPr sz="1400"/>
-            </a:lvl4pPr>
-            <a:lvl5pPr>
-              <a:lnSpc>
-                <a:spcPct val="100000"/>
-              </a:lnSpc>
-              <a:defRPr sz="1400"/>
-            </a:lvl5pPr>
-          </a:lstStyle>
-          <a:p>
-            <a:pPr lvl="0"/>
-            <a:r>
-              <a:rPr lang="en-US" dirty="0"/>
-              <a:t>Edit Master text styles</a:t>
-            </a:r>
-          </a:p>
-          <a:p>
-            <a:pPr lvl="1"/>
-            <a:r>
-              <a:rPr lang="en-US" dirty="0"/>
-              <a:t>Second level</a:t>
-            </a:r>
-          </a:p>
-          <a:p>
-            <a:pPr lvl="2"/>
-            <a:r>
-              <a:rPr lang="en-US" dirty="0"/>
-              <a:t>Third level</a:t>
-            </a:r>
-          </a:p>
-          <a:p>
-            <a:pPr lvl="3"/>
-            <a:r>
-              <a:rPr lang="en-US" dirty="0"/>
-              <a:t>Fourth level</a:t>
-            </a:r>
-          </a:p>
-          <a:p>
-            <a:pPr lvl="4"/>
-            <a:r>
-              <a:rPr lang="en-US" dirty="0"/>
-              <a:t>Fifth level</a:t>
-            </a:r>
-          </a:p>
-        </p:txBody>
-      </p:sp>
-    </p:spTree>
-    <p:extLst>
-      <p:ext uri="{BB962C8B-B14F-4D97-AF65-F5344CB8AC3E}">
-        <p14:creationId xmlns:p14="http://schemas.microsoft.com/office/powerpoint/2010/main" val="634460226"/>
-      </p:ext>
-    </p:extLst>
-  </p:cSld>
-  <p:clrMapOvr>
-    <a:masterClrMapping/>
-  </p:clrMapOvr>
-</p:sldLayout>
-</file>
-
-<file path=ppt/slideLayouts/slideLayout18.xml><?xml version="1.0" encoding="utf-8"?>
-<p:sldLayout xmlns:a="http://schemas.openxmlformats.org/drawingml/2006/main" xmlns:r="http://schemas.openxmlformats.org/officeDocument/2006/relationships" xmlns:p="http://schemas.openxmlformats.org/presentationml/2006/main" preserve="1" userDrawn="1">
-  <p:cSld name="Simple Text Slide">
-    <p:spTree>
-      <p:nvGrpSpPr>
-        <p:cNvPr id="1" name=""/>
-        <p:cNvGrpSpPr/>
-        <p:nvPr/>
-      </p:nvGrpSpPr>
-      <p:grpSpPr>
-        <a:xfrm>
-          <a:off x="0" y="0"/>
-          <a:ext cx="0" cy="0"/>
-          <a:chOff x="0" y="0"/>
-          <a:chExt cx="0" cy="0"/>
-        </a:xfrm>
-      </p:grpSpPr>
-      <p:pic>
-        <p:nvPicPr>
-          <p:cNvPr id="6" name="Picture 5">
-            <a:extLst>
-              <a:ext uri="{FF2B5EF4-FFF2-40B4-BE49-F238E27FC236}">
-                <a16:creationId xmlns:a16="http://schemas.microsoft.com/office/drawing/2014/main" id="{65FB0317-9E79-E744-8608-E2ADF9795BD5}"/>
-              </a:ext>
-            </a:extLst>
-          </p:cNvPr>
-          <p:cNvPicPr>
-            <a:picLocks noChangeAspect="1"/>
-          </p:cNvPicPr>
-          <p:nvPr userDrawn="1"/>
-        </p:nvPicPr>
-        <p:blipFill>
-          <a:blip r:embed="rId2"/>
-          <a:stretch>
-            <a:fillRect/>
-          </a:stretch>
-        </p:blipFill>
-        <p:spPr>
-          <a:xfrm>
-            <a:off x="0" y="6159904"/>
-            <a:ext cx="12192000" cy="698096"/>
-          </a:xfrm>
-          <a:prstGeom prst="rect">
-            <a:avLst/>
-          </a:prstGeom>
-        </p:spPr>
-      </p:pic>
-      <p:sp>
-        <p:nvSpPr>
-          <p:cNvPr id="13" name="Slide Number Placeholder 4">
-            <a:extLst>
-              <a:ext uri="{FF2B5EF4-FFF2-40B4-BE49-F238E27FC236}">
-                <a16:creationId xmlns:a16="http://schemas.microsoft.com/office/drawing/2014/main" id="{FAD28899-06F0-5640-B0AA-95C2E193B098}"/>
-              </a:ext>
-            </a:extLst>
-          </p:cNvPr>
-          <p:cNvSpPr>
-            <a:spLocks noGrp="1"/>
-          </p:cNvSpPr>
-          <p:nvPr>
-            <p:ph type="sldNum" sz="quarter" idx="12"/>
-          </p:nvPr>
-        </p:nvSpPr>
-        <p:spPr>
-          <a:xfrm>
-            <a:off x="9058675" y="6349176"/>
-            <a:ext cx="2743200" cy="365125"/>
-          </a:xfrm>
-        </p:spPr>
-        <p:txBody>
-          <a:bodyPr/>
-          <a:lstStyle>
-            <a:lvl1pPr>
-              <a:defRPr sz="900" b="0" i="0">
-                <a:solidFill>
-                  <a:schemeClr val="bg2">
-                    <a:lumMod val="50000"/>
-                  </a:schemeClr>
-                </a:solidFill>
-                <a:latin typeface="Arial" panose="020B0604020202020204" pitchFamily="34" charset="0"/>
-                <a:cs typeface="Arial" panose="020B0604020202020204" pitchFamily="34" charset="0"/>
-              </a:defRPr>
-            </a:lvl1pPr>
-          </a:lstStyle>
-          <a:p>
-            <a:fld id="{88F6FEFC-CCC7-A94C-AAC3-BECAE4BF550D}" type="slidenum">
-              <a:rPr lang="en-US" smtClean="0"/>
-              <a:pPr/>
-              <a:t>‹#›</a:t>
-            </a:fld>
-            <a:endParaRPr lang="en-US" dirty="0"/>
-          </a:p>
-        </p:txBody>
-      </p:sp>
-      <p:sp>
-        <p:nvSpPr>
-          <p:cNvPr id="14" name="Content Placeholder 2">
-            <a:extLst>
-              <a:ext uri="{FF2B5EF4-FFF2-40B4-BE49-F238E27FC236}">
-                <a16:creationId xmlns:a16="http://schemas.microsoft.com/office/drawing/2014/main" id="{35EB43EE-CCCF-C547-B122-91A8DCDC76CA}"/>
-              </a:ext>
-            </a:extLst>
-          </p:cNvPr>
-          <p:cNvSpPr>
-            <a:spLocks noGrp="1"/>
-          </p:cNvSpPr>
-          <p:nvPr>
-            <p:ph sz="half" idx="13"/>
-          </p:nvPr>
-        </p:nvSpPr>
-        <p:spPr>
-          <a:xfrm>
-            <a:off x="319314" y="1268541"/>
-            <a:ext cx="11482561" cy="4769402"/>
-          </a:xfrm>
-        </p:spPr>
-        <p:txBody>
-          <a:bodyPr/>
-          <a:lstStyle>
-            <a:lvl1pPr>
-              <a:lnSpc>
-                <a:spcPct val="100000"/>
-              </a:lnSpc>
-              <a:defRPr sz="1800" b="0" i="0">
-                <a:solidFill>
-                  <a:schemeClr val="tx1"/>
-                </a:solidFill>
-                <a:latin typeface="Arial" panose="020B0604020202020204" pitchFamily="34" charset="0"/>
-                <a:cs typeface="Arial" panose="020B0604020202020204" pitchFamily="34" charset="0"/>
-              </a:defRPr>
-            </a:lvl1pPr>
-            <a:lvl2pPr>
-              <a:lnSpc>
-                <a:spcPct val="100000"/>
-              </a:lnSpc>
-              <a:defRPr sz="1500" b="0" i="0">
-                <a:solidFill>
-                  <a:schemeClr val="tx1"/>
-                </a:solidFill>
-                <a:latin typeface="Arial" panose="020B0604020202020204" pitchFamily="34" charset="0"/>
-                <a:cs typeface="Arial" panose="020B0604020202020204" pitchFamily="34" charset="0"/>
-              </a:defRPr>
-            </a:lvl2pPr>
-            <a:lvl3pPr>
-              <a:lnSpc>
-                <a:spcPct val="100000"/>
-              </a:lnSpc>
-              <a:defRPr sz="1351" b="0" i="0">
-                <a:solidFill>
-                  <a:schemeClr val="tx1"/>
-                </a:solidFill>
-                <a:latin typeface="Arial" panose="020B0604020202020204" pitchFamily="34" charset="0"/>
-                <a:cs typeface="Arial" panose="020B0604020202020204" pitchFamily="34" charset="0"/>
-              </a:defRPr>
-            </a:lvl3pPr>
-            <a:lvl4pPr>
-              <a:lnSpc>
-                <a:spcPct val="100000"/>
-              </a:lnSpc>
-              <a:defRPr sz="1200" b="0" i="0">
-                <a:solidFill>
-                  <a:schemeClr val="tx1"/>
-                </a:solidFill>
-                <a:latin typeface="Arial" panose="020B0604020202020204" pitchFamily="34" charset="0"/>
-                <a:cs typeface="Arial" panose="020B0604020202020204" pitchFamily="34" charset="0"/>
-              </a:defRPr>
-            </a:lvl4pPr>
-            <a:lvl5pPr>
-              <a:lnSpc>
-                <a:spcPct val="100000"/>
-              </a:lnSpc>
-              <a:defRPr sz="1051" b="0" i="0">
-                <a:solidFill>
-                  <a:schemeClr val="tx1"/>
-                </a:solidFill>
-                <a:latin typeface="Arial" panose="020B0604020202020204" pitchFamily="34" charset="0"/>
-                <a:cs typeface="Arial" panose="020B0604020202020204" pitchFamily="34" charset="0"/>
-              </a:defRPr>
-            </a:lvl5pPr>
-          </a:lstStyle>
-          <a:p>
-            <a:pPr lvl="0"/>
-            <a:r>
-              <a:rPr lang="en-US" dirty="0"/>
-              <a:t>Edit Master text styles</a:t>
-            </a:r>
-          </a:p>
-          <a:p>
-            <a:pPr lvl="1"/>
-            <a:r>
-              <a:rPr lang="en-US" dirty="0"/>
-              <a:t>Second level</a:t>
-            </a:r>
-          </a:p>
-          <a:p>
-            <a:pPr lvl="2"/>
-            <a:r>
-              <a:rPr lang="en-US" dirty="0"/>
-              <a:t>Third level</a:t>
-            </a:r>
-          </a:p>
-          <a:p>
-            <a:pPr lvl="3"/>
-            <a:r>
-              <a:rPr lang="en-US" dirty="0"/>
-              <a:t>Fourth level</a:t>
-            </a:r>
-          </a:p>
-          <a:p>
-            <a:pPr lvl="4"/>
-            <a:r>
-              <a:rPr lang="en-US" dirty="0"/>
-              <a:t>Fifth level</a:t>
-            </a:r>
-          </a:p>
-        </p:txBody>
-      </p:sp>
-      <p:sp>
-        <p:nvSpPr>
-          <p:cNvPr id="15" name="Title 1">
-            <a:extLst>
-              <a:ext uri="{FF2B5EF4-FFF2-40B4-BE49-F238E27FC236}">
-                <a16:creationId xmlns:a16="http://schemas.microsoft.com/office/drawing/2014/main" id="{817912F7-D185-7742-88A1-1B832D4B44B3}"/>
-              </a:ext>
-            </a:extLst>
-          </p:cNvPr>
-          <p:cNvSpPr>
-            <a:spLocks noGrp="1"/>
-          </p:cNvSpPr>
-          <p:nvPr>
-            <p:ph type="ctrTitle" hasCustomPrompt="1"/>
-          </p:nvPr>
-        </p:nvSpPr>
-        <p:spPr>
-          <a:xfrm>
-            <a:off x="319304" y="427887"/>
-            <a:ext cx="11482557" cy="607285"/>
-          </a:xfrm>
-        </p:spPr>
-        <p:txBody>
-          <a:bodyPr anchor="t">
-            <a:noAutofit/>
-          </a:bodyPr>
-          <a:lstStyle>
-            <a:lvl1pPr algn="l">
-              <a:defRPr sz="4000" b="1" i="0">
-                <a:solidFill>
-                  <a:srgbClr val="1E19BB"/>
-                </a:solidFill>
-                <a:latin typeface="+mj-lt"/>
-                <a:cs typeface="Arial" panose="020B0604020202020204" pitchFamily="34" charset="0"/>
-              </a:defRPr>
-            </a:lvl1pPr>
-          </a:lstStyle>
-          <a:p>
-            <a:r>
-              <a:rPr lang="en-US" dirty="0"/>
-              <a:t>Title</a:t>
-            </a:r>
-          </a:p>
-        </p:txBody>
-      </p:sp>
-    </p:spTree>
-    <p:extLst>
-      <p:ext uri="{BB962C8B-B14F-4D97-AF65-F5344CB8AC3E}">
-        <p14:creationId xmlns:p14="http://schemas.microsoft.com/office/powerpoint/2010/main" val="3232379268"/>
-      </p:ext>
-    </p:extLst>
-  </p:cSld>
-  <p:clrMapOvr>
-    <a:masterClrMapping/>
-  </p:clrMapOvr>
-</p:sldLayout>
-</file>
-
-<file path=ppt/slideLayouts/slideLayout19.xml><?xml version="1.0" encoding="utf-8"?>
-<p:sldLayout xmlns:a="http://schemas.openxmlformats.org/drawingml/2006/main" xmlns:r="http://schemas.openxmlformats.org/officeDocument/2006/relationships" xmlns:p="http://schemas.openxmlformats.org/presentationml/2006/main" userDrawn="1">
-  <p:cSld name="One Column Text">
-    <p:spTree>
-      <p:nvGrpSpPr>
-        <p:cNvPr id="1" name=""/>
-        <p:cNvGrpSpPr/>
-        <p:nvPr/>
-      </p:nvGrpSpPr>
-      <p:grpSpPr>
-        <a:xfrm>
-          <a:off x="0" y="0"/>
-          <a:ext cx="0" cy="0"/>
-          <a:chOff x="0" y="0"/>
-          <a:chExt cx="0" cy="0"/>
-        </a:xfrm>
-      </p:grpSpPr>
-      <p:pic>
-        <p:nvPicPr>
-          <p:cNvPr id="12" name="Picture 11">
-            <a:extLst>
-              <a:ext uri="{FF2B5EF4-FFF2-40B4-BE49-F238E27FC236}">
-                <a16:creationId xmlns:a16="http://schemas.microsoft.com/office/drawing/2014/main" id="{16084247-5EA9-0A43-BBBA-7B305845850F}"/>
-              </a:ext>
-            </a:extLst>
-          </p:cNvPr>
-          <p:cNvPicPr>
-            <a:picLocks noChangeAspect="1"/>
-          </p:cNvPicPr>
-          <p:nvPr userDrawn="1"/>
-        </p:nvPicPr>
-        <p:blipFill>
-          <a:blip r:embed="rId2"/>
-          <a:stretch>
-            <a:fillRect/>
-          </a:stretch>
-        </p:blipFill>
-        <p:spPr>
-          <a:xfrm>
-            <a:off x="0" y="6035168"/>
-            <a:ext cx="12192000" cy="863001"/>
-          </a:xfrm>
-          <a:prstGeom prst="rect">
-            <a:avLst/>
-          </a:prstGeom>
-        </p:spPr>
-      </p:pic>
-      <p:sp>
-        <p:nvSpPr>
-          <p:cNvPr id="8" name="Text Placeholder 7">
-            <a:extLst>
-              <a:ext uri="{FF2B5EF4-FFF2-40B4-BE49-F238E27FC236}">
-                <a16:creationId xmlns:a16="http://schemas.microsoft.com/office/drawing/2014/main" id="{AF30D619-773C-8E40-8D2C-6FFE77D209F7}"/>
-              </a:ext>
-            </a:extLst>
-          </p:cNvPr>
-          <p:cNvSpPr>
-            <a:spLocks noGrp="1"/>
-          </p:cNvSpPr>
-          <p:nvPr>
-            <p:ph type="body" sz="quarter" idx="11"/>
-          </p:nvPr>
-        </p:nvSpPr>
-        <p:spPr>
-          <a:xfrm>
-            <a:off x="410847" y="1714752"/>
-            <a:ext cx="11335079" cy="3816105"/>
-          </a:xfrm>
-        </p:spPr>
-        <p:txBody>
-          <a:bodyPr/>
-          <a:lstStyle>
-            <a:lvl1pPr>
-              <a:lnSpc>
-                <a:spcPct val="100000"/>
-              </a:lnSpc>
-              <a:defRPr b="0" i="0">
-                <a:latin typeface="+mn-lt"/>
-                <a:cs typeface="Arial" panose="020B0604020202020204" pitchFamily="34" charset="0"/>
-              </a:defRPr>
-            </a:lvl1pPr>
-            <a:lvl2pPr>
-              <a:lnSpc>
-                <a:spcPct val="100000"/>
-              </a:lnSpc>
-              <a:defRPr b="0" i="0">
-                <a:latin typeface="+mn-lt"/>
-                <a:cs typeface="Arial" panose="020B0604020202020204" pitchFamily="34" charset="0"/>
-              </a:defRPr>
-            </a:lvl2pPr>
-            <a:lvl3pPr>
-              <a:lnSpc>
-                <a:spcPct val="100000"/>
-              </a:lnSpc>
-              <a:defRPr b="0" i="0">
-                <a:latin typeface="+mn-lt"/>
-                <a:cs typeface="Arial" panose="020B0604020202020204" pitchFamily="34" charset="0"/>
-              </a:defRPr>
-            </a:lvl3pPr>
-            <a:lvl4pPr>
-              <a:lnSpc>
-                <a:spcPct val="100000"/>
-              </a:lnSpc>
-              <a:defRPr b="0" i="0">
-                <a:latin typeface="+mn-lt"/>
-                <a:cs typeface="Arial" panose="020B0604020202020204" pitchFamily="34" charset="0"/>
-              </a:defRPr>
-            </a:lvl4pPr>
-            <a:lvl5pPr>
-              <a:lnSpc>
-                <a:spcPct val="100000"/>
-              </a:lnSpc>
-              <a:defRPr b="0" i="0">
-                <a:latin typeface="+mn-lt"/>
-                <a:cs typeface="Arial" panose="020B0604020202020204" pitchFamily="34" charset="0"/>
-              </a:defRPr>
-            </a:lvl5pPr>
-          </a:lstStyle>
-          <a:p>
-            <a:pPr lvl="0"/>
-            <a:r>
-              <a:rPr lang="en-US" dirty="0"/>
-              <a:t>Edit Master text styles</a:t>
-            </a:r>
-          </a:p>
-          <a:p>
-            <a:pPr lvl="1"/>
-            <a:r>
-              <a:rPr lang="en-US" dirty="0"/>
-              <a:t>Second level</a:t>
-            </a:r>
-          </a:p>
-          <a:p>
-            <a:pPr lvl="2"/>
-            <a:r>
-              <a:rPr lang="en-US" dirty="0"/>
-              <a:t>Third level</a:t>
-            </a:r>
-          </a:p>
-          <a:p>
-            <a:pPr lvl="3"/>
-            <a:r>
-              <a:rPr lang="en-US" dirty="0"/>
-              <a:t>Fourth level</a:t>
-            </a:r>
-          </a:p>
-          <a:p>
-            <a:pPr lvl="4"/>
-            <a:r>
-              <a:rPr lang="en-US" dirty="0"/>
-              <a:t>Fifth level</a:t>
-            </a:r>
-          </a:p>
-        </p:txBody>
-      </p:sp>
-      <p:sp>
-        <p:nvSpPr>
-          <p:cNvPr id="9" name="Slide Number Placeholder 4">
-            <a:extLst>
-              <a:ext uri="{FF2B5EF4-FFF2-40B4-BE49-F238E27FC236}">
-                <a16:creationId xmlns:a16="http://schemas.microsoft.com/office/drawing/2014/main" id="{76AE7010-B247-D949-87ED-0376C2ADA26B}"/>
-              </a:ext>
-            </a:extLst>
-          </p:cNvPr>
-          <p:cNvSpPr>
-            <a:spLocks noGrp="1"/>
-          </p:cNvSpPr>
-          <p:nvPr>
-            <p:ph type="sldNum" sz="quarter" idx="12"/>
-          </p:nvPr>
-        </p:nvSpPr>
-        <p:spPr>
-          <a:xfrm>
-            <a:off x="9058675" y="6349176"/>
-            <a:ext cx="2743200" cy="365125"/>
-          </a:xfrm>
-        </p:spPr>
-        <p:txBody>
-          <a:bodyPr/>
-          <a:lstStyle>
-            <a:lvl1pPr>
-              <a:defRPr sz="900" b="0" i="0">
-                <a:solidFill>
-                  <a:schemeClr val="bg1"/>
-                </a:solidFill>
-                <a:latin typeface="+mn-lt"/>
-                <a:cs typeface="Arial" panose="020B0604020202020204" pitchFamily="34" charset="0"/>
-              </a:defRPr>
-            </a:lvl1pPr>
-          </a:lstStyle>
-          <a:p>
-            <a:fld id="{88F6FEFC-CCC7-A94C-AAC3-BECAE4BF550D}" type="slidenum">
-              <a:rPr lang="en-US" smtClean="0"/>
-              <a:pPr/>
-              <a:t>‹#›</a:t>
-            </a:fld>
-            <a:endParaRPr lang="en-US" dirty="0"/>
-          </a:p>
-        </p:txBody>
-      </p:sp>
-      <p:sp>
-        <p:nvSpPr>
-          <p:cNvPr id="11" name="Title 1">
-            <a:extLst>
-              <a:ext uri="{FF2B5EF4-FFF2-40B4-BE49-F238E27FC236}">
-                <a16:creationId xmlns:a16="http://schemas.microsoft.com/office/drawing/2014/main" id="{204F51E1-AE29-5248-96DF-7E5C51C05884}"/>
-              </a:ext>
-            </a:extLst>
-          </p:cNvPr>
-          <p:cNvSpPr>
-            <a:spLocks noGrp="1"/>
-          </p:cNvSpPr>
-          <p:nvPr>
-            <p:ph type="title"/>
-          </p:nvPr>
-        </p:nvSpPr>
-        <p:spPr>
-          <a:xfrm>
-            <a:off x="428467" y="345181"/>
-            <a:ext cx="11335079" cy="646331"/>
-          </a:xfrm>
-        </p:spPr>
-        <p:txBody>
-          <a:bodyPr>
-            <a:spAutoFit/>
-          </a:bodyPr>
-          <a:lstStyle>
-            <a:lvl1pPr>
-              <a:defRPr sz="4000">
-                <a:solidFill>
-                  <a:srgbClr val="1E19BB"/>
-                </a:solidFill>
-              </a:defRPr>
-            </a:lvl1pPr>
-          </a:lstStyle>
-          <a:p>
-            <a:r>
-              <a:rPr lang="en-US" dirty="0"/>
-              <a:t>Click to edit Master title style</a:t>
-            </a:r>
-          </a:p>
-        </p:txBody>
-      </p:sp>
-    </p:spTree>
-    <p:extLst>
-      <p:ext uri="{BB962C8B-B14F-4D97-AF65-F5344CB8AC3E}">
-        <p14:creationId xmlns:p14="http://schemas.microsoft.com/office/powerpoint/2010/main" val="2956661053"/>
-      </p:ext>
-    </p:extLst>
-  </p:cSld>
-  <p:clrMapOvr>
-    <a:masterClrMapping/>
-  </p:clrMapOvr>
-</p:sldLayout>
-</file>
-
-<file path=ppt/slideLayouts/slideLayout2.xml><?xml version="1.0" encoding="utf-8"?>
-<p:sldLayout xmlns:a="http://schemas.openxmlformats.org/drawingml/2006/main" xmlns:r="http://schemas.openxmlformats.org/officeDocument/2006/relationships" xmlns:p="http://schemas.openxmlformats.org/presentationml/2006/main" preserve="1" userDrawn="1">
-  <p:cSld name="Courage">
-    <p:bg>
-      <p:bgPr>
-        <a:solidFill>
-          <a:schemeClr val="accent1">
-            <a:lumMod val="50000"/>
-          </a:schemeClr>
-        </a:solidFill>
-        <a:effectLst/>
-      </p:bgPr>
-    </p:bg>
-    <p:spTree>
-      <p:nvGrpSpPr>
-        <p:cNvPr id="1" name=""/>
-        <p:cNvGrpSpPr/>
-        <p:nvPr/>
-      </p:nvGrpSpPr>
-      <p:grpSpPr>
-        <a:xfrm>
-          <a:off x="0" y="0"/>
-          <a:ext cx="0" cy="0"/>
-          <a:chOff x="0" y="0"/>
-          <a:chExt cx="0" cy="0"/>
-        </a:xfrm>
-      </p:grpSpPr>
-      <p:pic>
-        <p:nvPicPr>
-          <p:cNvPr id="3" name="Picture 2" descr="A screenshot of a cell phone&#10;&#10;Description automatically generated">
-            <a:extLst>
-              <a:ext uri="{FF2B5EF4-FFF2-40B4-BE49-F238E27FC236}">
-                <a16:creationId xmlns:a16="http://schemas.microsoft.com/office/drawing/2014/main" id="{B1107354-9C58-2541-9876-B8684029A501}"/>
-              </a:ext>
-            </a:extLst>
-          </p:cNvPr>
-          <p:cNvPicPr>
-            <a:picLocks noChangeAspect="1"/>
-          </p:cNvPicPr>
-          <p:nvPr userDrawn="1"/>
-        </p:nvPicPr>
-        <p:blipFill>
-          <a:blip r:embed="rId2"/>
-          <a:stretch>
-            <a:fillRect/>
-          </a:stretch>
-        </p:blipFill>
-        <p:spPr>
-          <a:xfrm>
-            <a:off x="0" y="0"/>
-            <a:ext cx="12192000" cy="6858000"/>
-          </a:xfrm>
-          <a:prstGeom prst="rect">
-            <a:avLst/>
-          </a:prstGeom>
-        </p:spPr>
-      </p:pic>
-      <p:pic>
-        <p:nvPicPr>
-          <p:cNvPr id="4" name="Picture 3" descr="A screenshot of a cell phone&#10;&#10;Description automatically generated">
-            <a:extLst>
-              <a:ext uri="{FF2B5EF4-FFF2-40B4-BE49-F238E27FC236}">
-                <a16:creationId xmlns:a16="http://schemas.microsoft.com/office/drawing/2014/main" id="{FAB0BC5C-826A-FA49-BE26-464BFFE3B24D}"/>
-              </a:ext>
-            </a:extLst>
-          </p:cNvPr>
-          <p:cNvPicPr>
-            <a:picLocks noChangeAspect="1"/>
-          </p:cNvPicPr>
-          <p:nvPr userDrawn="1"/>
-        </p:nvPicPr>
-        <p:blipFill>
-          <a:blip r:embed="rId3"/>
-          <a:stretch>
-            <a:fillRect/>
-          </a:stretch>
-        </p:blipFill>
-        <p:spPr>
-          <a:xfrm>
-            <a:off x="0" y="0"/>
-            <a:ext cx="12192000" cy="6858000"/>
-          </a:xfrm>
-          <a:prstGeom prst="rect">
-            <a:avLst/>
-          </a:prstGeom>
-        </p:spPr>
-      </p:pic>
-    </p:spTree>
-    <p:extLst>
-      <p:ext uri="{BB962C8B-B14F-4D97-AF65-F5344CB8AC3E}">
-        <p14:creationId xmlns:p14="http://schemas.microsoft.com/office/powerpoint/2010/main" val="1463766565"/>
-      </p:ext>
-    </p:extLst>
-  </p:cSld>
-  <p:clrMapOvr>
-    <a:masterClrMapping/>
-  </p:clrMapOvr>
-</p:sldLayout>
-</file>
-
-<file path=ppt/slideLayouts/slideLayout20.xml><?xml version="1.0" encoding="utf-8"?>
-<p:sldLayout xmlns:a="http://schemas.openxmlformats.org/drawingml/2006/main" xmlns:r="http://schemas.openxmlformats.org/officeDocument/2006/relationships" xmlns:p="http://schemas.openxmlformats.org/presentationml/2006/main" preserve="1" userDrawn="1">
-  <p:cSld name="Three Column Text ">
-    <p:spTree>
-      <p:nvGrpSpPr>
-        <p:cNvPr id="1" name=""/>
-        <p:cNvGrpSpPr/>
-        <p:nvPr/>
-      </p:nvGrpSpPr>
-      <p:grpSpPr>
-        <a:xfrm>
-          <a:off x="0" y="0"/>
-          <a:ext cx="0" cy="0"/>
-          <a:chOff x="0" y="0"/>
-          <a:chExt cx="0" cy="0"/>
-        </a:xfrm>
-      </p:grpSpPr>
-      <p:pic>
-        <p:nvPicPr>
-          <p:cNvPr id="9" name="Picture 8">
-            <a:extLst>
-              <a:ext uri="{FF2B5EF4-FFF2-40B4-BE49-F238E27FC236}">
-                <a16:creationId xmlns:a16="http://schemas.microsoft.com/office/drawing/2014/main" id="{A0607E1F-1F4D-2A47-85FD-442239D030F2}"/>
-              </a:ext>
-            </a:extLst>
-          </p:cNvPr>
-          <p:cNvPicPr>
-            <a:picLocks noChangeAspect="1"/>
-          </p:cNvPicPr>
-          <p:nvPr userDrawn="1"/>
-        </p:nvPicPr>
-        <p:blipFill>
-          <a:blip r:embed="rId2"/>
-          <a:stretch>
-            <a:fillRect/>
-          </a:stretch>
-        </p:blipFill>
-        <p:spPr>
-          <a:xfrm>
-            <a:off x="0" y="6035168"/>
-            <a:ext cx="12192000" cy="863001"/>
-          </a:xfrm>
-          <a:prstGeom prst="rect">
-            <a:avLst/>
-          </a:prstGeom>
-        </p:spPr>
-      </p:pic>
-      <p:sp>
-        <p:nvSpPr>
-          <p:cNvPr id="10" name="Slide Number Placeholder 4">
-            <a:extLst>
-              <a:ext uri="{FF2B5EF4-FFF2-40B4-BE49-F238E27FC236}">
-                <a16:creationId xmlns:a16="http://schemas.microsoft.com/office/drawing/2014/main" id="{8391A59D-B615-7A4B-A58F-EF2CA49F87AE}"/>
-              </a:ext>
-            </a:extLst>
-          </p:cNvPr>
-          <p:cNvSpPr>
-            <a:spLocks noGrp="1"/>
-          </p:cNvSpPr>
-          <p:nvPr>
-            <p:ph type="sldNum" sz="quarter" idx="12"/>
-          </p:nvPr>
-        </p:nvSpPr>
-        <p:spPr>
-          <a:xfrm>
-            <a:off x="9073189" y="6349176"/>
-            <a:ext cx="2743200" cy="365125"/>
-          </a:xfrm>
-        </p:spPr>
-        <p:txBody>
-          <a:bodyPr/>
-          <a:lstStyle>
-            <a:lvl1pPr>
-              <a:defRPr sz="900" b="0" i="0">
-                <a:solidFill>
-                  <a:schemeClr val="bg1"/>
-                </a:solidFill>
-                <a:latin typeface="Arial" panose="020B0604020202020204" pitchFamily="34" charset="0"/>
-                <a:cs typeface="Arial" panose="020B0604020202020204" pitchFamily="34" charset="0"/>
-              </a:defRPr>
-            </a:lvl1pPr>
-          </a:lstStyle>
-          <a:p>
-            <a:fld id="{88F6FEFC-CCC7-A94C-AAC3-BECAE4BF550D}" type="slidenum">
-              <a:rPr lang="en-US" smtClean="0"/>
-              <a:pPr/>
-              <a:t>‹#›</a:t>
-            </a:fld>
-            <a:endParaRPr lang="en-US" dirty="0"/>
-          </a:p>
-        </p:txBody>
-      </p:sp>
-      <p:sp>
-        <p:nvSpPr>
-          <p:cNvPr id="16" name="Text Placeholder 7">
-            <a:extLst>
-              <a:ext uri="{FF2B5EF4-FFF2-40B4-BE49-F238E27FC236}">
-                <a16:creationId xmlns:a16="http://schemas.microsoft.com/office/drawing/2014/main" id="{3AFEC6F6-4809-1141-9279-EC746DC3B56A}"/>
-              </a:ext>
-            </a:extLst>
-          </p:cNvPr>
-          <p:cNvSpPr>
-            <a:spLocks noGrp="1"/>
-          </p:cNvSpPr>
-          <p:nvPr>
-            <p:ph type="body" sz="quarter" idx="11"/>
-          </p:nvPr>
-        </p:nvSpPr>
-        <p:spPr>
-          <a:xfrm>
-            <a:off x="308125" y="1783829"/>
-            <a:ext cx="3559931" cy="4054739"/>
-          </a:xfrm>
-        </p:spPr>
-        <p:txBody>
-          <a:bodyPr>
-            <a:normAutofit/>
-          </a:bodyPr>
-          <a:lstStyle>
-            <a:lvl1pPr>
-              <a:lnSpc>
-                <a:spcPct val="100000"/>
-              </a:lnSpc>
-              <a:defRPr sz="1800" b="0" i="0">
-                <a:latin typeface="+mn-lt"/>
-                <a:cs typeface="Arial" panose="020B0604020202020204" pitchFamily="34" charset="0"/>
-              </a:defRPr>
-            </a:lvl1pPr>
-            <a:lvl2pPr>
-              <a:lnSpc>
-                <a:spcPct val="100000"/>
-              </a:lnSpc>
-              <a:defRPr sz="1600" b="0" i="0">
-                <a:latin typeface="+mn-lt"/>
-                <a:cs typeface="Arial" panose="020B0604020202020204" pitchFamily="34" charset="0"/>
-              </a:defRPr>
-            </a:lvl2pPr>
-            <a:lvl3pPr>
-              <a:lnSpc>
-                <a:spcPct val="100000"/>
-              </a:lnSpc>
-              <a:defRPr sz="1200" b="0" i="0">
-                <a:latin typeface="+mn-lt"/>
-                <a:cs typeface="Arial" panose="020B0604020202020204" pitchFamily="34" charset="0"/>
-              </a:defRPr>
-            </a:lvl3pPr>
-            <a:lvl4pPr>
-              <a:lnSpc>
-                <a:spcPct val="100000"/>
-              </a:lnSpc>
-              <a:defRPr sz="1100" b="0" i="0">
-                <a:latin typeface="+mn-lt"/>
-                <a:cs typeface="Arial" panose="020B0604020202020204" pitchFamily="34" charset="0"/>
-              </a:defRPr>
-            </a:lvl4pPr>
-            <a:lvl5pPr>
-              <a:lnSpc>
-                <a:spcPct val="100000"/>
-              </a:lnSpc>
-              <a:defRPr sz="900" b="0" i="0">
-                <a:latin typeface="+mn-lt"/>
-                <a:cs typeface="Arial" panose="020B0604020202020204" pitchFamily="34" charset="0"/>
-              </a:defRPr>
-            </a:lvl5pPr>
-          </a:lstStyle>
-          <a:p>
-            <a:pPr lvl="0"/>
-            <a:r>
-              <a:rPr lang="en-US" dirty="0"/>
-              <a:t>Edit Master text styles</a:t>
-            </a:r>
-          </a:p>
-          <a:p>
-            <a:pPr lvl="1"/>
-            <a:r>
-              <a:rPr lang="en-US" dirty="0"/>
-              <a:t>Second level</a:t>
-            </a:r>
-          </a:p>
-          <a:p>
-            <a:pPr lvl="2"/>
-            <a:r>
-              <a:rPr lang="en-US" dirty="0"/>
-              <a:t>Third level</a:t>
-            </a:r>
-          </a:p>
-          <a:p>
-            <a:pPr lvl="3"/>
-            <a:r>
-              <a:rPr lang="en-US" dirty="0"/>
-              <a:t>Fourth level</a:t>
-            </a:r>
-          </a:p>
-          <a:p>
-            <a:pPr lvl="4"/>
-            <a:r>
-              <a:rPr lang="en-US" dirty="0"/>
-              <a:t>Fifth level</a:t>
-            </a:r>
-          </a:p>
-        </p:txBody>
-      </p:sp>
-      <p:sp>
-        <p:nvSpPr>
-          <p:cNvPr id="17" name="Text Placeholder 7">
-            <a:extLst>
-              <a:ext uri="{FF2B5EF4-FFF2-40B4-BE49-F238E27FC236}">
-                <a16:creationId xmlns:a16="http://schemas.microsoft.com/office/drawing/2014/main" id="{E8C6E74A-3A9F-014A-AC65-E8972C6EFE30}"/>
-              </a:ext>
-            </a:extLst>
-          </p:cNvPr>
-          <p:cNvSpPr>
-            <a:spLocks noGrp="1"/>
-          </p:cNvSpPr>
-          <p:nvPr>
-            <p:ph type="body" sz="quarter" idx="13"/>
-          </p:nvPr>
-        </p:nvSpPr>
-        <p:spPr>
-          <a:xfrm>
-            <a:off x="4316034" y="1783829"/>
-            <a:ext cx="3559931" cy="4054739"/>
-          </a:xfrm>
-        </p:spPr>
-        <p:txBody>
-          <a:bodyPr>
-            <a:normAutofit/>
-          </a:bodyPr>
-          <a:lstStyle>
-            <a:lvl1pPr>
-              <a:lnSpc>
-                <a:spcPct val="100000"/>
-              </a:lnSpc>
-              <a:defRPr sz="1800" b="0" i="0">
-                <a:latin typeface="+mn-lt"/>
-                <a:cs typeface="Arial" panose="020B0604020202020204" pitchFamily="34" charset="0"/>
-              </a:defRPr>
-            </a:lvl1pPr>
-            <a:lvl2pPr>
-              <a:lnSpc>
-                <a:spcPct val="100000"/>
-              </a:lnSpc>
-              <a:defRPr sz="1600" b="0" i="0">
-                <a:latin typeface="+mn-lt"/>
-                <a:cs typeface="Arial" panose="020B0604020202020204" pitchFamily="34" charset="0"/>
-              </a:defRPr>
-            </a:lvl2pPr>
-            <a:lvl3pPr>
-              <a:lnSpc>
-                <a:spcPct val="100000"/>
-              </a:lnSpc>
-              <a:defRPr sz="1200" b="0" i="0">
-                <a:latin typeface="+mn-lt"/>
-                <a:cs typeface="Arial" panose="020B0604020202020204" pitchFamily="34" charset="0"/>
-              </a:defRPr>
-            </a:lvl3pPr>
-            <a:lvl4pPr>
-              <a:lnSpc>
-                <a:spcPct val="100000"/>
-              </a:lnSpc>
-              <a:defRPr sz="1100" b="0" i="0">
-                <a:latin typeface="+mn-lt"/>
-                <a:cs typeface="Arial" panose="020B0604020202020204" pitchFamily="34" charset="0"/>
-              </a:defRPr>
-            </a:lvl4pPr>
-            <a:lvl5pPr>
-              <a:lnSpc>
-                <a:spcPct val="100000"/>
-              </a:lnSpc>
-              <a:defRPr sz="900" b="0" i="0">
-                <a:latin typeface="+mn-lt"/>
-                <a:cs typeface="Arial" panose="020B0604020202020204" pitchFamily="34" charset="0"/>
-              </a:defRPr>
-            </a:lvl5pPr>
-          </a:lstStyle>
-          <a:p>
-            <a:pPr lvl="0"/>
-            <a:r>
-              <a:rPr lang="en-US" dirty="0"/>
-              <a:t>Edit Master text styles</a:t>
-            </a:r>
-          </a:p>
-          <a:p>
-            <a:pPr lvl="1"/>
-            <a:r>
-              <a:rPr lang="en-US" dirty="0"/>
-              <a:t>Second level</a:t>
-            </a:r>
-          </a:p>
-          <a:p>
-            <a:pPr lvl="2"/>
-            <a:r>
-              <a:rPr lang="en-US" dirty="0"/>
-              <a:t>Third level</a:t>
-            </a:r>
-          </a:p>
-          <a:p>
-            <a:pPr lvl="3"/>
-            <a:r>
-              <a:rPr lang="en-US" dirty="0"/>
-              <a:t>Fourth level</a:t>
-            </a:r>
-          </a:p>
-          <a:p>
-            <a:pPr lvl="4"/>
-            <a:r>
-              <a:rPr lang="en-US" dirty="0"/>
-              <a:t>Fifth level</a:t>
-            </a:r>
-          </a:p>
-        </p:txBody>
-      </p:sp>
-      <p:sp>
-        <p:nvSpPr>
-          <p:cNvPr id="18" name="Text Placeholder 7">
-            <a:extLst>
-              <a:ext uri="{FF2B5EF4-FFF2-40B4-BE49-F238E27FC236}">
-                <a16:creationId xmlns:a16="http://schemas.microsoft.com/office/drawing/2014/main" id="{CA302FD4-2E44-8041-A370-DD700407AD6F}"/>
-              </a:ext>
-            </a:extLst>
-          </p:cNvPr>
-          <p:cNvSpPr>
-            <a:spLocks noGrp="1"/>
-          </p:cNvSpPr>
-          <p:nvPr>
-            <p:ph type="body" sz="quarter" idx="14"/>
-          </p:nvPr>
-        </p:nvSpPr>
-        <p:spPr>
-          <a:xfrm>
-            <a:off x="8323944" y="1783829"/>
-            <a:ext cx="3559931" cy="4054739"/>
-          </a:xfrm>
-        </p:spPr>
-        <p:txBody>
-          <a:bodyPr>
-            <a:normAutofit/>
-          </a:bodyPr>
-          <a:lstStyle>
-            <a:lvl1pPr>
-              <a:lnSpc>
-                <a:spcPct val="100000"/>
-              </a:lnSpc>
-              <a:defRPr sz="1800" b="0" i="0">
-                <a:latin typeface="+mn-lt"/>
-                <a:cs typeface="Arial" panose="020B0604020202020204" pitchFamily="34" charset="0"/>
-              </a:defRPr>
-            </a:lvl1pPr>
-            <a:lvl2pPr>
-              <a:lnSpc>
-                <a:spcPct val="100000"/>
-              </a:lnSpc>
-              <a:defRPr sz="1600" b="0" i="0">
-                <a:latin typeface="+mn-lt"/>
-                <a:cs typeface="Arial" panose="020B0604020202020204" pitchFamily="34" charset="0"/>
-              </a:defRPr>
-            </a:lvl2pPr>
-            <a:lvl3pPr>
-              <a:lnSpc>
-                <a:spcPct val="100000"/>
-              </a:lnSpc>
-              <a:defRPr sz="1200" b="0" i="0">
-                <a:latin typeface="+mn-lt"/>
-                <a:cs typeface="Arial" panose="020B0604020202020204" pitchFamily="34" charset="0"/>
-              </a:defRPr>
-            </a:lvl3pPr>
-            <a:lvl4pPr>
-              <a:lnSpc>
-                <a:spcPct val="100000"/>
-              </a:lnSpc>
-              <a:defRPr sz="1100" b="0" i="0">
-                <a:latin typeface="+mn-lt"/>
-                <a:cs typeface="Arial" panose="020B0604020202020204" pitchFamily="34" charset="0"/>
-              </a:defRPr>
-            </a:lvl4pPr>
-            <a:lvl5pPr>
-              <a:lnSpc>
-                <a:spcPct val="100000"/>
-              </a:lnSpc>
-              <a:defRPr sz="900" b="0" i="0">
-                <a:latin typeface="+mn-lt"/>
-                <a:cs typeface="Arial" panose="020B0604020202020204" pitchFamily="34" charset="0"/>
-              </a:defRPr>
-            </a:lvl5pPr>
-          </a:lstStyle>
-          <a:p>
-            <a:pPr lvl="0"/>
-            <a:r>
-              <a:rPr lang="en-US" dirty="0"/>
-              <a:t>Edit Master text styles</a:t>
-            </a:r>
-          </a:p>
-          <a:p>
-            <a:pPr lvl="1"/>
-            <a:r>
-              <a:rPr lang="en-US" dirty="0"/>
-              <a:t>Second level</a:t>
-            </a:r>
-          </a:p>
-          <a:p>
-            <a:pPr lvl="2"/>
-            <a:r>
-              <a:rPr lang="en-US" dirty="0"/>
-              <a:t>Third level</a:t>
-            </a:r>
-          </a:p>
-          <a:p>
-            <a:pPr lvl="3"/>
-            <a:r>
-              <a:rPr lang="en-US" dirty="0"/>
-              <a:t>Fourth level</a:t>
-            </a:r>
-          </a:p>
-          <a:p>
-            <a:pPr lvl="4"/>
-            <a:r>
-              <a:rPr lang="en-US" dirty="0"/>
-              <a:t>Fifth level</a:t>
-            </a:r>
-          </a:p>
-        </p:txBody>
-      </p:sp>
-      <p:sp>
-        <p:nvSpPr>
-          <p:cNvPr id="15" name="Title 1">
-            <a:extLst>
-              <a:ext uri="{FF2B5EF4-FFF2-40B4-BE49-F238E27FC236}">
-                <a16:creationId xmlns:a16="http://schemas.microsoft.com/office/drawing/2014/main" id="{81BD3800-B3FF-A24D-8A2D-73045A179928}"/>
-              </a:ext>
-            </a:extLst>
-          </p:cNvPr>
-          <p:cNvSpPr>
-            <a:spLocks noGrp="1"/>
-          </p:cNvSpPr>
-          <p:nvPr>
-            <p:ph type="title"/>
-          </p:nvPr>
-        </p:nvSpPr>
-        <p:spPr>
-          <a:xfrm>
-            <a:off x="428467" y="345181"/>
-            <a:ext cx="11335079" cy="646331"/>
-          </a:xfrm>
-        </p:spPr>
-        <p:txBody>
-          <a:bodyPr>
-            <a:spAutoFit/>
-          </a:bodyPr>
-          <a:lstStyle>
-            <a:lvl1pPr>
-              <a:defRPr sz="4000">
-                <a:solidFill>
-                  <a:srgbClr val="1E19BB"/>
-                </a:solidFill>
-              </a:defRPr>
-            </a:lvl1pPr>
-          </a:lstStyle>
-          <a:p>
-            <a:r>
-              <a:rPr lang="en-US" dirty="0"/>
-              <a:t>Click to edit Master title style</a:t>
-            </a:r>
-          </a:p>
-        </p:txBody>
-      </p:sp>
-    </p:spTree>
-    <p:extLst>
-      <p:ext uri="{BB962C8B-B14F-4D97-AF65-F5344CB8AC3E}">
-        <p14:creationId xmlns:p14="http://schemas.microsoft.com/office/powerpoint/2010/main" val="2130269724"/>
-      </p:ext>
-    </p:extLst>
-  </p:cSld>
-  <p:clrMapOvr>
-    <a:masterClrMapping/>
-  </p:clrMapOvr>
-</p:sldLayout>
-</file>
-
-<file path=ppt/slideLayouts/slideLayout3.xml><?xml version="1.0" encoding="utf-8"?>
-<p:sldLayout xmlns:a="http://schemas.openxmlformats.org/drawingml/2006/main" xmlns:r="http://schemas.openxmlformats.org/officeDocument/2006/relationships" xmlns:p="http://schemas.openxmlformats.org/presentationml/2006/main" preserve="1" userDrawn="1">
-  <p:cSld name="Excellence">
-    <p:bg>
-      <p:bgPr>
-        <a:solidFill>
-          <a:schemeClr val="accent1">
-            <a:lumMod val="50000"/>
-          </a:schemeClr>
-        </a:solidFill>
-        <a:effectLst/>
-      </p:bgPr>
-    </p:bg>
-    <p:spTree>
-      <p:nvGrpSpPr>
-        <p:cNvPr id="1" name=""/>
-        <p:cNvGrpSpPr/>
-        <p:nvPr/>
-      </p:nvGrpSpPr>
-      <p:grpSpPr>
-        <a:xfrm>
-          <a:off x="0" y="0"/>
-          <a:ext cx="0" cy="0"/>
-          <a:chOff x="0" y="0"/>
-          <a:chExt cx="0" cy="0"/>
-        </a:xfrm>
-      </p:grpSpPr>
-      <p:pic>
-        <p:nvPicPr>
-          <p:cNvPr id="3" name="Picture 2" descr="A screenshot of a cell phone&#10;&#10;Description automatically generated">
-            <a:extLst>
-              <a:ext uri="{FF2B5EF4-FFF2-40B4-BE49-F238E27FC236}">
-                <a16:creationId xmlns:a16="http://schemas.microsoft.com/office/drawing/2014/main" id="{218E5414-3F6E-4844-AE56-ED3E18655916}"/>
-              </a:ext>
-            </a:extLst>
-          </p:cNvPr>
-          <p:cNvPicPr>
-            <a:picLocks noChangeAspect="1"/>
-          </p:cNvPicPr>
-          <p:nvPr userDrawn="1"/>
-        </p:nvPicPr>
-        <p:blipFill>
-          <a:blip r:embed="rId2"/>
-          <a:stretch>
-            <a:fillRect/>
-          </a:stretch>
-        </p:blipFill>
-        <p:spPr>
-          <a:xfrm>
-            <a:off x="0" y="0"/>
-            <a:ext cx="12192000" cy="6858000"/>
-          </a:xfrm>
-          <a:prstGeom prst="rect">
-            <a:avLst/>
-          </a:prstGeom>
-        </p:spPr>
-      </p:pic>
-      <p:pic>
-        <p:nvPicPr>
-          <p:cNvPr id="4" name="Picture 3" descr="A screenshot of a cell phone&#10;&#10;Description automatically generated">
-            <a:extLst>
-              <a:ext uri="{FF2B5EF4-FFF2-40B4-BE49-F238E27FC236}">
-                <a16:creationId xmlns:a16="http://schemas.microsoft.com/office/drawing/2014/main" id="{F51271DD-7B0C-3F4B-9A5D-50FB495CFA4C}"/>
-              </a:ext>
-            </a:extLst>
-          </p:cNvPr>
-          <p:cNvPicPr>
-            <a:picLocks noChangeAspect="1"/>
-          </p:cNvPicPr>
-          <p:nvPr userDrawn="1"/>
-        </p:nvPicPr>
-        <p:blipFill>
-          <a:blip r:embed="rId3"/>
-          <a:stretch>
-            <a:fillRect/>
-          </a:stretch>
-        </p:blipFill>
-        <p:spPr>
-          <a:xfrm>
-            <a:off x="0" y="0"/>
-            <a:ext cx="12192000" cy="6858000"/>
-          </a:xfrm>
-          <a:prstGeom prst="rect">
-            <a:avLst/>
-          </a:prstGeom>
-        </p:spPr>
-      </p:pic>
-    </p:spTree>
-    <p:extLst>
-      <p:ext uri="{BB962C8B-B14F-4D97-AF65-F5344CB8AC3E}">
-        <p14:creationId xmlns:p14="http://schemas.microsoft.com/office/powerpoint/2010/main" val="2584213191"/>
-      </p:ext>
-    </p:extLst>
-  </p:cSld>
-  <p:clrMapOvr>
-    <a:masterClrMapping/>
-  </p:clrMapOvr>
-</p:sldLayout>
-</file>
-
-<file path=ppt/slideLayouts/slideLayout4.xml><?xml version="1.0" encoding="utf-8"?>
-<p:sldLayout xmlns:a="http://schemas.openxmlformats.org/drawingml/2006/main" xmlns:r="http://schemas.openxmlformats.org/officeDocument/2006/relationships" xmlns:p="http://schemas.openxmlformats.org/presentationml/2006/main" preserve="1" userDrawn="1">
-  <p:cSld name="Equity">
-    <p:bg>
-      <p:bgPr>
-        <a:solidFill>
-          <a:schemeClr val="accent1">
-            <a:lumMod val="50000"/>
-          </a:schemeClr>
-        </a:solidFill>
-        <a:effectLst/>
-      </p:bgPr>
-    </p:bg>
-    <p:spTree>
-      <p:nvGrpSpPr>
-        <p:cNvPr id="1" name=""/>
-        <p:cNvGrpSpPr/>
-        <p:nvPr/>
-      </p:nvGrpSpPr>
-      <p:grpSpPr>
-        <a:xfrm>
-          <a:off x="0" y="0"/>
-          <a:ext cx="0" cy="0"/>
-          <a:chOff x="0" y="0"/>
-          <a:chExt cx="0" cy="0"/>
-        </a:xfrm>
-      </p:grpSpPr>
-      <p:pic>
-        <p:nvPicPr>
-          <p:cNvPr id="3" name="Picture 2" descr="A screenshot of a cell phone&#10;&#10;Description automatically generated">
-            <a:extLst>
-              <a:ext uri="{FF2B5EF4-FFF2-40B4-BE49-F238E27FC236}">
-                <a16:creationId xmlns:a16="http://schemas.microsoft.com/office/drawing/2014/main" id="{85DA36E5-E3E6-164A-91D3-7AA65F3115D5}"/>
-              </a:ext>
-            </a:extLst>
-          </p:cNvPr>
-          <p:cNvPicPr>
-            <a:picLocks noChangeAspect="1"/>
-          </p:cNvPicPr>
-          <p:nvPr userDrawn="1"/>
-        </p:nvPicPr>
-        <p:blipFill>
-          <a:blip r:embed="rId2"/>
-          <a:stretch>
-            <a:fillRect/>
-          </a:stretch>
-        </p:blipFill>
-        <p:spPr>
-          <a:xfrm>
-            <a:off x="0" y="0"/>
-            <a:ext cx="12192000" cy="6858000"/>
-          </a:xfrm>
-          <a:prstGeom prst="rect">
-            <a:avLst/>
-          </a:prstGeom>
-        </p:spPr>
-      </p:pic>
-      <p:pic>
-        <p:nvPicPr>
-          <p:cNvPr id="4" name="Picture 3" descr="A screenshot of a cell phone&#10;&#10;Description automatically generated">
-            <a:extLst>
-              <a:ext uri="{FF2B5EF4-FFF2-40B4-BE49-F238E27FC236}">
-                <a16:creationId xmlns:a16="http://schemas.microsoft.com/office/drawing/2014/main" id="{4622174E-3099-F64E-83E5-2ED340EA0DF1}"/>
-              </a:ext>
-            </a:extLst>
-          </p:cNvPr>
-          <p:cNvPicPr>
-            <a:picLocks noChangeAspect="1"/>
-          </p:cNvPicPr>
-          <p:nvPr userDrawn="1"/>
-        </p:nvPicPr>
-        <p:blipFill>
-          <a:blip r:embed="rId3"/>
-          <a:stretch>
-            <a:fillRect/>
-          </a:stretch>
-        </p:blipFill>
-        <p:spPr>
-          <a:xfrm>
-            <a:off x="0" y="0"/>
-            <a:ext cx="12192000" cy="6858000"/>
-          </a:xfrm>
-          <a:prstGeom prst="rect">
-            <a:avLst/>
-          </a:prstGeom>
-        </p:spPr>
-      </p:pic>
-    </p:spTree>
-    <p:extLst>
-      <p:ext uri="{BB962C8B-B14F-4D97-AF65-F5344CB8AC3E}">
-        <p14:creationId xmlns:p14="http://schemas.microsoft.com/office/powerpoint/2010/main" val="2762613641"/>
-      </p:ext>
-    </p:extLst>
-  </p:cSld>
-  <p:clrMapOvr>
-    <a:masterClrMapping/>
-  </p:clrMapOvr>
-</p:sldLayout>
-</file>
-
-<file path=ppt/slideLayouts/slideLayout5.xml><?xml version="1.0" encoding="utf-8"?>
-<p:sldLayout xmlns:a="http://schemas.openxmlformats.org/drawingml/2006/main" xmlns:r="http://schemas.openxmlformats.org/officeDocument/2006/relationships" xmlns:p="http://schemas.openxmlformats.org/presentationml/2006/main" preserve="1" userDrawn="1">
-  <p:cSld name="Joy">
-    <p:bg>
-      <p:bgPr>
-        <a:solidFill>
-          <a:schemeClr val="accent1">
-            <a:lumMod val="50000"/>
-          </a:schemeClr>
-        </a:solidFill>
-        <a:effectLst/>
-      </p:bgPr>
-    </p:bg>
-    <p:spTree>
-      <p:nvGrpSpPr>
-        <p:cNvPr id="1" name=""/>
-        <p:cNvGrpSpPr/>
-        <p:nvPr/>
-      </p:nvGrpSpPr>
-      <p:grpSpPr>
-        <a:xfrm>
-          <a:off x="0" y="0"/>
-          <a:ext cx="0" cy="0"/>
-          <a:chOff x="0" y="0"/>
-          <a:chExt cx="0" cy="0"/>
-        </a:xfrm>
-      </p:grpSpPr>
-      <p:pic>
-        <p:nvPicPr>
-          <p:cNvPr id="3" name="Picture 2">
-            <a:extLst>
-              <a:ext uri="{FF2B5EF4-FFF2-40B4-BE49-F238E27FC236}">
-                <a16:creationId xmlns:a16="http://schemas.microsoft.com/office/drawing/2014/main" id="{D5DDEA18-AC92-B74C-9D55-1D87F414275F}"/>
-              </a:ext>
-            </a:extLst>
-          </p:cNvPr>
-          <p:cNvPicPr>
-            <a:picLocks noChangeAspect="1"/>
-          </p:cNvPicPr>
-          <p:nvPr userDrawn="1"/>
-        </p:nvPicPr>
-        <p:blipFill>
-          <a:blip r:embed="rId2"/>
-          <a:stretch>
-            <a:fillRect/>
-          </a:stretch>
-        </p:blipFill>
-        <p:spPr>
-          <a:xfrm>
-            <a:off x="0" y="0"/>
-            <a:ext cx="12192000" cy="6858000"/>
-          </a:xfrm>
-          <a:prstGeom prst="rect">
-            <a:avLst/>
-          </a:prstGeom>
-        </p:spPr>
-      </p:pic>
-      <p:pic>
-        <p:nvPicPr>
-          <p:cNvPr id="4" name="Picture 3" descr="A screenshot of a cell phone&#10;&#10;Description automatically generated">
-            <a:extLst>
-              <a:ext uri="{FF2B5EF4-FFF2-40B4-BE49-F238E27FC236}">
-                <a16:creationId xmlns:a16="http://schemas.microsoft.com/office/drawing/2014/main" id="{70A5E78A-887B-574A-90BB-6612EBA864BE}"/>
-              </a:ext>
-            </a:extLst>
-          </p:cNvPr>
-          <p:cNvPicPr>
-            <a:picLocks noChangeAspect="1"/>
-          </p:cNvPicPr>
-          <p:nvPr userDrawn="1"/>
-        </p:nvPicPr>
-        <p:blipFill>
-          <a:blip r:embed="rId3"/>
-          <a:stretch>
-            <a:fillRect/>
-          </a:stretch>
-        </p:blipFill>
-        <p:spPr>
-          <a:xfrm>
-            <a:off x="0" y="0"/>
-            <a:ext cx="12192000" cy="6858000"/>
-          </a:xfrm>
-          <a:prstGeom prst="rect">
-            <a:avLst/>
-          </a:prstGeom>
-        </p:spPr>
-      </p:pic>
-    </p:spTree>
-    <p:extLst>
-      <p:ext uri="{BB962C8B-B14F-4D97-AF65-F5344CB8AC3E}">
-        <p14:creationId xmlns:p14="http://schemas.microsoft.com/office/powerpoint/2010/main" val="4118401511"/>
-      </p:ext>
-    </p:extLst>
-  </p:cSld>
-  <p:clrMapOvr>
-    <a:masterClrMapping/>
-  </p:clrMapOvr>
-</p:sldLayout>
-</file>
-
-<file path=ppt/slideLayouts/slideLayout6.xml><?xml version="1.0" encoding="utf-8"?>
-<p:sldLayout xmlns:a="http://schemas.openxmlformats.org/drawingml/2006/main" xmlns:r="http://schemas.openxmlformats.org/officeDocument/2006/relationships" xmlns:p="http://schemas.openxmlformats.org/presentationml/2006/main" preserve="1" userDrawn="1">
-  <p:cSld name="4 Values">
-    <p:bg>
-      <p:bgPr>
-        <a:solidFill>
-          <a:schemeClr val="accent1">
-            <a:lumMod val="50000"/>
-          </a:schemeClr>
-        </a:solidFill>
-        <a:effectLst/>
-      </p:bgPr>
-    </p:bg>
-    <p:spTree>
-      <p:nvGrpSpPr>
-        <p:cNvPr id="1" name=""/>
-        <p:cNvGrpSpPr/>
-        <p:nvPr/>
-      </p:nvGrpSpPr>
-      <p:grpSpPr>
-        <a:xfrm>
-          <a:off x="0" y="0"/>
-          <a:ext cx="0" cy="0"/>
-          <a:chOff x="0" y="0"/>
-          <a:chExt cx="0" cy="0"/>
-        </a:xfrm>
-      </p:grpSpPr>
-      <p:pic>
-        <p:nvPicPr>
-          <p:cNvPr id="7" name="Picture 6" descr="A screenshot of a cell phone&#10;&#10;Description automatically generated">
-            <a:extLst>
-              <a:ext uri="{FF2B5EF4-FFF2-40B4-BE49-F238E27FC236}">
-                <a16:creationId xmlns:a16="http://schemas.microsoft.com/office/drawing/2014/main" id="{91FE4E78-A890-B84A-BB3A-184904800F45}"/>
-              </a:ext>
-            </a:extLst>
-          </p:cNvPr>
-          <p:cNvPicPr>
-            <a:picLocks noChangeAspect="1"/>
-          </p:cNvPicPr>
-          <p:nvPr userDrawn="1"/>
-        </p:nvPicPr>
-        <p:blipFill>
-          <a:blip r:embed="rId2"/>
-          <a:stretch>
-            <a:fillRect/>
-          </a:stretch>
-        </p:blipFill>
-        <p:spPr>
-          <a:xfrm>
-            <a:off x="0" y="0"/>
-            <a:ext cx="12192000" cy="6858000"/>
-          </a:xfrm>
-          <a:prstGeom prst="rect">
-            <a:avLst/>
-          </a:prstGeom>
-        </p:spPr>
-      </p:pic>
-    </p:spTree>
-    <p:extLst>
-      <p:ext uri="{BB962C8B-B14F-4D97-AF65-F5344CB8AC3E}">
-        <p14:creationId xmlns:p14="http://schemas.microsoft.com/office/powerpoint/2010/main" val="3408087180"/>
-      </p:ext>
-    </p:extLst>
-  </p:cSld>
-  <p:clrMapOvr>
-    <a:masterClrMapping/>
-  </p:clrMapOvr>
-</p:sldLayout>
-</file>
-
-<file path=ppt/slideLayouts/slideLayout7.xml><?xml version="1.0" encoding="utf-8"?>
 <p:sldLayout xmlns:a="http://schemas.openxmlformats.org/drawingml/2006/main" xmlns:r="http://schemas.openxmlformats.org/officeDocument/2006/relationships" xmlns:p="http://schemas.openxmlformats.org/presentationml/2006/main" userDrawn="1">
   <p:cSld name="Agenda A">
     <p:spTree>
@@ -4734,9 +1298,9 @@
 </p:sldLayout>
 </file>
 
-<file path=ppt/slideLayouts/slideLayout8.xml><?xml version="1.0" encoding="utf-8"?>
+<file path=ppt/slideLayouts/slideLayout10.xml><?xml version="1.0" encoding="utf-8"?>
 <p:sldLayout xmlns:a="http://schemas.openxmlformats.org/drawingml/2006/main" xmlns:r="http://schemas.openxmlformats.org/officeDocument/2006/relationships" xmlns:p="http://schemas.openxmlformats.org/presentationml/2006/main" preserve="1" userDrawn="1">
-  <p:cSld name="Agenda B">
+  <p:cSld name="Info Graph">
     <p:spTree>
       <p:nvGrpSpPr>
         <p:cNvPr id="1" name=""/>
@@ -4751,42 +1315,64 @@
           <a:chExt cx="0" cy="0"/>
         </a:xfrm>
       </p:grpSpPr>
-      <p:pic>
-        <p:nvPicPr>
-          <p:cNvPr id="4" name="Picture 3">
-            <a:extLst>
-              <a:ext uri="{FF2B5EF4-FFF2-40B4-BE49-F238E27FC236}">
-                <a16:creationId xmlns:a16="http://schemas.microsoft.com/office/drawing/2014/main" id="{37E03156-2AA9-3141-9102-D3F750ABEBC1}"/>
-              </a:ext>
-            </a:extLst>
-          </p:cNvPr>
-          <p:cNvPicPr>
-            <a:picLocks noChangeAspect="1"/>
-          </p:cNvPicPr>
+      <p:sp>
+        <p:nvSpPr>
+          <p:cNvPr id="2" name="Rectangle 1">
+            <a:extLst>
+              <a:ext uri="{FF2B5EF4-FFF2-40B4-BE49-F238E27FC236}">
+                <a16:creationId xmlns:a16="http://schemas.microsoft.com/office/drawing/2014/main" id="{D94E8453-E12D-B149-AF34-207892146174}"/>
+              </a:ext>
+            </a:extLst>
+          </p:cNvPr>
+          <p:cNvSpPr/>
           <p:nvPr userDrawn="1"/>
-        </p:nvPicPr>
-        <p:blipFill>
-          <a:blip r:embed="rId2"/>
-          <a:stretch>
-            <a:fillRect/>
-          </a:stretch>
-        </p:blipFill>
-        <p:spPr>
-          <a:xfrm>
-            <a:off x="0" y="6041399"/>
-            <a:ext cx="12192000" cy="867081"/>
+        </p:nvSpPr>
+        <p:spPr>
+          <a:xfrm>
+            <a:off x="4230484" y="0"/>
+            <a:ext cx="7961516" cy="6858000"/>
           </a:xfrm>
           <a:prstGeom prst="rect">
             <a:avLst/>
           </a:prstGeom>
-        </p:spPr>
-      </p:pic>
-      <p:sp>
-        <p:nvSpPr>
-          <p:cNvPr id="10" name="Slide Number Placeholder 4">
-            <a:extLst>
-              <a:ext uri="{FF2B5EF4-FFF2-40B4-BE49-F238E27FC236}">
-                <a16:creationId xmlns:a16="http://schemas.microsoft.com/office/drawing/2014/main" id="{4A94DF17-F487-E542-9F9B-74395A2CD166}"/>
+          <a:solidFill>
+            <a:srgbClr val="1E19BB"/>
+          </a:solidFill>
+          <a:ln>
+            <a:noFill/>
+          </a:ln>
+        </p:spPr>
+        <p:style>
+          <a:lnRef idx="2">
+            <a:schemeClr val="accent1">
+              <a:shade val="50000"/>
+            </a:schemeClr>
+          </a:lnRef>
+          <a:fillRef idx="1">
+            <a:schemeClr val="accent1"/>
+          </a:fillRef>
+          <a:effectRef idx="0">
+            <a:schemeClr val="accent1"/>
+          </a:effectRef>
+          <a:fontRef idx="minor">
+            <a:schemeClr val="lt1"/>
+          </a:fontRef>
+        </p:style>
+        <p:txBody>
+          <a:bodyPr rtlCol="0" anchor="ctr"/>
+          <a:lstStyle/>
+          <a:p>
+            <a:pPr algn="ctr"/>
+            <a:endParaRPr lang="en-US"/>
+          </a:p>
+        </p:txBody>
+      </p:sp>
+      <p:sp>
+        <p:nvSpPr>
+          <p:cNvPr id="16" name="Slide Number Placeholder 4">
+            <a:extLst>
+              <a:ext uri="{FF2B5EF4-FFF2-40B4-BE49-F238E27FC236}">
+                <a16:creationId xmlns:a16="http://schemas.microsoft.com/office/drawing/2014/main" id="{544386EA-E0AD-204B-8FB3-4AF2418A6A63}"/>
               </a:ext>
             </a:extLst>
           </p:cNvPr>
@@ -4828,401 +1414,10 @@
       </p:sp>
       <p:sp>
         <p:nvSpPr>
-          <p:cNvPr id="17" name="Subtitle 2">
-            <a:extLst>
-              <a:ext uri="{FF2B5EF4-FFF2-40B4-BE49-F238E27FC236}">
-                <a16:creationId xmlns:a16="http://schemas.microsoft.com/office/drawing/2014/main" id="{A4D6EC9C-5DD1-9D4A-866E-8DC56079DF51}"/>
-              </a:ext>
-            </a:extLst>
-          </p:cNvPr>
-          <p:cNvSpPr>
-            <a:spLocks noGrp="1"/>
-          </p:cNvSpPr>
-          <p:nvPr>
-            <p:ph type="subTitle" idx="1" hasCustomPrompt="1"/>
-          </p:nvPr>
-        </p:nvSpPr>
-        <p:spPr>
-          <a:xfrm>
-            <a:off x="406428" y="1398406"/>
-            <a:ext cx="11585803" cy="3710763"/>
-          </a:xfrm>
-        </p:spPr>
-        <p:txBody>
-          <a:bodyPr numCol="1">
-            <a:normAutofit/>
-          </a:bodyPr>
-          <a:lstStyle>
-            <a:lvl1pPr marL="342866" marR="0" indent="-342866" algn="l" defTabSz="685734" rtl="0" eaLnBrk="1" fontAlgn="auto" latinLnBrk="0" hangingPunct="1">
-              <a:lnSpc>
-                <a:spcPct val="150000"/>
-              </a:lnSpc>
-              <a:spcBef>
-                <a:spcPts val="751"/>
-              </a:spcBef>
-              <a:spcAft>
-                <a:spcPts val="0"/>
-              </a:spcAft>
-              <a:buClrTx/>
-              <a:buSzTx/>
-              <a:buFont typeface="+mj-lt"/>
-              <a:buAutoNum type="arabicPeriod"/>
-              <a:tabLst/>
-              <a:defRPr sz="1600" b="0" i="0">
-                <a:solidFill>
-                  <a:schemeClr val="tx1"/>
-                </a:solidFill>
-                <a:latin typeface="+mn-lt"/>
-                <a:cs typeface="Arial" panose="020B0604020202020204" pitchFamily="34" charset="0"/>
-              </a:defRPr>
-            </a:lvl1pPr>
-            <a:lvl2pPr marL="342866" indent="0" algn="ctr">
-              <a:buNone/>
-              <a:defRPr sz="1500"/>
-            </a:lvl2pPr>
-            <a:lvl3pPr marL="685734" indent="0" algn="ctr">
-              <a:buNone/>
-              <a:defRPr sz="1351"/>
-            </a:lvl3pPr>
-            <a:lvl4pPr marL="1028598" indent="0" algn="ctr">
-              <a:buNone/>
-              <a:defRPr sz="1200"/>
-            </a:lvl4pPr>
-            <a:lvl5pPr marL="1371464" indent="0" algn="ctr">
-              <a:buNone/>
-              <a:defRPr sz="1200"/>
-            </a:lvl5pPr>
-            <a:lvl6pPr marL="1714329" indent="0" algn="ctr">
-              <a:buNone/>
-              <a:defRPr sz="1200"/>
-            </a:lvl6pPr>
-            <a:lvl7pPr marL="2057195" indent="0" algn="ctr">
-              <a:buNone/>
-              <a:defRPr sz="1200"/>
-            </a:lvl7pPr>
-            <a:lvl8pPr marL="2400060" indent="0" algn="ctr">
-              <a:buNone/>
-              <a:defRPr sz="1200"/>
-            </a:lvl8pPr>
-            <a:lvl9pPr marL="2742926" indent="0" algn="ctr">
-              <a:buNone/>
-              <a:defRPr sz="1200"/>
-            </a:lvl9pPr>
-          </a:lstStyle>
-          <a:p>
-            <a:r>
-              <a:rPr lang="en-US" dirty="0"/>
-              <a:t>Lorem ipsum sit </a:t>
-            </a:r>
-            <a:r>
-              <a:rPr lang="en-US" dirty="0" err="1"/>
-              <a:t>amet</a:t>
-            </a:r>
-            <a:endParaRPr lang="en-US" dirty="0"/>
-          </a:p>
-          <a:p>
-            <a:r>
-              <a:rPr lang="en-US" b="0" i="0" dirty="0" err="1">
-                <a:effectLst/>
-                <a:latin typeface="Arial" panose="020B0604020202020204" pitchFamily="34" charset="0"/>
-              </a:rPr>
-              <a:t>Sediam</a:t>
-            </a:r>
-            <a:r>
-              <a:rPr lang="en-US" b="0" i="0" dirty="0">
-                <a:effectLst/>
-                <a:latin typeface="Arial" panose="020B0604020202020204" pitchFamily="34" charset="0"/>
-              </a:rPr>
-              <a:t> </a:t>
-            </a:r>
-            <a:r>
-              <a:rPr lang="en-US" b="0" i="0" dirty="0" err="1">
-                <a:effectLst/>
-                <a:latin typeface="Arial" panose="020B0604020202020204" pitchFamily="34" charset="0"/>
-              </a:rPr>
-              <a:t>nonummy</a:t>
-            </a:r>
-            <a:r>
-              <a:rPr lang="en-US" b="0" i="0" dirty="0">
-                <a:effectLst/>
-                <a:latin typeface="Arial" panose="020B0604020202020204" pitchFamily="34" charset="0"/>
-              </a:rPr>
-              <a:t> </a:t>
-            </a:r>
-            <a:r>
-              <a:rPr lang="en-US" b="0" i="0" dirty="0" err="1">
-                <a:effectLst/>
-                <a:latin typeface="Arial" panose="020B0604020202020204" pitchFamily="34" charset="0"/>
-              </a:rPr>
-              <a:t>nibh</a:t>
-            </a:r>
-            <a:r>
-              <a:rPr lang="en-US" b="0" i="0" dirty="0">
-                <a:effectLst/>
-                <a:latin typeface="Arial" panose="020B0604020202020204" pitchFamily="34" charset="0"/>
-              </a:rPr>
-              <a:t> </a:t>
-            </a:r>
-          </a:p>
-          <a:p>
-            <a:r>
-              <a:rPr lang="en-US" dirty="0"/>
-              <a:t>Sit </a:t>
-            </a:r>
-            <a:r>
-              <a:rPr lang="en-US" dirty="0" err="1"/>
-              <a:t>amet</a:t>
-            </a:r>
-            <a:r>
-              <a:rPr lang="en-US" dirty="0"/>
-              <a:t> </a:t>
-            </a:r>
-            <a:r>
-              <a:rPr lang="en-US" dirty="0" err="1"/>
-              <a:t>consecteur</a:t>
-            </a:r>
-            <a:r>
-              <a:rPr lang="en-US" dirty="0"/>
-              <a:t> </a:t>
-            </a:r>
-            <a:r>
-              <a:rPr lang="en-US" dirty="0" err="1"/>
-              <a:t>nibh</a:t>
-            </a:r>
-            <a:endParaRPr lang="en-US" dirty="0"/>
-          </a:p>
-          <a:p>
-            <a:r>
-              <a:rPr lang="en-US" dirty="0"/>
-              <a:t>Magna </a:t>
-            </a:r>
-            <a:r>
-              <a:rPr lang="en-US" b="0" i="0" dirty="0" err="1">
-                <a:effectLst/>
-                <a:latin typeface="Arial" panose="020B0604020202020204" pitchFamily="34" charset="0"/>
-              </a:rPr>
-              <a:t>aliquam</a:t>
-            </a:r>
-            <a:r>
-              <a:rPr lang="en-US" b="0" i="0" dirty="0">
-                <a:effectLst/>
-                <a:latin typeface="Arial" panose="020B0604020202020204" pitchFamily="34" charset="0"/>
-              </a:rPr>
-              <a:t> </a:t>
-            </a:r>
-            <a:r>
-              <a:rPr lang="en-US" b="0" i="0" dirty="0" err="1">
-                <a:effectLst/>
-                <a:latin typeface="Arial" panose="020B0604020202020204" pitchFamily="34" charset="0"/>
-              </a:rPr>
-              <a:t>erat</a:t>
-            </a:r>
-            <a:r>
-              <a:rPr lang="en-US" b="0" i="0" dirty="0">
-                <a:effectLst/>
-                <a:latin typeface="Arial" panose="020B0604020202020204" pitchFamily="34" charset="0"/>
-              </a:rPr>
-              <a:t> </a:t>
-            </a:r>
-            <a:r>
-              <a:rPr lang="en-US" b="0" i="0" dirty="0" err="1">
-                <a:effectLst/>
-                <a:latin typeface="Arial" panose="020B0604020202020204" pitchFamily="34" charset="0"/>
-              </a:rPr>
-              <a:t>volutpat</a:t>
-            </a:r>
-            <a:r>
-              <a:rPr lang="en-US" b="0" i="0" dirty="0">
-                <a:effectLst/>
-                <a:latin typeface="Arial" panose="020B0604020202020204" pitchFamily="34" charset="0"/>
-              </a:rPr>
-              <a:t>. </a:t>
-            </a:r>
-            <a:endParaRPr lang="en-US" dirty="0"/>
-          </a:p>
-          <a:p>
-            <a:pPr marL="342866" marR="0" lvl="0" indent="-342866" algn="l" defTabSz="685734" rtl="0" eaLnBrk="1" fontAlgn="auto" latinLnBrk="0" hangingPunct="1">
-              <a:lnSpc>
-                <a:spcPct val="150000"/>
-              </a:lnSpc>
-              <a:spcBef>
-                <a:spcPts val="751"/>
-              </a:spcBef>
-              <a:spcAft>
-                <a:spcPts val="0"/>
-              </a:spcAft>
-              <a:buClrTx/>
-              <a:buSzTx/>
-              <a:buFont typeface="+mj-lt"/>
-              <a:buAutoNum type="arabicPeriod"/>
-              <a:tabLst/>
-              <a:defRPr/>
-            </a:pPr>
-            <a:r>
-              <a:rPr lang="en-US" b="0" i="0" dirty="0" err="1">
-                <a:effectLst/>
-                <a:latin typeface="Arial" panose="020B0604020202020204" pitchFamily="34" charset="0"/>
-              </a:rPr>
-              <a:t>Sed</a:t>
-            </a:r>
-            <a:r>
-              <a:rPr lang="en-US" b="0" i="0" dirty="0">
-                <a:effectLst/>
-                <a:latin typeface="Arial" panose="020B0604020202020204" pitchFamily="34" charset="0"/>
-              </a:rPr>
-              <a:t> </a:t>
-            </a:r>
-            <a:r>
-              <a:rPr lang="en-US" b="0" i="0" dirty="0" err="1">
-                <a:effectLst/>
-                <a:latin typeface="Arial" panose="020B0604020202020204" pitchFamily="34" charset="0"/>
-              </a:rPr>
-              <a:t>diam</a:t>
-            </a:r>
-            <a:r>
-              <a:rPr lang="en-US" b="0" i="0" dirty="0">
-                <a:effectLst/>
-                <a:latin typeface="Arial" panose="020B0604020202020204" pitchFamily="34" charset="0"/>
-              </a:rPr>
-              <a:t> </a:t>
-            </a:r>
-            <a:r>
-              <a:rPr lang="en-US" b="0" i="0" dirty="0" err="1">
-                <a:effectLst/>
-                <a:latin typeface="Arial" panose="020B0604020202020204" pitchFamily="34" charset="0"/>
-              </a:rPr>
-              <a:t>nonummy</a:t>
-            </a:r>
-            <a:r>
-              <a:rPr lang="en-US" b="0" i="0" dirty="0">
-                <a:effectLst/>
-                <a:latin typeface="Arial" panose="020B0604020202020204" pitchFamily="34" charset="0"/>
-              </a:rPr>
-              <a:t> </a:t>
-            </a:r>
-            <a:r>
-              <a:rPr lang="en-US" b="0" i="0" dirty="0" err="1">
-                <a:effectLst/>
-                <a:latin typeface="Arial" panose="020B0604020202020204" pitchFamily="34" charset="0"/>
-              </a:rPr>
-              <a:t>nibh</a:t>
-            </a:r>
-            <a:r>
-              <a:rPr lang="en-US" b="0" i="0" dirty="0">
-                <a:effectLst/>
-                <a:latin typeface="Arial" panose="020B0604020202020204" pitchFamily="34" charset="0"/>
-              </a:rPr>
-              <a:t> </a:t>
-            </a:r>
-            <a:r>
-              <a:rPr lang="en-US" b="0" i="0" dirty="0" err="1">
-                <a:effectLst/>
-                <a:latin typeface="Arial" panose="020B0604020202020204" pitchFamily="34" charset="0"/>
-              </a:rPr>
-              <a:t>euismod</a:t>
-            </a:r>
-            <a:r>
-              <a:rPr lang="en-US" b="0" i="0" dirty="0">
-                <a:effectLst/>
-                <a:latin typeface="Arial" panose="020B0604020202020204" pitchFamily="34" charset="0"/>
-              </a:rPr>
-              <a:t> </a:t>
-            </a:r>
-            <a:r>
-              <a:rPr lang="en-US" b="0" i="0" dirty="0" err="1">
-                <a:effectLst/>
-                <a:latin typeface="Arial" panose="020B0604020202020204" pitchFamily="34" charset="0"/>
-              </a:rPr>
-              <a:t>tincidunt</a:t>
-            </a:r>
-            <a:endParaRPr lang="en-US" b="0" i="0" dirty="0">
-              <a:effectLst/>
-              <a:latin typeface="Arial" panose="020B0604020202020204" pitchFamily="34" charset="0"/>
-            </a:endParaRPr>
-          </a:p>
-          <a:p>
-            <a:r>
-              <a:rPr lang="en-US" dirty="0"/>
-              <a:t>Lorem ipsum sit </a:t>
-            </a:r>
-            <a:r>
-              <a:rPr lang="en-US" dirty="0" err="1"/>
-              <a:t>amet</a:t>
-            </a:r>
-            <a:endParaRPr lang="en-US" dirty="0"/>
-          </a:p>
-          <a:p>
-            <a:r>
-              <a:rPr lang="en-US" b="0" i="0" dirty="0" err="1">
-                <a:effectLst/>
-                <a:latin typeface="Arial" panose="020B0604020202020204" pitchFamily="34" charset="0"/>
-              </a:rPr>
-              <a:t>Sediam</a:t>
-            </a:r>
-            <a:r>
-              <a:rPr lang="en-US" b="0" i="0" dirty="0">
-                <a:effectLst/>
-                <a:latin typeface="Arial" panose="020B0604020202020204" pitchFamily="34" charset="0"/>
-              </a:rPr>
-              <a:t> </a:t>
-            </a:r>
-            <a:r>
-              <a:rPr lang="en-US" b="0" i="0" dirty="0" err="1">
-                <a:effectLst/>
-                <a:latin typeface="Arial" panose="020B0604020202020204" pitchFamily="34" charset="0"/>
-              </a:rPr>
-              <a:t>nonummy</a:t>
-            </a:r>
-            <a:r>
-              <a:rPr lang="en-US" b="0" i="0" dirty="0">
-                <a:effectLst/>
-                <a:latin typeface="Arial" panose="020B0604020202020204" pitchFamily="34" charset="0"/>
-              </a:rPr>
-              <a:t> </a:t>
-            </a:r>
-            <a:r>
-              <a:rPr lang="en-US" b="0" i="0" dirty="0" err="1">
-                <a:effectLst/>
-                <a:latin typeface="Arial" panose="020B0604020202020204" pitchFamily="34" charset="0"/>
-              </a:rPr>
-              <a:t>nibh</a:t>
-            </a:r>
-            <a:r>
-              <a:rPr lang="en-US" b="0" i="0" dirty="0">
-                <a:effectLst/>
-                <a:latin typeface="Arial" panose="020B0604020202020204" pitchFamily="34" charset="0"/>
-              </a:rPr>
-              <a:t> </a:t>
-            </a:r>
-          </a:p>
-          <a:p>
-            <a:pPr marL="342866" marR="0" lvl="0" indent="-342866" algn="l" defTabSz="685734" rtl="0" eaLnBrk="1" fontAlgn="auto" latinLnBrk="0" hangingPunct="1">
-              <a:lnSpc>
-                <a:spcPct val="150000"/>
-              </a:lnSpc>
-              <a:spcBef>
-                <a:spcPts val="751"/>
-              </a:spcBef>
-              <a:spcAft>
-                <a:spcPts val="0"/>
-              </a:spcAft>
-              <a:buClrTx/>
-              <a:buSzTx/>
-              <a:buFont typeface="+mj-lt"/>
-              <a:buAutoNum type="arabicPeriod"/>
-              <a:tabLst/>
-              <a:defRPr/>
-            </a:pPr>
-            <a:endParaRPr lang="en-US" dirty="0"/>
-          </a:p>
-        </p:txBody>
-      </p:sp>
-      <p:sp>
-        <p:nvSpPr>
-          <p:cNvPr id="19" name="Title 1">
-            <a:extLst>
-              <a:ext uri="{FF2B5EF4-FFF2-40B4-BE49-F238E27FC236}">
-                <a16:creationId xmlns:a16="http://schemas.microsoft.com/office/drawing/2014/main" id="{63C7DA10-CF0E-5645-99F4-D08EEEBFFC36}"/>
+          <p:cNvPr id="11" name="Title 1">
+            <a:extLst>
+              <a:ext uri="{FF2B5EF4-FFF2-40B4-BE49-F238E27FC236}">
+                <a16:creationId xmlns:a16="http://schemas.microsoft.com/office/drawing/2014/main" id="{C092C1DC-05F5-304C-823D-E7793E75B590}"/>
               </a:ext>
             </a:extLst>
           </p:cNvPr>
@@ -5235,21 +1430,21 @@
         </p:nvSpPr>
         <p:spPr>
           <a:xfrm>
-            <a:off x="406429" y="330036"/>
-            <a:ext cx="2239697" cy="838364"/>
+            <a:off x="410835" y="418441"/>
+            <a:ext cx="3389960" cy="304491"/>
           </a:xfrm>
         </p:spPr>
         <p:txBody>
           <a:bodyPr anchor="t">
-            <a:normAutofit/>
+            <a:noAutofit/>
           </a:bodyPr>
           <a:lstStyle>
             <a:lvl1pPr algn="l">
-              <a:defRPr sz="4000" b="1" i="0">
+              <a:defRPr sz="1400" b="1" i="0">
                 <a:solidFill>
                   <a:srgbClr val="1E19BB"/>
                 </a:solidFill>
-                <a:latin typeface="+mj-lt"/>
+                <a:latin typeface="Arial" panose="020B0604020202020204" pitchFamily="34" charset="0"/>
                 <a:cs typeface="Arial" panose="020B0604020202020204" pitchFamily="34" charset="0"/>
               </a:defRPr>
             </a:lvl1pPr>
@@ -5257,7 +1452,261 @@
           <a:p>
             <a:r>
               <a:rPr lang="en-US" dirty="0"/>
-              <a:t>Agenda</a:t>
+              <a:t>Title Here</a:t>
+            </a:r>
+          </a:p>
+        </p:txBody>
+      </p:sp>
+      <p:sp>
+        <p:nvSpPr>
+          <p:cNvPr id="12" name="Content Placeholder 2">
+            <a:extLst>
+              <a:ext uri="{FF2B5EF4-FFF2-40B4-BE49-F238E27FC236}">
+                <a16:creationId xmlns:a16="http://schemas.microsoft.com/office/drawing/2014/main" id="{1DAA2EA8-659D-434D-B846-7753A1257C1D}"/>
+              </a:ext>
+            </a:extLst>
+          </p:cNvPr>
+          <p:cNvSpPr>
+            <a:spLocks noGrp="1"/>
+          </p:cNvSpPr>
+          <p:nvPr>
+            <p:ph sz="half" idx="1" hasCustomPrompt="1"/>
+          </p:nvPr>
+        </p:nvSpPr>
+        <p:spPr>
+          <a:xfrm>
+            <a:off x="410389" y="2843485"/>
+            <a:ext cx="471804" cy="245547"/>
+          </a:xfrm>
+        </p:spPr>
+        <p:txBody>
+          <a:bodyPr>
+            <a:normAutofit/>
+          </a:bodyPr>
+          <a:lstStyle>
+            <a:lvl1pPr marL="0" indent="0">
+              <a:buNone/>
+              <a:defRPr sz="1400" b="1" i="0">
+                <a:solidFill>
+                  <a:srgbClr val="1E19BB"/>
+                </a:solidFill>
+                <a:latin typeface="Arial" panose="020B0604020202020204" pitchFamily="34" charset="0"/>
+                <a:cs typeface="Arial" panose="020B0604020202020204" pitchFamily="34" charset="0"/>
+              </a:defRPr>
+            </a:lvl1pPr>
+            <a:lvl2pPr>
+              <a:defRPr b="0" i="0">
+                <a:solidFill>
+                  <a:srgbClr val="2D116C"/>
+                </a:solidFill>
+                <a:latin typeface="Arial" panose="020B0604020202020204" pitchFamily="34" charset="0"/>
+                <a:cs typeface="Arial" panose="020B0604020202020204" pitchFamily="34" charset="0"/>
+              </a:defRPr>
+            </a:lvl2pPr>
+            <a:lvl3pPr>
+              <a:defRPr b="0" i="0">
+                <a:solidFill>
+                  <a:srgbClr val="2D116C"/>
+                </a:solidFill>
+                <a:latin typeface="Arial" panose="020B0604020202020204" pitchFamily="34" charset="0"/>
+                <a:cs typeface="Arial" panose="020B0604020202020204" pitchFamily="34" charset="0"/>
+              </a:defRPr>
+            </a:lvl3pPr>
+            <a:lvl4pPr>
+              <a:defRPr b="0" i="0">
+                <a:solidFill>
+                  <a:srgbClr val="2D116C"/>
+                </a:solidFill>
+                <a:latin typeface="Arial" panose="020B0604020202020204" pitchFamily="34" charset="0"/>
+                <a:cs typeface="Arial" panose="020B0604020202020204" pitchFamily="34" charset="0"/>
+              </a:defRPr>
+            </a:lvl4pPr>
+            <a:lvl5pPr>
+              <a:defRPr b="0" i="0">
+                <a:solidFill>
+                  <a:srgbClr val="2D116C"/>
+                </a:solidFill>
+                <a:latin typeface="Arial" panose="020B0604020202020204" pitchFamily="34" charset="0"/>
+                <a:cs typeface="Arial" panose="020B0604020202020204" pitchFamily="34" charset="0"/>
+              </a:defRPr>
+            </a:lvl5pPr>
+          </a:lstStyle>
+          <a:p>
+            <a:pPr lvl="0"/>
+            <a:r>
+              <a:rPr lang="en-US" dirty="0"/>
+              <a:t>01</a:t>
+            </a:r>
+          </a:p>
+        </p:txBody>
+      </p:sp>
+      <p:sp>
+        <p:nvSpPr>
+          <p:cNvPr id="13" name="Text Placeholder 24">
+            <a:extLst>
+              <a:ext uri="{FF2B5EF4-FFF2-40B4-BE49-F238E27FC236}">
+                <a16:creationId xmlns:a16="http://schemas.microsoft.com/office/drawing/2014/main" id="{33E7CCCA-849A-7E4E-98CC-8A3BF1333B4E}"/>
+              </a:ext>
+            </a:extLst>
+          </p:cNvPr>
+          <p:cNvSpPr>
+            <a:spLocks noGrp="1"/>
+          </p:cNvSpPr>
+          <p:nvPr>
+            <p:ph type="body" sz="quarter" idx="14" hasCustomPrompt="1"/>
+          </p:nvPr>
+        </p:nvSpPr>
+        <p:spPr>
+          <a:xfrm>
+            <a:off x="410377" y="1253877"/>
+            <a:ext cx="3390443" cy="914400"/>
+          </a:xfrm>
+        </p:spPr>
+        <p:txBody>
+          <a:bodyPr>
+            <a:noAutofit/>
+          </a:bodyPr>
+          <a:lstStyle>
+            <a:lvl1pPr marL="0" indent="0">
+              <a:lnSpc>
+                <a:spcPct val="100000"/>
+              </a:lnSpc>
+              <a:buNone/>
+              <a:defRPr sz="2000" b="1" i="0">
+                <a:latin typeface="Arial" panose="020B0604020202020204" pitchFamily="34" charset="0"/>
+                <a:cs typeface="Arial" panose="020B0604020202020204" pitchFamily="34" charset="0"/>
+              </a:defRPr>
+            </a:lvl1pPr>
+          </a:lstStyle>
+          <a:p>
+            <a:pPr lvl="0"/>
+            <a:r>
+              <a:rPr lang="en-US" dirty="0"/>
+              <a:t>Lorem ipsum dolor sit </a:t>
+            </a:r>
+            <a:r>
+              <a:rPr lang="en-US" dirty="0" err="1"/>
+              <a:t>amet</a:t>
+            </a:r>
+            <a:r>
+              <a:rPr lang="en-US" dirty="0"/>
+              <a:t>, </a:t>
+            </a:r>
+            <a:r>
+              <a:rPr lang="en-US" dirty="0" err="1"/>
+              <a:t>consectetur</a:t>
+            </a:r>
+            <a:r>
+              <a:rPr lang="en-US" dirty="0"/>
+              <a:t> </a:t>
+            </a:r>
+            <a:r>
+              <a:rPr lang="en-US" dirty="0" err="1"/>
+              <a:t>adipsicing</a:t>
+            </a:r>
+            <a:r>
+              <a:rPr lang="en-US" dirty="0"/>
+              <a:t> </a:t>
+            </a:r>
+            <a:r>
+              <a:rPr lang="en-US" dirty="0" err="1"/>
+              <a:t>elit</a:t>
+            </a:r>
+            <a:endParaRPr lang="en-US" dirty="0"/>
+          </a:p>
+        </p:txBody>
+      </p:sp>
+      <p:sp>
+        <p:nvSpPr>
+          <p:cNvPr id="17" name="Text Placeholder 3">
+            <a:extLst>
+              <a:ext uri="{FF2B5EF4-FFF2-40B4-BE49-F238E27FC236}">
+                <a16:creationId xmlns:a16="http://schemas.microsoft.com/office/drawing/2014/main" id="{9AA651CD-C768-5D48-A720-3072DCA94644}"/>
+              </a:ext>
+            </a:extLst>
+          </p:cNvPr>
+          <p:cNvSpPr>
+            <a:spLocks noGrp="1"/>
+          </p:cNvSpPr>
+          <p:nvPr>
+            <p:ph type="body" sz="quarter" idx="15"/>
+          </p:nvPr>
+        </p:nvSpPr>
+        <p:spPr>
+          <a:xfrm>
+            <a:off x="410641" y="3319465"/>
+            <a:ext cx="3390161" cy="2463499"/>
+          </a:xfrm>
+        </p:spPr>
+        <p:txBody>
+          <a:bodyPr>
+            <a:normAutofit/>
+          </a:bodyPr>
+          <a:lstStyle>
+            <a:lvl1pPr>
+              <a:lnSpc>
+                <a:spcPct val="100000"/>
+              </a:lnSpc>
+              <a:defRPr sz="1400"/>
+            </a:lvl1pPr>
+            <a:lvl2pPr>
+              <a:lnSpc>
+                <a:spcPct val="100000"/>
+              </a:lnSpc>
+              <a:defRPr sz="1400"/>
+            </a:lvl2pPr>
+            <a:lvl3pPr>
+              <a:lnSpc>
+                <a:spcPct val="100000"/>
+              </a:lnSpc>
+              <a:defRPr sz="1400"/>
+            </a:lvl3pPr>
+            <a:lvl4pPr>
+              <a:lnSpc>
+                <a:spcPct val="100000"/>
+              </a:lnSpc>
+              <a:defRPr sz="1400"/>
+            </a:lvl4pPr>
+            <a:lvl5pPr>
+              <a:lnSpc>
+                <a:spcPct val="100000"/>
+              </a:lnSpc>
+              <a:defRPr sz="1400"/>
+            </a:lvl5pPr>
+          </a:lstStyle>
+          <a:p>
+            <a:pPr lvl="0"/>
+            <a:r>
+              <a:rPr lang="en-US" dirty="0"/>
+              <a:t>Edit Master text styles</a:t>
+            </a:r>
+          </a:p>
+          <a:p>
+            <a:pPr lvl="1"/>
+            <a:r>
+              <a:rPr lang="en-US" dirty="0"/>
+              <a:t>Second level</a:t>
+            </a:r>
+          </a:p>
+          <a:p>
+            <a:pPr lvl="2"/>
+            <a:r>
+              <a:rPr lang="en-US" dirty="0"/>
+              <a:t>Third level</a:t>
+            </a:r>
+          </a:p>
+          <a:p>
+            <a:pPr lvl="3"/>
+            <a:r>
+              <a:rPr lang="en-US" dirty="0"/>
+              <a:t>Fourth level</a:t>
+            </a:r>
+          </a:p>
+          <a:p>
+            <a:pPr lvl="4"/>
+            <a:r>
+              <a:rPr lang="en-US" dirty="0"/>
+              <a:t>Fifth level</a:t>
             </a:r>
           </a:p>
         </p:txBody>
@@ -5265,7 +1714,7 @@
     </p:spTree>
     <p:extLst>
       <p:ext uri="{BB962C8B-B14F-4D97-AF65-F5344CB8AC3E}">
-        <p14:creationId xmlns:p14="http://schemas.microsoft.com/office/powerpoint/2010/main" val="1723765992"/>
+        <p14:creationId xmlns:p14="http://schemas.microsoft.com/office/powerpoint/2010/main" val="634460226"/>
       </p:ext>
     </p:extLst>
   </p:cSld>
@@ -5275,7 +1724,681 @@
 </p:sldLayout>
 </file>
 
-<file path=ppt/slideLayouts/slideLayout9.xml><?xml version="1.0" encoding="utf-8"?>
+<file path=ppt/slideLayouts/slideLayout11.xml><?xml version="1.0" encoding="utf-8"?>
+<p:sldLayout xmlns:a="http://schemas.openxmlformats.org/drawingml/2006/main" xmlns:r="http://schemas.openxmlformats.org/officeDocument/2006/relationships" xmlns:p="http://schemas.openxmlformats.org/presentationml/2006/main" userDrawn="1">
+  <p:cSld name="One Column Text">
+    <p:spTree>
+      <p:nvGrpSpPr>
+        <p:cNvPr id="1" name=""/>
+        <p:cNvGrpSpPr/>
+        <p:nvPr/>
+      </p:nvGrpSpPr>
+      <p:grpSpPr>
+        <a:xfrm>
+          <a:off x="0" y="0"/>
+          <a:ext cx="0" cy="0"/>
+          <a:chOff x="0" y="0"/>
+          <a:chExt cx="0" cy="0"/>
+        </a:xfrm>
+      </p:grpSpPr>
+      <p:sp>
+        <p:nvSpPr>
+          <p:cNvPr id="8" name="Text Placeholder 7">
+            <a:extLst>
+              <a:ext uri="{FF2B5EF4-FFF2-40B4-BE49-F238E27FC236}">
+                <a16:creationId xmlns:a16="http://schemas.microsoft.com/office/drawing/2014/main" id="{AF30D619-773C-8E40-8D2C-6FFE77D209F7}"/>
+              </a:ext>
+            </a:extLst>
+          </p:cNvPr>
+          <p:cNvSpPr>
+            <a:spLocks noGrp="1"/>
+          </p:cNvSpPr>
+          <p:nvPr>
+            <p:ph type="body" sz="quarter" idx="11"/>
+          </p:nvPr>
+        </p:nvSpPr>
+        <p:spPr>
+          <a:xfrm>
+            <a:off x="410847" y="1714752"/>
+            <a:ext cx="11335079" cy="3816105"/>
+          </a:xfrm>
+        </p:spPr>
+        <p:txBody>
+          <a:bodyPr/>
+          <a:lstStyle>
+            <a:lvl1pPr>
+              <a:lnSpc>
+                <a:spcPct val="100000"/>
+              </a:lnSpc>
+              <a:defRPr b="0" i="0">
+                <a:latin typeface="+mn-lt"/>
+                <a:cs typeface="Arial" panose="020B0604020202020204" pitchFamily="34" charset="0"/>
+              </a:defRPr>
+            </a:lvl1pPr>
+            <a:lvl2pPr>
+              <a:lnSpc>
+                <a:spcPct val="100000"/>
+              </a:lnSpc>
+              <a:defRPr b="0" i="0">
+                <a:latin typeface="+mn-lt"/>
+                <a:cs typeface="Arial" panose="020B0604020202020204" pitchFamily="34" charset="0"/>
+              </a:defRPr>
+            </a:lvl2pPr>
+            <a:lvl3pPr>
+              <a:lnSpc>
+                <a:spcPct val="100000"/>
+              </a:lnSpc>
+              <a:defRPr b="0" i="0">
+                <a:latin typeface="+mn-lt"/>
+                <a:cs typeface="Arial" panose="020B0604020202020204" pitchFamily="34" charset="0"/>
+              </a:defRPr>
+            </a:lvl3pPr>
+            <a:lvl4pPr>
+              <a:lnSpc>
+                <a:spcPct val="100000"/>
+              </a:lnSpc>
+              <a:defRPr b="0" i="0">
+                <a:latin typeface="+mn-lt"/>
+                <a:cs typeface="Arial" panose="020B0604020202020204" pitchFamily="34" charset="0"/>
+              </a:defRPr>
+            </a:lvl4pPr>
+            <a:lvl5pPr>
+              <a:lnSpc>
+                <a:spcPct val="100000"/>
+              </a:lnSpc>
+              <a:defRPr b="0" i="0">
+                <a:latin typeface="+mn-lt"/>
+                <a:cs typeface="Arial" panose="020B0604020202020204" pitchFamily="34" charset="0"/>
+              </a:defRPr>
+            </a:lvl5pPr>
+          </a:lstStyle>
+          <a:p>
+            <a:pPr lvl="0"/>
+            <a:r>
+              <a:rPr lang="en-US" dirty="0"/>
+              <a:t>Edit Master text styles</a:t>
+            </a:r>
+          </a:p>
+          <a:p>
+            <a:pPr lvl="1"/>
+            <a:r>
+              <a:rPr lang="en-US" dirty="0"/>
+              <a:t>Second level</a:t>
+            </a:r>
+          </a:p>
+          <a:p>
+            <a:pPr lvl="2"/>
+            <a:r>
+              <a:rPr lang="en-US" dirty="0"/>
+              <a:t>Third level</a:t>
+            </a:r>
+          </a:p>
+          <a:p>
+            <a:pPr lvl="3"/>
+            <a:r>
+              <a:rPr lang="en-US" dirty="0"/>
+              <a:t>Fourth level</a:t>
+            </a:r>
+          </a:p>
+          <a:p>
+            <a:pPr lvl="4"/>
+            <a:r>
+              <a:rPr lang="en-US" dirty="0"/>
+              <a:t>Fifth level</a:t>
+            </a:r>
+          </a:p>
+        </p:txBody>
+      </p:sp>
+      <p:sp>
+        <p:nvSpPr>
+          <p:cNvPr id="9" name="Slide Number Placeholder 4">
+            <a:extLst>
+              <a:ext uri="{FF2B5EF4-FFF2-40B4-BE49-F238E27FC236}">
+                <a16:creationId xmlns:a16="http://schemas.microsoft.com/office/drawing/2014/main" id="{76AE7010-B247-D949-87ED-0376C2ADA26B}"/>
+              </a:ext>
+            </a:extLst>
+          </p:cNvPr>
+          <p:cNvSpPr>
+            <a:spLocks noGrp="1"/>
+          </p:cNvSpPr>
+          <p:nvPr>
+            <p:ph type="sldNum" sz="quarter" idx="12"/>
+          </p:nvPr>
+        </p:nvSpPr>
+        <p:spPr>
+          <a:xfrm>
+            <a:off x="9058675" y="6349176"/>
+            <a:ext cx="2743200" cy="365125"/>
+          </a:xfrm>
+        </p:spPr>
+        <p:txBody>
+          <a:bodyPr/>
+          <a:lstStyle>
+            <a:lvl1pPr>
+              <a:defRPr sz="900" b="0" i="0">
+                <a:solidFill>
+                  <a:schemeClr val="bg1"/>
+                </a:solidFill>
+                <a:latin typeface="+mn-lt"/>
+                <a:cs typeface="Arial" panose="020B0604020202020204" pitchFamily="34" charset="0"/>
+              </a:defRPr>
+            </a:lvl1pPr>
+          </a:lstStyle>
+          <a:p>
+            <a:fld id="{88F6FEFC-CCC7-A94C-AAC3-BECAE4BF550D}" type="slidenum">
+              <a:rPr lang="en-US" smtClean="0"/>
+              <a:pPr/>
+              <a:t>‹#›</a:t>
+            </a:fld>
+            <a:endParaRPr lang="en-US" dirty="0"/>
+          </a:p>
+        </p:txBody>
+      </p:sp>
+      <p:sp>
+        <p:nvSpPr>
+          <p:cNvPr id="11" name="Title 1">
+            <a:extLst>
+              <a:ext uri="{FF2B5EF4-FFF2-40B4-BE49-F238E27FC236}">
+                <a16:creationId xmlns:a16="http://schemas.microsoft.com/office/drawing/2014/main" id="{204F51E1-AE29-5248-96DF-7E5C51C05884}"/>
+              </a:ext>
+            </a:extLst>
+          </p:cNvPr>
+          <p:cNvSpPr>
+            <a:spLocks noGrp="1"/>
+          </p:cNvSpPr>
+          <p:nvPr>
+            <p:ph type="title"/>
+          </p:nvPr>
+        </p:nvSpPr>
+        <p:spPr>
+          <a:xfrm>
+            <a:off x="428467" y="345181"/>
+            <a:ext cx="11335079" cy="646331"/>
+          </a:xfrm>
+        </p:spPr>
+        <p:txBody>
+          <a:bodyPr>
+            <a:spAutoFit/>
+          </a:bodyPr>
+          <a:lstStyle>
+            <a:lvl1pPr>
+              <a:defRPr sz="4000">
+                <a:solidFill>
+                  <a:srgbClr val="1E19BB"/>
+                </a:solidFill>
+              </a:defRPr>
+            </a:lvl1pPr>
+          </a:lstStyle>
+          <a:p>
+            <a:r>
+              <a:rPr lang="en-US" dirty="0"/>
+              <a:t>Click to edit Master title style</a:t>
+            </a:r>
+          </a:p>
+        </p:txBody>
+      </p:sp>
+    </p:spTree>
+    <p:extLst>
+      <p:ext uri="{BB962C8B-B14F-4D97-AF65-F5344CB8AC3E}">
+        <p14:creationId xmlns:p14="http://schemas.microsoft.com/office/powerpoint/2010/main" val="2956661053"/>
+      </p:ext>
+    </p:extLst>
+  </p:cSld>
+  <p:clrMapOvr>
+    <a:masterClrMapping/>
+  </p:clrMapOvr>
+</p:sldLayout>
+</file>
+
+<file path=ppt/slideLayouts/slideLayout12.xml><?xml version="1.0" encoding="utf-8"?>
+<p:sldLayout xmlns:a="http://schemas.openxmlformats.org/drawingml/2006/main" xmlns:r="http://schemas.openxmlformats.org/officeDocument/2006/relationships" xmlns:p="http://schemas.openxmlformats.org/presentationml/2006/main" preserve="1" userDrawn="1">
+  <p:cSld name="Three Column Text ">
+    <p:spTree>
+      <p:nvGrpSpPr>
+        <p:cNvPr id="1" name=""/>
+        <p:cNvGrpSpPr/>
+        <p:nvPr/>
+      </p:nvGrpSpPr>
+      <p:grpSpPr>
+        <a:xfrm>
+          <a:off x="0" y="0"/>
+          <a:ext cx="0" cy="0"/>
+          <a:chOff x="0" y="0"/>
+          <a:chExt cx="0" cy="0"/>
+        </a:xfrm>
+      </p:grpSpPr>
+      <p:sp>
+        <p:nvSpPr>
+          <p:cNvPr id="10" name="Slide Number Placeholder 4">
+            <a:extLst>
+              <a:ext uri="{FF2B5EF4-FFF2-40B4-BE49-F238E27FC236}">
+                <a16:creationId xmlns:a16="http://schemas.microsoft.com/office/drawing/2014/main" id="{8391A59D-B615-7A4B-A58F-EF2CA49F87AE}"/>
+              </a:ext>
+            </a:extLst>
+          </p:cNvPr>
+          <p:cNvSpPr>
+            <a:spLocks noGrp="1"/>
+          </p:cNvSpPr>
+          <p:nvPr>
+            <p:ph type="sldNum" sz="quarter" idx="12"/>
+          </p:nvPr>
+        </p:nvSpPr>
+        <p:spPr>
+          <a:xfrm>
+            <a:off x="9073189" y="6349176"/>
+            <a:ext cx="2743200" cy="365125"/>
+          </a:xfrm>
+        </p:spPr>
+        <p:txBody>
+          <a:bodyPr/>
+          <a:lstStyle>
+            <a:lvl1pPr>
+              <a:defRPr sz="900" b="0" i="0">
+                <a:solidFill>
+                  <a:schemeClr val="bg1"/>
+                </a:solidFill>
+                <a:latin typeface="Arial" panose="020B0604020202020204" pitchFamily="34" charset="0"/>
+                <a:cs typeface="Arial" panose="020B0604020202020204" pitchFamily="34" charset="0"/>
+              </a:defRPr>
+            </a:lvl1pPr>
+          </a:lstStyle>
+          <a:p>
+            <a:fld id="{88F6FEFC-CCC7-A94C-AAC3-BECAE4BF550D}" type="slidenum">
+              <a:rPr lang="en-US" smtClean="0"/>
+              <a:pPr/>
+              <a:t>‹#›</a:t>
+            </a:fld>
+            <a:endParaRPr lang="en-US" dirty="0"/>
+          </a:p>
+        </p:txBody>
+      </p:sp>
+      <p:sp>
+        <p:nvSpPr>
+          <p:cNvPr id="16" name="Text Placeholder 7">
+            <a:extLst>
+              <a:ext uri="{FF2B5EF4-FFF2-40B4-BE49-F238E27FC236}">
+                <a16:creationId xmlns:a16="http://schemas.microsoft.com/office/drawing/2014/main" id="{3AFEC6F6-4809-1141-9279-EC746DC3B56A}"/>
+              </a:ext>
+            </a:extLst>
+          </p:cNvPr>
+          <p:cNvSpPr>
+            <a:spLocks noGrp="1"/>
+          </p:cNvSpPr>
+          <p:nvPr>
+            <p:ph type="body" sz="quarter" idx="11"/>
+          </p:nvPr>
+        </p:nvSpPr>
+        <p:spPr>
+          <a:xfrm>
+            <a:off x="308125" y="1783829"/>
+            <a:ext cx="3559931" cy="4054739"/>
+          </a:xfrm>
+        </p:spPr>
+        <p:txBody>
+          <a:bodyPr>
+            <a:normAutofit/>
+          </a:bodyPr>
+          <a:lstStyle>
+            <a:lvl1pPr>
+              <a:lnSpc>
+                <a:spcPct val="100000"/>
+              </a:lnSpc>
+              <a:defRPr sz="1800" b="0" i="0">
+                <a:latin typeface="+mn-lt"/>
+                <a:cs typeface="Arial" panose="020B0604020202020204" pitchFamily="34" charset="0"/>
+              </a:defRPr>
+            </a:lvl1pPr>
+            <a:lvl2pPr>
+              <a:lnSpc>
+                <a:spcPct val="100000"/>
+              </a:lnSpc>
+              <a:defRPr sz="1600" b="0" i="0">
+                <a:latin typeface="+mn-lt"/>
+                <a:cs typeface="Arial" panose="020B0604020202020204" pitchFamily="34" charset="0"/>
+              </a:defRPr>
+            </a:lvl2pPr>
+            <a:lvl3pPr>
+              <a:lnSpc>
+                <a:spcPct val="100000"/>
+              </a:lnSpc>
+              <a:defRPr sz="1200" b="0" i="0">
+                <a:latin typeface="+mn-lt"/>
+                <a:cs typeface="Arial" panose="020B0604020202020204" pitchFamily="34" charset="0"/>
+              </a:defRPr>
+            </a:lvl3pPr>
+            <a:lvl4pPr>
+              <a:lnSpc>
+                <a:spcPct val="100000"/>
+              </a:lnSpc>
+              <a:defRPr sz="1100" b="0" i="0">
+                <a:latin typeface="+mn-lt"/>
+                <a:cs typeface="Arial" panose="020B0604020202020204" pitchFamily="34" charset="0"/>
+              </a:defRPr>
+            </a:lvl4pPr>
+            <a:lvl5pPr>
+              <a:lnSpc>
+                <a:spcPct val="100000"/>
+              </a:lnSpc>
+              <a:defRPr sz="900" b="0" i="0">
+                <a:latin typeface="+mn-lt"/>
+                <a:cs typeface="Arial" panose="020B0604020202020204" pitchFamily="34" charset="0"/>
+              </a:defRPr>
+            </a:lvl5pPr>
+          </a:lstStyle>
+          <a:p>
+            <a:pPr lvl="0"/>
+            <a:r>
+              <a:rPr lang="en-US" dirty="0"/>
+              <a:t>Edit Master text styles</a:t>
+            </a:r>
+          </a:p>
+          <a:p>
+            <a:pPr lvl="1"/>
+            <a:r>
+              <a:rPr lang="en-US" dirty="0"/>
+              <a:t>Second level</a:t>
+            </a:r>
+          </a:p>
+          <a:p>
+            <a:pPr lvl="2"/>
+            <a:r>
+              <a:rPr lang="en-US" dirty="0"/>
+              <a:t>Third level</a:t>
+            </a:r>
+          </a:p>
+          <a:p>
+            <a:pPr lvl="3"/>
+            <a:r>
+              <a:rPr lang="en-US" dirty="0"/>
+              <a:t>Fourth level</a:t>
+            </a:r>
+          </a:p>
+          <a:p>
+            <a:pPr lvl="4"/>
+            <a:r>
+              <a:rPr lang="en-US" dirty="0"/>
+              <a:t>Fifth level</a:t>
+            </a:r>
+          </a:p>
+        </p:txBody>
+      </p:sp>
+      <p:sp>
+        <p:nvSpPr>
+          <p:cNvPr id="17" name="Text Placeholder 7">
+            <a:extLst>
+              <a:ext uri="{FF2B5EF4-FFF2-40B4-BE49-F238E27FC236}">
+                <a16:creationId xmlns:a16="http://schemas.microsoft.com/office/drawing/2014/main" id="{E8C6E74A-3A9F-014A-AC65-E8972C6EFE30}"/>
+              </a:ext>
+            </a:extLst>
+          </p:cNvPr>
+          <p:cNvSpPr>
+            <a:spLocks noGrp="1"/>
+          </p:cNvSpPr>
+          <p:nvPr>
+            <p:ph type="body" sz="quarter" idx="13"/>
+          </p:nvPr>
+        </p:nvSpPr>
+        <p:spPr>
+          <a:xfrm>
+            <a:off x="4316034" y="1783829"/>
+            <a:ext cx="3559931" cy="4054739"/>
+          </a:xfrm>
+        </p:spPr>
+        <p:txBody>
+          <a:bodyPr>
+            <a:normAutofit/>
+          </a:bodyPr>
+          <a:lstStyle>
+            <a:lvl1pPr>
+              <a:lnSpc>
+                <a:spcPct val="100000"/>
+              </a:lnSpc>
+              <a:defRPr sz="1800" b="0" i="0">
+                <a:latin typeface="+mn-lt"/>
+                <a:cs typeface="Arial" panose="020B0604020202020204" pitchFamily="34" charset="0"/>
+              </a:defRPr>
+            </a:lvl1pPr>
+            <a:lvl2pPr>
+              <a:lnSpc>
+                <a:spcPct val="100000"/>
+              </a:lnSpc>
+              <a:defRPr sz="1600" b="0" i="0">
+                <a:latin typeface="+mn-lt"/>
+                <a:cs typeface="Arial" panose="020B0604020202020204" pitchFamily="34" charset="0"/>
+              </a:defRPr>
+            </a:lvl2pPr>
+            <a:lvl3pPr>
+              <a:lnSpc>
+                <a:spcPct val="100000"/>
+              </a:lnSpc>
+              <a:defRPr sz="1200" b="0" i="0">
+                <a:latin typeface="+mn-lt"/>
+                <a:cs typeface="Arial" panose="020B0604020202020204" pitchFamily="34" charset="0"/>
+              </a:defRPr>
+            </a:lvl3pPr>
+            <a:lvl4pPr>
+              <a:lnSpc>
+                <a:spcPct val="100000"/>
+              </a:lnSpc>
+              <a:defRPr sz="1100" b="0" i="0">
+                <a:latin typeface="+mn-lt"/>
+                <a:cs typeface="Arial" panose="020B0604020202020204" pitchFamily="34" charset="0"/>
+              </a:defRPr>
+            </a:lvl4pPr>
+            <a:lvl5pPr>
+              <a:lnSpc>
+                <a:spcPct val="100000"/>
+              </a:lnSpc>
+              <a:defRPr sz="900" b="0" i="0">
+                <a:latin typeface="+mn-lt"/>
+                <a:cs typeface="Arial" panose="020B0604020202020204" pitchFamily="34" charset="0"/>
+              </a:defRPr>
+            </a:lvl5pPr>
+          </a:lstStyle>
+          <a:p>
+            <a:pPr lvl="0"/>
+            <a:r>
+              <a:rPr lang="en-US" dirty="0"/>
+              <a:t>Edit Master text styles</a:t>
+            </a:r>
+          </a:p>
+          <a:p>
+            <a:pPr lvl="1"/>
+            <a:r>
+              <a:rPr lang="en-US" dirty="0"/>
+              <a:t>Second level</a:t>
+            </a:r>
+          </a:p>
+          <a:p>
+            <a:pPr lvl="2"/>
+            <a:r>
+              <a:rPr lang="en-US" dirty="0"/>
+              <a:t>Third level</a:t>
+            </a:r>
+          </a:p>
+          <a:p>
+            <a:pPr lvl="3"/>
+            <a:r>
+              <a:rPr lang="en-US" dirty="0"/>
+              <a:t>Fourth level</a:t>
+            </a:r>
+          </a:p>
+          <a:p>
+            <a:pPr lvl="4"/>
+            <a:r>
+              <a:rPr lang="en-US" dirty="0"/>
+              <a:t>Fifth level</a:t>
+            </a:r>
+          </a:p>
+        </p:txBody>
+      </p:sp>
+      <p:sp>
+        <p:nvSpPr>
+          <p:cNvPr id="18" name="Text Placeholder 7">
+            <a:extLst>
+              <a:ext uri="{FF2B5EF4-FFF2-40B4-BE49-F238E27FC236}">
+                <a16:creationId xmlns:a16="http://schemas.microsoft.com/office/drawing/2014/main" id="{CA302FD4-2E44-8041-A370-DD700407AD6F}"/>
+              </a:ext>
+            </a:extLst>
+          </p:cNvPr>
+          <p:cNvSpPr>
+            <a:spLocks noGrp="1"/>
+          </p:cNvSpPr>
+          <p:nvPr>
+            <p:ph type="body" sz="quarter" idx="14"/>
+          </p:nvPr>
+        </p:nvSpPr>
+        <p:spPr>
+          <a:xfrm>
+            <a:off x="8323944" y="1783829"/>
+            <a:ext cx="3559931" cy="4054739"/>
+          </a:xfrm>
+        </p:spPr>
+        <p:txBody>
+          <a:bodyPr>
+            <a:normAutofit/>
+          </a:bodyPr>
+          <a:lstStyle>
+            <a:lvl1pPr>
+              <a:lnSpc>
+                <a:spcPct val="100000"/>
+              </a:lnSpc>
+              <a:defRPr sz="1800" b="0" i="0">
+                <a:latin typeface="+mn-lt"/>
+                <a:cs typeface="Arial" panose="020B0604020202020204" pitchFamily="34" charset="0"/>
+              </a:defRPr>
+            </a:lvl1pPr>
+            <a:lvl2pPr>
+              <a:lnSpc>
+                <a:spcPct val="100000"/>
+              </a:lnSpc>
+              <a:defRPr sz="1600" b="0" i="0">
+                <a:latin typeface="+mn-lt"/>
+                <a:cs typeface="Arial" panose="020B0604020202020204" pitchFamily="34" charset="0"/>
+              </a:defRPr>
+            </a:lvl2pPr>
+            <a:lvl3pPr>
+              <a:lnSpc>
+                <a:spcPct val="100000"/>
+              </a:lnSpc>
+              <a:defRPr sz="1200" b="0" i="0">
+                <a:latin typeface="+mn-lt"/>
+                <a:cs typeface="Arial" panose="020B0604020202020204" pitchFamily="34" charset="0"/>
+              </a:defRPr>
+            </a:lvl3pPr>
+            <a:lvl4pPr>
+              <a:lnSpc>
+                <a:spcPct val="100000"/>
+              </a:lnSpc>
+              <a:defRPr sz="1100" b="0" i="0">
+                <a:latin typeface="+mn-lt"/>
+                <a:cs typeface="Arial" panose="020B0604020202020204" pitchFamily="34" charset="0"/>
+              </a:defRPr>
+            </a:lvl4pPr>
+            <a:lvl5pPr>
+              <a:lnSpc>
+                <a:spcPct val="100000"/>
+              </a:lnSpc>
+              <a:defRPr sz="900" b="0" i="0">
+                <a:latin typeface="+mn-lt"/>
+                <a:cs typeface="Arial" panose="020B0604020202020204" pitchFamily="34" charset="0"/>
+              </a:defRPr>
+            </a:lvl5pPr>
+          </a:lstStyle>
+          <a:p>
+            <a:pPr lvl="0"/>
+            <a:r>
+              <a:rPr lang="en-US" dirty="0"/>
+              <a:t>Edit Master text styles</a:t>
+            </a:r>
+          </a:p>
+          <a:p>
+            <a:pPr lvl="1"/>
+            <a:r>
+              <a:rPr lang="en-US" dirty="0"/>
+              <a:t>Second level</a:t>
+            </a:r>
+          </a:p>
+          <a:p>
+            <a:pPr lvl="2"/>
+            <a:r>
+              <a:rPr lang="en-US" dirty="0"/>
+              <a:t>Third level</a:t>
+            </a:r>
+          </a:p>
+          <a:p>
+            <a:pPr lvl="3"/>
+            <a:r>
+              <a:rPr lang="en-US" dirty="0"/>
+              <a:t>Fourth level</a:t>
+            </a:r>
+          </a:p>
+          <a:p>
+            <a:pPr lvl="4"/>
+            <a:r>
+              <a:rPr lang="en-US" dirty="0"/>
+              <a:t>Fifth level</a:t>
+            </a:r>
+          </a:p>
+        </p:txBody>
+      </p:sp>
+      <p:sp>
+        <p:nvSpPr>
+          <p:cNvPr id="15" name="Title 1">
+            <a:extLst>
+              <a:ext uri="{FF2B5EF4-FFF2-40B4-BE49-F238E27FC236}">
+                <a16:creationId xmlns:a16="http://schemas.microsoft.com/office/drawing/2014/main" id="{81BD3800-B3FF-A24D-8A2D-73045A179928}"/>
+              </a:ext>
+            </a:extLst>
+          </p:cNvPr>
+          <p:cNvSpPr>
+            <a:spLocks noGrp="1"/>
+          </p:cNvSpPr>
+          <p:nvPr>
+            <p:ph type="title"/>
+          </p:nvPr>
+        </p:nvSpPr>
+        <p:spPr>
+          <a:xfrm>
+            <a:off x="428467" y="345181"/>
+            <a:ext cx="11335079" cy="646331"/>
+          </a:xfrm>
+        </p:spPr>
+        <p:txBody>
+          <a:bodyPr>
+            <a:spAutoFit/>
+          </a:bodyPr>
+          <a:lstStyle>
+            <a:lvl1pPr>
+              <a:defRPr sz="4000">
+                <a:solidFill>
+                  <a:srgbClr val="1E19BB"/>
+                </a:solidFill>
+              </a:defRPr>
+            </a:lvl1pPr>
+          </a:lstStyle>
+          <a:p>
+            <a:r>
+              <a:rPr lang="en-US" dirty="0"/>
+              <a:t>Click to edit Master title style</a:t>
+            </a:r>
+          </a:p>
+        </p:txBody>
+      </p:sp>
+    </p:spTree>
+    <p:extLst>
+      <p:ext uri="{BB962C8B-B14F-4D97-AF65-F5344CB8AC3E}">
+        <p14:creationId xmlns:p14="http://schemas.microsoft.com/office/powerpoint/2010/main" val="2130269724"/>
+      </p:ext>
+    </p:extLst>
+  </p:cSld>
+  <p:clrMapOvr>
+    <a:masterClrMapping/>
+  </p:clrMapOvr>
+</p:sldLayout>
+</file>
+
+<file path=ppt/slideLayouts/slideLayout2.xml><?xml version="1.0" encoding="utf-8"?>
 <p:sldLayout xmlns:a="http://schemas.openxmlformats.org/drawingml/2006/main" xmlns:r="http://schemas.openxmlformats.org/officeDocument/2006/relationships" xmlns:p="http://schemas.openxmlformats.org/presentationml/2006/main" preserve="1" userDrawn="1">
   <p:cSld name="Cover Slide a">
     <p:bg>
@@ -5376,6 +2499,1376 @@
     <p:extLst>
       <p:ext uri="{BB962C8B-B14F-4D97-AF65-F5344CB8AC3E}">
         <p14:creationId xmlns:p14="http://schemas.microsoft.com/office/powerpoint/2010/main" val="351842005"/>
+      </p:ext>
+    </p:extLst>
+  </p:cSld>
+  <p:clrMapOvr>
+    <a:masterClrMapping/>
+  </p:clrMapOvr>
+</p:sldLayout>
+</file>
+
+<file path=ppt/slideLayouts/slideLayout3.xml><?xml version="1.0" encoding="utf-8"?>
+<p:sldLayout xmlns:a="http://schemas.openxmlformats.org/drawingml/2006/main" xmlns:r="http://schemas.openxmlformats.org/officeDocument/2006/relationships" xmlns:p="http://schemas.openxmlformats.org/presentationml/2006/main" preserve="1" userDrawn="1">
+  <p:cSld name="Cover Slide b">
+    <p:bg>
+      <p:bgPr>
+        <a:solidFill>
+          <a:srgbClr val="002595"/>
+        </a:solidFill>
+        <a:effectLst/>
+      </p:bgPr>
+    </p:bg>
+    <p:spTree>
+      <p:nvGrpSpPr>
+        <p:cNvPr id="1" name=""/>
+        <p:cNvGrpSpPr/>
+        <p:nvPr/>
+      </p:nvGrpSpPr>
+      <p:grpSpPr>
+        <a:xfrm>
+          <a:off x="0" y="0"/>
+          <a:ext cx="0" cy="0"/>
+          <a:chOff x="0" y="0"/>
+          <a:chExt cx="0" cy="0"/>
+        </a:xfrm>
+      </p:grpSpPr>
+      <p:pic>
+        <p:nvPicPr>
+          <p:cNvPr id="6" name="Picture 5" descr="A picture containing electronics, circuit&#10;&#10;Description automatically generated">
+            <a:extLst>
+              <a:ext uri="{FF2B5EF4-FFF2-40B4-BE49-F238E27FC236}">
+                <a16:creationId xmlns:a16="http://schemas.microsoft.com/office/drawing/2014/main" id="{296CA3DD-E15A-8D42-B4BB-FEFB92F039B6}"/>
+              </a:ext>
+            </a:extLst>
+          </p:cNvPr>
+          <p:cNvPicPr>
+            <a:picLocks noChangeAspect="1"/>
+          </p:cNvPicPr>
+          <p:nvPr userDrawn="1"/>
+        </p:nvPicPr>
+        <p:blipFill>
+          <a:blip r:embed="rId2"/>
+          <a:stretch>
+            <a:fillRect/>
+          </a:stretch>
+        </p:blipFill>
+        <p:spPr>
+          <a:xfrm>
+            <a:off x="0" y="0"/>
+            <a:ext cx="12192000" cy="6858000"/>
+          </a:xfrm>
+          <a:prstGeom prst="rect">
+            <a:avLst/>
+          </a:prstGeom>
+        </p:spPr>
+      </p:pic>
+      <p:sp>
+        <p:nvSpPr>
+          <p:cNvPr id="8" name="Title 1">
+            <a:extLst>
+              <a:ext uri="{FF2B5EF4-FFF2-40B4-BE49-F238E27FC236}">
+                <a16:creationId xmlns:a16="http://schemas.microsoft.com/office/drawing/2014/main" id="{197D3B5B-2EAA-2340-8061-6C674C47EA3B}"/>
+              </a:ext>
+            </a:extLst>
+          </p:cNvPr>
+          <p:cNvSpPr>
+            <a:spLocks noGrp="1"/>
+          </p:cNvSpPr>
+          <p:nvPr>
+            <p:ph type="title"/>
+          </p:nvPr>
+        </p:nvSpPr>
+        <p:spPr>
+          <a:xfrm>
+            <a:off x="3370182" y="2960255"/>
+            <a:ext cx="5451635" cy="642917"/>
+          </a:xfrm>
+        </p:spPr>
+        <p:txBody>
+          <a:bodyPr anchor="t" anchorCtr="1">
+            <a:normAutofit/>
+          </a:bodyPr>
+          <a:lstStyle>
+            <a:lvl1pPr algn="l">
+              <a:defRPr sz="4000" b="1" i="0">
+                <a:solidFill>
+                  <a:schemeClr val="bg1"/>
+                </a:solidFill>
+                <a:latin typeface="+mj-lt"/>
+                <a:cs typeface="Arial" panose="020B0604020202020204" pitchFamily="34" charset="0"/>
+              </a:defRPr>
+            </a:lvl1pPr>
+          </a:lstStyle>
+          <a:p>
+            <a:endParaRPr lang="en-US" dirty="0"/>
+          </a:p>
+        </p:txBody>
+      </p:sp>
+    </p:spTree>
+    <p:extLst>
+      <p:ext uri="{BB962C8B-B14F-4D97-AF65-F5344CB8AC3E}">
+        <p14:creationId xmlns:p14="http://schemas.microsoft.com/office/powerpoint/2010/main" val="2674172245"/>
+      </p:ext>
+    </p:extLst>
+  </p:cSld>
+  <p:clrMapOvr>
+    <a:masterClrMapping/>
+  </p:clrMapOvr>
+</p:sldLayout>
+</file>
+
+<file path=ppt/slideLayouts/slideLayout4.xml><?xml version="1.0" encoding="utf-8"?>
+<p:sldLayout xmlns:a="http://schemas.openxmlformats.org/drawingml/2006/main" xmlns:r="http://schemas.openxmlformats.org/officeDocument/2006/relationships" xmlns:p="http://schemas.openxmlformats.org/presentationml/2006/main" preserve="1" userDrawn="1">
+  <p:cSld name="Cover Slide c">
+    <p:bg>
+      <p:bgPr>
+        <a:solidFill>
+          <a:srgbClr val="002595"/>
+        </a:solidFill>
+        <a:effectLst/>
+      </p:bgPr>
+    </p:bg>
+    <p:spTree>
+      <p:nvGrpSpPr>
+        <p:cNvPr id="1" name=""/>
+        <p:cNvGrpSpPr/>
+        <p:nvPr/>
+      </p:nvGrpSpPr>
+      <p:grpSpPr>
+        <a:xfrm>
+          <a:off x="0" y="0"/>
+          <a:ext cx="0" cy="0"/>
+          <a:chOff x="0" y="0"/>
+          <a:chExt cx="0" cy="0"/>
+        </a:xfrm>
+      </p:grpSpPr>
+      <p:pic>
+        <p:nvPicPr>
+          <p:cNvPr id="9" name="Picture 8" descr="A picture containing cup&#10;&#10;Description automatically generated">
+            <a:extLst>
+              <a:ext uri="{FF2B5EF4-FFF2-40B4-BE49-F238E27FC236}">
+                <a16:creationId xmlns:a16="http://schemas.microsoft.com/office/drawing/2014/main" id="{A21E3950-BCA5-3E44-953B-3E2C64D1A820}"/>
+              </a:ext>
+            </a:extLst>
+          </p:cNvPr>
+          <p:cNvPicPr>
+            <a:picLocks noChangeAspect="1"/>
+          </p:cNvPicPr>
+          <p:nvPr userDrawn="1"/>
+        </p:nvPicPr>
+        <p:blipFill>
+          <a:blip r:embed="rId2"/>
+          <a:stretch>
+            <a:fillRect/>
+          </a:stretch>
+        </p:blipFill>
+        <p:spPr>
+          <a:xfrm>
+            <a:off x="0" y="0"/>
+            <a:ext cx="12192000" cy="6858000"/>
+          </a:xfrm>
+          <a:prstGeom prst="rect">
+            <a:avLst/>
+          </a:prstGeom>
+        </p:spPr>
+      </p:pic>
+      <p:sp>
+        <p:nvSpPr>
+          <p:cNvPr id="8" name="Title 1">
+            <a:extLst>
+              <a:ext uri="{FF2B5EF4-FFF2-40B4-BE49-F238E27FC236}">
+                <a16:creationId xmlns:a16="http://schemas.microsoft.com/office/drawing/2014/main" id="{197D3B5B-2EAA-2340-8061-6C674C47EA3B}"/>
+              </a:ext>
+            </a:extLst>
+          </p:cNvPr>
+          <p:cNvSpPr>
+            <a:spLocks noGrp="1"/>
+          </p:cNvSpPr>
+          <p:nvPr>
+            <p:ph type="title"/>
+          </p:nvPr>
+        </p:nvSpPr>
+        <p:spPr>
+          <a:xfrm>
+            <a:off x="3370182" y="2960255"/>
+            <a:ext cx="5451635" cy="642917"/>
+          </a:xfrm>
+        </p:spPr>
+        <p:txBody>
+          <a:bodyPr anchor="t" anchorCtr="1">
+            <a:normAutofit/>
+          </a:bodyPr>
+          <a:lstStyle>
+            <a:lvl1pPr algn="l">
+              <a:defRPr sz="4000" b="1" i="0">
+                <a:solidFill>
+                  <a:schemeClr val="bg1"/>
+                </a:solidFill>
+                <a:latin typeface="+mj-lt"/>
+                <a:cs typeface="Arial" panose="020B0604020202020204" pitchFamily="34" charset="0"/>
+              </a:defRPr>
+            </a:lvl1pPr>
+          </a:lstStyle>
+          <a:p>
+            <a:endParaRPr lang="en-US" dirty="0"/>
+          </a:p>
+        </p:txBody>
+      </p:sp>
+    </p:spTree>
+    <p:extLst>
+      <p:ext uri="{BB962C8B-B14F-4D97-AF65-F5344CB8AC3E}">
+        <p14:creationId xmlns:p14="http://schemas.microsoft.com/office/powerpoint/2010/main" val="604174362"/>
+      </p:ext>
+    </p:extLst>
+  </p:cSld>
+  <p:clrMapOvr>
+    <a:masterClrMapping/>
+  </p:clrMapOvr>
+</p:sldLayout>
+</file>
+
+<file path=ppt/slideLayouts/slideLayout5.xml><?xml version="1.0" encoding="utf-8"?>
+<p:sldLayout xmlns:a="http://schemas.openxmlformats.org/drawingml/2006/main" xmlns:r="http://schemas.openxmlformats.org/officeDocument/2006/relationships" xmlns:p="http://schemas.openxmlformats.org/presentationml/2006/main" preserve="1" userDrawn="1">
+  <p:cSld name="Title Slide 1a">
+    <p:spTree>
+      <p:nvGrpSpPr>
+        <p:cNvPr id="1" name=""/>
+        <p:cNvGrpSpPr/>
+        <p:nvPr/>
+      </p:nvGrpSpPr>
+      <p:grpSpPr>
+        <a:xfrm>
+          <a:off x="0" y="0"/>
+          <a:ext cx="0" cy="0"/>
+          <a:chOff x="0" y="0"/>
+          <a:chExt cx="0" cy="0"/>
+        </a:xfrm>
+      </p:grpSpPr>
+      <p:pic>
+        <p:nvPicPr>
+          <p:cNvPr id="20" name="Picture 19">
+            <a:extLst>
+              <a:ext uri="{FF2B5EF4-FFF2-40B4-BE49-F238E27FC236}">
+                <a16:creationId xmlns:a16="http://schemas.microsoft.com/office/drawing/2014/main" id="{ABCFBB4B-867D-724C-8C7F-AF20A347506D}"/>
+              </a:ext>
+            </a:extLst>
+          </p:cNvPr>
+          <p:cNvPicPr>
+            <a:picLocks noChangeAspect="1"/>
+          </p:cNvPicPr>
+          <p:nvPr userDrawn="1"/>
+        </p:nvPicPr>
+        <p:blipFill>
+          <a:blip r:embed="rId2"/>
+          <a:stretch>
+            <a:fillRect/>
+          </a:stretch>
+        </p:blipFill>
+        <p:spPr>
+          <a:xfrm>
+            <a:off x="0" y="0"/>
+            <a:ext cx="12192000" cy="6858000"/>
+          </a:xfrm>
+          <a:prstGeom prst="rect">
+            <a:avLst/>
+          </a:prstGeom>
+        </p:spPr>
+      </p:pic>
+      <p:sp>
+        <p:nvSpPr>
+          <p:cNvPr id="9" name="Title 1">
+            <a:extLst>
+              <a:ext uri="{FF2B5EF4-FFF2-40B4-BE49-F238E27FC236}">
+                <a16:creationId xmlns:a16="http://schemas.microsoft.com/office/drawing/2014/main" id="{F5C20D17-35C2-4743-8117-76C43D3C5CF0}"/>
+              </a:ext>
+            </a:extLst>
+          </p:cNvPr>
+          <p:cNvSpPr>
+            <a:spLocks noGrp="1"/>
+          </p:cNvSpPr>
+          <p:nvPr>
+            <p:ph type="ctrTitle" hasCustomPrompt="1"/>
+          </p:nvPr>
+        </p:nvSpPr>
+        <p:spPr>
+          <a:xfrm>
+            <a:off x="4925908" y="2681049"/>
+            <a:ext cx="4207118" cy="747951"/>
+          </a:xfrm>
+        </p:spPr>
+        <p:txBody>
+          <a:bodyPr anchor="b">
+            <a:noAutofit/>
+          </a:bodyPr>
+          <a:lstStyle>
+            <a:lvl1pPr algn="l">
+              <a:defRPr sz="4400" b="1" i="0">
+                <a:solidFill>
+                  <a:schemeClr val="tx1"/>
+                </a:solidFill>
+                <a:latin typeface="+mj-lt"/>
+                <a:cs typeface="Arial" panose="020B0604020202020204" pitchFamily="34" charset="0"/>
+              </a:defRPr>
+            </a:lvl1pPr>
+          </a:lstStyle>
+          <a:p>
+            <a:r>
+              <a:rPr lang="en-US" dirty="0"/>
+              <a:t>Title</a:t>
+            </a:r>
+          </a:p>
+        </p:txBody>
+      </p:sp>
+      <p:sp>
+        <p:nvSpPr>
+          <p:cNvPr id="10" name="Subtitle 2">
+            <a:extLst>
+              <a:ext uri="{FF2B5EF4-FFF2-40B4-BE49-F238E27FC236}">
+                <a16:creationId xmlns:a16="http://schemas.microsoft.com/office/drawing/2014/main" id="{8D659EDD-2B38-5B47-A9D0-81844CA0E5B8}"/>
+              </a:ext>
+            </a:extLst>
+          </p:cNvPr>
+          <p:cNvSpPr>
+            <a:spLocks noGrp="1"/>
+          </p:cNvSpPr>
+          <p:nvPr>
+            <p:ph type="subTitle" idx="1" hasCustomPrompt="1"/>
+          </p:nvPr>
+        </p:nvSpPr>
+        <p:spPr>
+          <a:xfrm>
+            <a:off x="4925908" y="3546948"/>
+            <a:ext cx="4207118" cy="628439"/>
+          </a:xfrm>
+        </p:spPr>
+        <p:txBody>
+          <a:bodyPr>
+            <a:noAutofit/>
+          </a:bodyPr>
+          <a:lstStyle>
+            <a:lvl1pPr marL="0" indent="0" algn="l">
+              <a:buNone/>
+              <a:defRPr sz="1800" b="0" i="0">
+                <a:latin typeface="+mj-lt"/>
+                <a:cs typeface="Arial" panose="020B0604020202020204" pitchFamily="34" charset="0"/>
+              </a:defRPr>
+            </a:lvl1pPr>
+            <a:lvl2pPr marL="342884" indent="0" algn="ctr">
+              <a:buNone/>
+              <a:defRPr sz="1500"/>
+            </a:lvl2pPr>
+            <a:lvl3pPr marL="685766" indent="0" algn="ctr">
+              <a:buNone/>
+              <a:defRPr sz="1350"/>
+            </a:lvl3pPr>
+            <a:lvl4pPr marL="1028649" indent="0" algn="ctr">
+              <a:buNone/>
+              <a:defRPr sz="1200"/>
+            </a:lvl4pPr>
+            <a:lvl5pPr marL="1371532" indent="0" algn="ctr">
+              <a:buNone/>
+              <a:defRPr sz="1200"/>
+            </a:lvl5pPr>
+            <a:lvl6pPr marL="1714415" indent="0" algn="ctr">
+              <a:buNone/>
+              <a:defRPr sz="1200"/>
+            </a:lvl6pPr>
+            <a:lvl7pPr marL="2057297" indent="0" algn="ctr">
+              <a:buNone/>
+              <a:defRPr sz="1200"/>
+            </a:lvl7pPr>
+            <a:lvl8pPr marL="2400180" indent="0" algn="ctr">
+              <a:buNone/>
+              <a:defRPr sz="1200"/>
+            </a:lvl8pPr>
+            <a:lvl9pPr marL="2743064" indent="0" algn="ctr">
+              <a:buNone/>
+              <a:defRPr sz="1200"/>
+            </a:lvl9pPr>
+          </a:lstStyle>
+          <a:p>
+            <a:r>
+              <a:rPr lang="en-US" dirty="0"/>
+              <a:t>Subtitle</a:t>
+            </a:r>
+          </a:p>
+        </p:txBody>
+      </p:sp>
+      <p:sp>
+        <p:nvSpPr>
+          <p:cNvPr id="6" name="Rectangle 5">
+            <a:extLst>
+              <a:ext uri="{FF2B5EF4-FFF2-40B4-BE49-F238E27FC236}">
+                <a16:creationId xmlns:a16="http://schemas.microsoft.com/office/drawing/2014/main" id="{23BBC1F6-722E-7449-97EA-D3F017383FD2}"/>
+              </a:ext>
+            </a:extLst>
+          </p:cNvPr>
+          <p:cNvSpPr/>
+          <p:nvPr userDrawn="1"/>
+        </p:nvSpPr>
+        <p:spPr>
+          <a:xfrm>
+            <a:off x="199053" y="6133322"/>
+            <a:ext cx="2488163" cy="603380"/>
+          </a:xfrm>
+          <a:prstGeom prst="rect">
+            <a:avLst/>
+          </a:prstGeom>
+          <a:solidFill>
+            <a:srgbClr val="F8F8F8"/>
+          </a:solidFill>
+          <a:ln>
+            <a:noFill/>
+          </a:ln>
+        </p:spPr>
+        <p:style>
+          <a:lnRef idx="2">
+            <a:schemeClr val="accent1">
+              <a:shade val="50000"/>
+            </a:schemeClr>
+          </a:lnRef>
+          <a:fillRef idx="1">
+            <a:schemeClr val="accent1"/>
+          </a:fillRef>
+          <a:effectRef idx="0">
+            <a:schemeClr val="accent1"/>
+          </a:effectRef>
+          <a:fontRef idx="minor">
+            <a:schemeClr val="lt1"/>
+          </a:fontRef>
+        </p:style>
+        <p:txBody>
+          <a:bodyPr rtlCol="0" anchor="ctr"/>
+          <a:lstStyle/>
+          <a:p>
+            <a:pPr algn="ctr"/>
+            <a:endParaRPr lang="en-US"/>
+          </a:p>
+        </p:txBody>
+      </p:sp>
+    </p:spTree>
+    <p:extLst>
+      <p:ext uri="{BB962C8B-B14F-4D97-AF65-F5344CB8AC3E}">
+        <p14:creationId xmlns:p14="http://schemas.microsoft.com/office/powerpoint/2010/main" val="2256767406"/>
+      </p:ext>
+    </p:extLst>
+  </p:cSld>
+  <p:clrMapOvr>
+    <a:masterClrMapping/>
+  </p:clrMapOvr>
+</p:sldLayout>
+</file>
+
+<file path=ppt/slideLayouts/slideLayout6.xml><?xml version="1.0" encoding="utf-8"?>
+<p:sldLayout xmlns:a="http://schemas.openxmlformats.org/drawingml/2006/main" xmlns:r="http://schemas.openxmlformats.org/officeDocument/2006/relationships" xmlns:p="http://schemas.openxmlformats.org/presentationml/2006/main" preserve="1" userDrawn="1">
+  <p:cSld name="1_Title Slide 1a">
+    <p:spTree>
+      <p:nvGrpSpPr>
+        <p:cNvPr id="1" name=""/>
+        <p:cNvGrpSpPr/>
+        <p:nvPr/>
+      </p:nvGrpSpPr>
+      <p:grpSpPr>
+        <a:xfrm>
+          <a:off x="0" y="0"/>
+          <a:ext cx="0" cy="0"/>
+          <a:chOff x="0" y="0"/>
+          <a:chExt cx="0" cy="0"/>
+        </a:xfrm>
+      </p:grpSpPr>
+      <p:pic>
+        <p:nvPicPr>
+          <p:cNvPr id="20" name="Picture 19">
+            <a:extLst>
+              <a:ext uri="{FF2B5EF4-FFF2-40B4-BE49-F238E27FC236}">
+                <a16:creationId xmlns:a16="http://schemas.microsoft.com/office/drawing/2014/main" id="{ABCFBB4B-867D-724C-8C7F-AF20A347506D}"/>
+              </a:ext>
+            </a:extLst>
+          </p:cNvPr>
+          <p:cNvPicPr>
+            <a:picLocks noChangeAspect="1"/>
+          </p:cNvPicPr>
+          <p:nvPr userDrawn="1"/>
+        </p:nvPicPr>
+        <p:blipFill>
+          <a:blip r:embed="rId2"/>
+          <a:stretch>
+            <a:fillRect/>
+          </a:stretch>
+        </p:blipFill>
+        <p:spPr>
+          <a:xfrm>
+            <a:off x="0" y="0"/>
+            <a:ext cx="12192000" cy="6858000"/>
+          </a:xfrm>
+          <a:prstGeom prst="rect">
+            <a:avLst/>
+          </a:prstGeom>
+        </p:spPr>
+      </p:pic>
+      <p:pic>
+        <p:nvPicPr>
+          <p:cNvPr id="5" name="Picture 4">
+            <a:extLst>
+              <a:ext uri="{FF2B5EF4-FFF2-40B4-BE49-F238E27FC236}">
+                <a16:creationId xmlns:a16="http://schemas.microsoft.com/office/drawing/2014/main" id="{E9D0C7A9-65BE-5641-A5CA-C22188BC0627}"/>
+              </a:ext>
+            </a:extLst>
+          </p:cNvPr>
+          <p:cNvPicPr>
+            <a:picLocks noChangeAspect="1"/>
+          </p:cNvPicPr>
+          <p:nvPr userDrawn="1"/>
+        </p:nvPicPr>
+        <p:blipFill>
+          <a:blip r:embed="rId3"/>
+          <a:stretch>
+            <a:fillRect/>
+          </a:stretch>
+        </p:blipFill>
+        <p:spPr>
+          <a:xfrm>
+            <a:off x="0" y="0"/>
+            <a:ext cx="12192000" cy="6858000"/>
+          </a:xfrm>
+          <a:prstGeom prst="rect">
+            <a:avLst/>
+          </a:prstGeom>
+        </p:spPr>
+      </p:pic>
+      <p:sp>
+        <p:nvSpPr>
+          <p:cNvPr id="9" name="Title 1">
+            <a:extLst>
+              <a:ext uri="{FF2B5EF4-FFF2-40B4-BE49-F238E27FC236}">
+                <a16:creationId xmlns:a16="http://schemas.microsoft.com/office/drawing/2014/main" id="{F5C20D17-35C2-4743-8117-76C43D3C5CF0}"/>
+              </a:ext>
+            </a:extLst>
+          </p:cNvPr>
+          <p:cNvSpPr>
+            <a:spLocks noGrp="1"/>
+          </p:cNvSpPr>
+          <p:nvPr>
+            <p:ph type="ctrTitle" hasCustomPrompt="1"/>
+          </p:nvPr>
+        </p:nvSpPr>
+        <p:spPr>
+          <a:xfrm>
+            <a:off x="4925908" y="2681049"/>
+            <a:ext cx="4207118" cy="747951"/>
+          </a:xfrm>
+        </p:spPr>
+        <p:txBody>
+          <a:bodyPr anchor="b">
+            <a:noAutofit/>
+          </a:bodyPr>
+          <a:lstStyle>
+            <a:lvl1pPr algn="l">
+              <a:defRPr sz="4400" b="1" i="0">
+                <a:solidFill>
+                  <a:schemeClr val="tx1"/>
+                </a:solidFill>
+                <a:latin typeface="+mj-lt"/>
+                <a:cs typeface="Arial" panose="020B0604020202020204" pitchFamily="34" charset="0"/>
+              </a:defRPr>
+            </a:lvl1pPr>
+          </a:lstStyle>
+          <a:p>
+            <a:r>
+              <a:rPr lang="en-US" dirty="0"/>
+              <a:t>Title</a:t>
+            </a:r>
+          </a:p>
+        </p:txBody>
+      </p:sp>
+      <p:sp>
+        <p:nvSpPr>
+          <p:cNvPr id="10" name="Subtitle 2">
+            <a:extLst>
+              <a:ext uri="{FF2B5EF4-FFF2-40B4-BE49-F238E27FC236}">
+                <a16:creationId xmlns:a16="http://schemas.microsoft.com/office/drawing/2014/main" id="{8D659EDD-2B38-5B47-A9D0-81844CA0E5B8}"/>
+              </a:ext>
+            </a:extLst>
+          </p:cNvPr>
+          <p:cNvSpPr>
+            <a:spLocks noGrp="1"/>
+          </p:cNvSpPr>
+          <p:nvPr>
+            <p:ph type="subTitle" idx="1" hasCustomPrompt="1"/>
+          </p:nvPr>
+        </p:nvSpPr>
+        <p:spPr>
+          <a:xfrm>
+            <a:off x="4925908" y="3546948"/>
+            <a:ext cx="4207118" cy="628439"/>
+          </a:xfrm>
+        </p:spPr>
+        <p:txBody>
+          <a:bodyPr>
+            <a:noAutofit/>
+          </a:bodyPr>
+          <a:lstStyle>
+            <a:lvl1pPr marL="0" indent="0" algn="l">
+              <a:buNone/>
+              <a:defRPr sz="1800" b="0" i="0">
+                <a:latin typeface="+mj-lt"/>
+                <a:cs typeface="Arial" panose="020B0604020202020204" pitchFamily="34" charset="0"/>
+              </a:defRPr>
+            </a:lvl1pPr>
+            <a:lvl2pPr marL="342884" indent="0" algn="ctr">
+              <a:buNone/>
+              <a:defRPr sz="1500"/>
+            </a:lvl2pPr>
+            <a:lvl3pPr marL="685766" indent="0" algn="ctr">
+              <a:buNone/>
+              <a:defRPr sz="1350"/>
+            </a:lvl3pPr>
+            <a:lvl4pPr marL="1028649" indent="0" algn="ctr">
+              <a:buNone/>
+              <a:defRPr sz="1200"/>
+            </a:lvl4pPr>
+            <a:lvl5pPr marL="1371532" indent="0" algn="ctr">
+              <a:buNone/>
+              <a:defRPr sz="1200"/>
+            </a:lvl5pPr>
+            <a:lvl6pPr marL="1714415" indent="0" algn="ctr">
+              <a:buNone/>
+              <a:defRPr sz="1200"/>
+            </a:lvl6pPr>
+            <a:lvl7pPr marL="2057297" indent="0" algn="ctr">
+              <a:buNone/>
+              <a:defRPr sz="1200"/>
+            </a:lvl7pPr>
+            <a:lvl8pPr marL="2400180" indent="0" algn="ctr">
+              <a:buNone/>
+              <a:defRPr sz="1200"/>
+            </a:lvl8pPr>
+            <a:lvl9pPr marL="2743064" indent="0" algn="ctr">
+              <a:buNone/>
+              <a:defRPr sz="1200"/>
+            </a:lvl9pPr>
+          </a:lstStyle>
+          <a:p>
+            <a:r>
+              <a:rPr lang="en-US" dirty="0"/>
+              <a:t>Subtitle</a:t>
+            </a:r>
+          </a:p>
+        </p:txBody>
+      </p:sp>
+      <p:sp>
+        <p:nvSpPr>
+          <p:cNvPr id="8" name="Rectangle 7">
+            <a:extLst>
+              <a:ext uri="{FF2B5EF4-FFF2-40B4-BE49-F238E27FC236}">
+                <a16:creationId xmlns:a16="http://schemas.microsoft.com/office/drawing/2014/main" id="{203C5879-9DFB-074E-8AB6-BD452CE51D4C}"/>
+              </a:ext>
+            </a:extLst>
+          </p:cNvPr>
+          <p:cNvSpPr/>
+          <p:nvPr userDrawn="1"/>
+        </p:nvSpPr>
+        <p:spPr>
+          <a:xfrm>
+            <a:off x="199053" y="6133322"/>
+            <a:ext cx="2488163" cy="603380"/>
+          </a:xfrm>
+          <a:prstGeom prst="rect">
+            <a:avLst/>
+          </a:prstGeom>
+          <a:solidFill>
+            <a:srgbClr val="F8F8F8"/>
+          </a:solidFill>
+          <a:ln>
+            <a:noFill/>
+          </a:ln>
+        </p:spPr>
+        <p:style>
+          <a:lnRef idx="2">
+            <a:schemeClr val="accent1">
+              <a:shade val="50000"/>
+            </a:schemeClr>
+          </a:lnRef>
+          <a:fillRef idx="1">
+            <a:schemeClr val="accent1"/>
+          </a:fillRef>
+          <a:effectRef idx="0">
+            <a:schemeClr val="accent1"/>
+          </a:effectRef>
+          <a:fontRef idx="minor">
+            <a:schemeClr val="lt1"/>
+          </a:fontRef>
+        </p:style>
+        <p:txBody>
+          <a:bodyPr rtlCol="0" anchor="ctr"/>
+          <a:lstStyle/>
+          <a:p>
+            <a:pPr algn="ctr"/>
+            <a:endParaRPr lang="en-US"/>
+          </a:p>
+        </p:txBody>
+      </p:sp>
+    </p:spTree>
+    <p:extLst>
+      <p:ext uri="{BB962C8B-B14F-4D97-AF65-F5344CB8AC3E}">
+        <p14:creationId xmlns:p14="http://schemas.microsoft.com/office/powerpoint/2010/main" val="362846762"/>
+      </p:ext>
+    </p:extLst>
+  </p:cSld>
+  <p:clrMapOvr>
+    <a:masterClrMapping/>
+  </p:clrMapOvr>
+</p:sldLayout>
+</file>
+
+<file path=ppt/slideLayouts/slideLayout7.xml><?xml version="1.0" encoding="utf-8"?>
+<p:sldLayout xmlns:a="http://schemas.openxmlformats.org/drawingml/2006/main" xmlns:r="http://schemas.openxmlformats.org/officeDocument/2006/relationships" xmlns:p="http://schemas.openxmlformats.org/presentationml/2006/main" preserve="1" userDrawn="1">
+  <p:cSld name="Title Slide 1c">
+    <p:spTree>
+      <p:nvGrpSpPr>
+        <p:cNvPr id="1" name=""/>
+        <p:cNvGrpSpPr/>
+        <p:nvPr/>
+      </p:nvGrpSpPr>
+      <p:grpSpPr>
+        <a:xfrm>
+          <a:off x="0" y="0"/>
+          <a:ext cx="0" cy="0"/>
+          <a:chOff x="0" y="0"/>
+          <a:chExt cx="0" cy="0"/>
+        </a:xfrm>
+      </p:grpSpPr>
+      <p:pic>
+        <p:nvPicPr>
+          <p:cNvPr id="20" name="Picture 19">
+            <a:extLst>
+              <a:ext uri="{FF2B5EF4-FFF2-40B4-BE49-F238E27FC236}">
+                <a16:creationId xmlns:a16="http://schemas.microsoft.com/office/drawing/2014/main" id="{ABCFBB4B-867D-724C-8C7F-AF20A347506D}"/>
+              </a:ext>
+            </a:extLst>
+          </p:cNvPr>
+          <p:cNvPicPr>
+            <a:picLocks noChangeAspect="1"/>
+          </p:cNvPicPr>
+          <p:nvPr userDrawn="1"/>
+        </p:nvPicPr>
+        <p:blipFill>
+          <a:blip r:embed="rId2"/>
+          <a:stretch>
+            <a:fillRect/>
+          </a:stretch>
+        </p:blipFill>
+        <p:spPr>
+          <a:xfrm>
+            <a:off x="0" y="0"/>
+            <a:ext cx="12192000" cy="6858000"/>
+          </a:xfrm>
+          <a:prstGeom prst="rect">
+            <a:avLst/>
+          </a:prstGeom>
+        </p:spPr>
+      </p:pic>
+      <p:pic>
+        <p:nvPicPr>
+          <p:cNvPr id="3" name="Picture 2">
+            <a:extLst>
+              <a:ext uri="{FF2B5EF4-FFF2-40B4-BE49-F238E27FC236}">
+                <a16:creationId xmlns:a16="http://schemas.microsoft.com/office/drawing/2014/main" id="{C1120318-6297-3447-8B77-D9C7B54E3BA4}"/>
+              </a:ext>
+            </a:extLst>
+          </p:cNvPr>
+          <p:cNvPicPr>
+            <a:picLocks noChangeAspect="1"/>
+          </p:cNvPicPr>
+          <p:nvPr userDrawn="1"/>
+        </p:nvPicPr>
+        <p:blipFill>
+          <a:blip r:embed="rId3"/>
+          <a:stretch>
+            <a:fillRect/>
+          </a:stretch>
+        </p:blipFill>
+        <p:spPr>
+          <a:xfrm>
+            <a:off x="0" y="0"/>
+            <a:ext cx="12192000" cy="6858000"/>
+          </a:xfrm>
+          <a:prstGeom prst="rect">
+            <a:avLst/>
+          </a:prstGeom>
+        </p:spPr>
+      </p:pic>
+      <p:sp>
+        <p:nvSpPr>
+          <p:cNvPr id="9" name="Title 1">
+            <a:extLst>
+              <a:ext uri="{FF2B5EF4-FFF2-40B4-BE49-F238E27FC236}">
+                <a16:creationId xmlns:a16="http://schemas.microsoft.com/office/drawing/2014/main" id="{F5C20D17-35C2-4743-8117-76C43D3C5CF0}"/>
+              </a:ext>
+            </a:extLst>
+          </p:cNvPr>
+          <p:cNvSpPr>
+            <a:spLocks noGrp="1"/>
+          </p:cNvSpPr>
+          <p:nvPr>
+            <p:ph type="ctrTitle" hasCustomPrompt="1"/>
+          </p:nvPr>
+        </p:nvSpPr>
+        <p:spPr>
+          <a:xfrm>
+            <a:off x="4925908" y="2681049"/>
+            <a:ext cx="4207118" cy="747951"/>
+          </a:xfrm>
+        </p:spPr>
+        <p:txBody>
+          <a:bodyPr anchor="b">
+            <a:noAutofit/>
+          </a:bodyPr>
+          <a:lstStyle>
+            <a:lvl1pPr algn="l">
+              <a:defRPr sz="4400" b="1" i="0">
+                <a:solidFill>
+                  <a:schemeClr val="tx1"/>
+                </a:solidFill>
+                <a:latin typeface="+mj-lt"/>
+                <a:cs typeface="Arial" panose="020B0604020202020204" pitchFamily="34" charset="0"/>
+              </a:defRPr>
+            </a:lvl1pPr>
+          </a:lstStyle>
+          <a:p>
+            <a:r>
+              <a:rPr lang="en-US" dirty="0"/>
+              <a:t>Title</a:t>
+            </a:r>
+          </a:p>
+        </p:txBody>
+      </p:sp>
+      <p:sp>
+        <p:nvSpPr>
+          <p:cNvPr id="10" name="Subtitle 2">
+            <a:extLst>
+              <a:ext uri="{FF2B5EF4-FFF2-40B4-BE49-F238E27FC236}">
+                <a16:creationId xmlns:a16="http://schemas.microsoft.com/office/drawing/2014/main" id="{8D659EDD-2B38-5B47-A9D0-81844CA0E5B8}"/>
+              </a:ext>
+            </a:extLst>
+          </p:cNvPr>
+          <p:cNvSpPr>
+            <a:spLocks noGrp="1"/>
+          </p:cNvSpPr>
+          <p:nvPr>
+            <p:ph type="subTitle" idx="1" hasCustomPrompt="1"/>
+          </p:nvPr>
+        </p:nvSpPr>
+        <p:spPr>
+          <a:xfrm>
+            <a:off x="4925908" y="3546948"/>
+            <a:ext cx="4207118" cy="628439"/>
+          </a:xfrm>
+        </p:spPr>
+        <p:txBody>
+          <a:bodyPr>
+            <a:noAutofit/>
+          </a:bodyPr>
+          <a:lstStyle>
+            <a:lvl1pPr marL="0" indent="0" algn="l">
+              <a:buNone/>
+              <a:defRPr sz="1800" b="0" i="0">
+                <a:latin typeface="+mj-lt"/>
+                <a:cs typeface="Arial" panose="020B0604020202020204" pitchFamily="34" charset="0"/>
+              </a:defRPr>
+            </a:lvl1pPr>
+            <a:lvl2pPr marL="342884" indent="0" algn="ctr">
+              <a:buNone/>
+              <a:defRPr sz="1500"/>
+            </a:lvl2pPr>
+            <a:lvl3pPr marL="685766" indent="0" algn="ctr">
+              <a:buNone/>
+              <a:defRPr sz="1350"/>
+            </a:lvl3pPr>
+            <a:lvl4pPr marL="1028649" indent="0" algn="ctr">
+              <a:buNone/>
+              <a:defRPr sz="1200"/>
+            </a:lvl4pPr>
+            <a:lvl5pPr marL="1371532" indent="0" algn="ctr">
+              <a:buNone/>
+              <a:defRPr sz="1200"/>
+            </a:lvl5pPr>
+            <a:lvl6pPr marL="1714415" indent="0" algn="ctr">
+              <a:buNone/>
+              <a:defRPr sz="1200"/>
+            </a:lvl6pPr>
+            <a:lvl7pPr marL="2057297" indent="0" algn="ctr">
+              <a:buNone/>
+              <a:defRPr sz="1200"/>
+            </a:lvl7pPr>
+            <a:lvl8pPr marL="2400180" indent="0" algn="ctr">
+              <a:buNone/>
+              <a:defRPr sz="1200"/>
+            </a:lvl8pPr>
+            <a:lvl9pPr marL="2743064" indent="0" algn="ctr">
+              <a:buNone/>
+              <a:defRPr sz="1200"/>
+            </a:lvl9pPr>
+          </a:lstStyle>
+          <a:p>
+            <a:r>
+              <a:rPr lang="en-US" dirty="0"/>
+              <a:t>Subtitle</a:t>
+            </a:r>
+          </a:p>
+        </p:txBody>
+      </p:sp>
+      <p:sp>
+        <p:nvSpPr>
+          <p:cNvPr id="6" name="Rectangle 5">
+            <a:extLst>
+              <a:ext uri="{FF2B5EF4-FFF2-40B4-BE49-F238E27FC236}">
+                <a16:creationId xmlns:a16="http://schemas.microsoft.com/office/drawing/2014/main" id="{9EAA3B07-316C-2240-A705-BB36F8A802FA}"/>
+              </a:ext>
+            </a:extLst>
+          </p:cNvPr>
+          <p:cNvSpPr/>
+          <p:nvPr userDrawn="1"/>
+        </p:nvSpPr>
+        <p:spPr>
+          <a:xfrm>
+            <a:off x="199053" y="6133322"/>
+            <a:ext cx="2488163" cy="603380"/>
+          </a:xfrm>
+          <a:prstGeom prst="rect">
+            <a:avLst/>
+          </a:prstGeom>
+          <a:solidFill>
+            <a:srgbClr val="F8F8F8"/>
+          </a:solidFill>
+          <a:ln>
+            <a:noFill/>
+          </a:ln>
+        </p:spPr>
+        <p:style>
+          <a:lnRef idx="2">
+            <a:schemeClr val="accent1">
+              <a:shade val="50000"/>
+            </a:schemeClr>
+          </a:lnRef>
+          <a:fillRef idx="1">
+            <a:schemeClr val="accent1"/>
+          </a:fillRef>
+          <a:effectRef idx="0">
+            <a:schemeClr val="accent1"/>
+          </a:effectRef>
+          <a:fontRef idx="minor">
+            <a:schemeClr val="lt1"/>
+          </a:fontRef>
+        </p:style>
+        <p:txBody>
+          <a:bodyPr rtlCol="0" anchor="ctr"/>
+          <a:lstStyle/>
+          <a:p>
+            <a:pPr algn="ctr"/>
+            <a:endParaRPr lang="en-US"/>
+          </a:p>
+        </p:txBody>
+      </p:sp>
+    </p:spTree>
+    <p:extLst>
+      <p:ext uri="{BB962C8B-B14F-4D97-AF65-F5344CB8AC3E}">
+        <p14:creationId xmlns:p14="http://schemas.microsoft.com/office/powerpoint/2010/main" val="4208239192"/>
+      </p:ext>
+    </p:extLst>
+  </p:cSld>
+  <p:clrMapOvr>
+    <a:masterClrMapping/>
+  </p:clrMapOvr>
+</p:sldLayout>
+</file>
+
+<file path=ppt/slideLayouts/slideLayout8.xml><?xml version="1.0" encoding="utf-8"?>
+<p:sldLayout xmlns:a="http://schemas.openxmlformats.org/drawingml/2006/main" xmlns:r="http://schemas.openxmlformats.org/officeDocument/2006/relationships" xmlns:p="http://schemas.openxmlformats.org/presentationml/2006/main" preserve="1" userDrawn="1">
+  <p:cSld name="Big Quote a">
+    <p:spTree>
+      <p:nvGrpSpPr>
+        <p:cNvPr id="1" name=""/>
+        <p:cNvGrpSpPr/>
+        <p:nvPr/>
+      </p:nvGrpSpPr>
+      <p:grpSpPr>
+        <a:xfrm>
+          <a:off x="0" y="0"/>
+          <a:ext cx="0" cy="0"/>
+          <a:chOff x="0" y="0"/>
+          <a:chExt cx="0" cy="0"/>
+        </a:xfrm>
+      </p:grpSpPr>
+      <p:pic>
+        <p:nvPicPr>
+          <p:cNvPr id="3" name="Picture 2" descr="A close up of a logo&#10;&#10;Description automatically generated">
+            <a:extLst>
+              <a:ext uri="{FF2B5EF4-FFF2-40B4-BE49-F238E27FC236}">
+                <a16:creationId xmlns:a16="http://schemas.microsoft.com/office/drawing/2014/main" id="{F18E355D-2147-0E45-A178-F68CB31DAF29}"/>
+              </a:ext>
+            </a:extLst>
+          </p:cNvPr>
+          <p:cNvPicPr>
+            <a:picLocks noChangeAspect="1"/>
+          </p:cNvPicPr>
+          <p:nvPr userDrawn="1"/>
+        </p:nvPicPr>
+        <p:blipFill>
+          <a:blip r:embed="rId2"/>
+          <a:stretch>
+            <a:fillRect/>
+          </a:stretch>
+        </p:blipFill>
+        <p:spPr>
+          <a:xfrm>
+            <a:off x="0" y="0"/>
+            <a:ext cx="12192000" cy="6858000"/>
+          </a:xfrm>
+          <a:prstGeom prst="rect">
+            <a:avLst/>
+          </a:prstGeom>
+        </p:spPr>
+      </p:pic>
+      <p:sp>
+        <p:nvSpPr>
+          <p:cNvPr id="6" name="Title 1">
+            <a:extLst>
+              <a:ext uri="{FF2B5EF4-FFF2-40B4-BE49-F238E27FC236}">
+                <a16:creationId xmlns:a16="http://schemas.microsoft.com/office/drawing/2014/main" id="{5B3A0D24-988B-EA48-AFB8-CA8099ECFD76}"/>
+              </a:ext>
+            </a:extLst>
+          </p:cNvPr>
+          <p:cNvSpPr>
+            <a:spLocks noGrp="1"/>
+          </p:cNvSpPr>
+          <p:nvPr>
+            <p:ph type="ctrTitle" hasCustomPrompt="1"/>
+          </p:nvPr>
+        </p:nvSpPr>
+        <p:spPr>
+          <a:xfrm>
+            <a:off x="308126" y="418438"/>
+            <a:ext cx="2542470" cy="304491"/>
+          </a:xfrm>
+        </p:spPr>
+        <p:txBody>
+          <a:bodyPr anchor="t">
+            <a:noAutofit/>
+          </a:bodyPr>
+          <a:lstStyle>
+            <a:lvl1pPr algn="l">
+              <a:defRPr sz="1000" b="1" i="0">
+                <a:solidFill>
+                  <a:schemeClr val="bg1"/>
+                </a:solidFill>
+                <a:latin typeface="+mj-lt"/>
+                <a:cs typeface="Arial" panose="020B0604020202020204" pitchFamily="34" charset="0"/>
+              </a:defRPr>
+            </a:lvl1pPr>
+          </a:lstStyle>
+          <a:p>
+            <a:r>
+              <a:rPr lang="en-US" dirty="0"/>
+              <a:t>Lorem Ipsum Dolor</a:t>
+            </a:r>
+          </a:p>
+        </p:txBody>
+      </p:sp>
+      <p:sp>
+        <p:nvSpPr>
+          <p:cNvPr id="7" name="Text Placeholder 24">
+            <a:extLst>
+              <a:ext uri="{FF2B5EF4-FFF2-40B4-BE49-F238E27FC236}">
+                <a16:creationId xmlns:a16="http://schemas.microsoft.com/office/drawing/2014/main" id="{A66910EA-6FCF-6149-8BAC-5F1B610EFC37}"/>
+              </a:ext>
+            </a:extLst>
+          </p:cNvPr>
+          <p:cNvSpPr>
+            <a:spLocks noGrp="1"/>
+          </p:cNvSpPr>
+          <p:nvPr>
+            <p:ph type="body" sz="quarter" idx="14" hasCustomPrompt="1"/>
+          </p:nvPr>
+        </p:nvSpPr>
+        <p:spPr>
+          <a:xfrm>
+            <a:off x="297109" y="1693898"/>
+            <a:ext cx="8549780" cy="1791316"/>
+          </a:xfrm>
+        </p:spPr>
+        <p:txBody>
+          <a:bodyPr>
+            <a:noAutofit/>
+          </a:bodyPr>
+          <a:lstStyle>
+            <a:lvl1pPr marL="0" indent="0">
+              <a:buNone/>
+              <a:defRPr sz="6000" b="1" i="0">
+                <a:solidFill>
+                  <a:schemeClr val="bg1"/>
+                </a:solidFill>
+                <a:latin typeface="+mj-lt"/>
+                <a:cs typeface="Arial" panose="020B0604020202020204" pitchFamily="34" charset="0"/>
+              </a:defRPr>
+            </a:lvl1pPr>
+          </a:lstStyle>
+          <a:p>
+            <a:pPr lvl="0"/>
+            <a:r>
+              <a:rPr lang="en-US" dirty="0"/>
+              <a:t>“Big quote” or big statement </a:t>
+            </a:r>
+          </a:p>
+        </p:txBody>
+      </p:sp>
+      <p:sp>
+        <p:nvSpPr>
+          <p:cNvPr id="8" name="Slide Number Placeholder 4">
+            <a:extLst>
+              <a:ext uri="{FF2B5EF4-FFF2-40B4-BE49-F238E27FC236}">
+                <a16:creationId xmlns:a16="http://schemas.microsoft.com/office/drawing/2014/main" id="{7A222E5A-EFA8-AB45-A5D9-0B5041A53055}"/>
+              </a:ext>
+            </a:extLst>
+          </p:cNvPr>
+          <p:cNvSpPr>
+            <a:spLocks noGrp="1"/>
+          </p:cNvSpPr>
+          <p:nvPr>
+            <p:ph type="sldNum" sz="quarter" idx="12"/>
+          </p:nvPr>
+        </p:nvSpPr>
+        <p:spPr>
+          <a:xfrm>
+            <a:off x="9058675" y="6349176"/>
+            <a:ext cx="2743200" cy="365125"/>
+          </a:xfrm>
+        </p:spPr>
+        <p:txBody>
+          <a:bodyPr/>
+          <a:lstStyle>
+            <a:lvl1pPr>
+              <a:defRPr sz="900" b="0" i="0">
+                <a:solidFill>
+                  <a:schemeClr val="bg1"/>
+                </a:solidFill>
+                <a:latin typeface="Arial" panose="020B0604020202020204" pitchFamily="34" charset="0"/>
+                <a:cs typeface="Arial" panose="020B0604020202020204" pitchFamily="34" charset="0"/>
+              </a:defRPr>
+            </a:lvl1pPr>
+          </a:lstStyle>
+          <a:p>
+            <a:fld id="{88F6FEFC-CCC7-A94C-AAC3-BECAE4BF550D}" type="slidenum">
+              <a:rPr lang="en-US" smtClean="0"/>
+              <a:pPr/>
+              <a:t>‹#›</a:t>
+            </a:fld>
+            <a:endParaRPr lang="en-US" dirty="0"/>
+          </a:p>
+        </p:txBody>
+      </p:sp>
+    </p:spTree>
+    <p:extLst>
+      <p:ext uri="{BB962C8B-B14F-4D97-AF65-F5344CB8AC3E}">
+        <p14:creationId xmlns:p14="http://schemas.microsoft.com/office/powerpoint/2010/main" val="613490047"/>
+      </p:ext>
+    </p:extLst>
+  </p:cSld>
+  <p:clrMapOvr>
+    <a:masterClrMapping/>
+  </p:clrMapOvr>
+</p:sldLayout>
+</file>
+
+<file path=ppt/slideLayouts/slideLayout9.xml><?xml version="1.0" encoding="utf-8"?>
+<p:sldLayout xmlns:a="http://schemas.openxmlformats.org/drawingml/2006/main" xmlns:r="http://schemas.openxmlformats.org/officeDocument/2006/relationships" xmlns:p="http://schemas.openxmlformats.org/presentationml/2006/main" preserve="1" userDrawn="1">
+  <p:cSld name="Big Quote b">
+    <p:spTree>
+      <p:nvGrpSpPr>
+        <p:cNvPr id="1" name=""/>
+        <p:cNvGrpSpPr/>
+        <p:nvPr/>
+      </p:nvGrpSpPr>
+      <p:grpSpPr>
+        <a:xfrm>
+          <a:off x="0" y="0"/>
+          <a:ext cx="0" cy="0"/>
+          <a:chOff x="0" y="0"/>
+          <a:chExt cx="0" cy="0"/>
+        </a:xfrm>
+      </p:grpSpPr>
+      <p:pic>
+        <p:nvPicPr>
+          <p:cNvPr id="5" name="Picture 4" descr="A close up of a logo&#10;&#10;Description automatically generated">
+            <a:extLst>
+              <a:ext uri="{FF2B5EF4-FFF2-40B4-BE49-F238E27FC236}">
+                <a16:creationId xmlns:a16="http://schemas.microsoft.com/office/drawing/2014/main" id="{472C3496-29CC-FF4E-8901-6038F96E827B}"/>
+              </a:ext>
+            </a:extLst>
+          </p:cNvPr>
+          <p:cNvPicPr>
+            <a:picLocks noChangeAspect="1"/>
+          </p:cNvPicPr>
+          <p:nvPr userDrawn="1"/>
+        </p:nvPicPr>
+        <p:blipFill>
+          <a:blip r:embed="rId2"/>
+          <a:stretch>
+            <a:fillRect/>
+          </a:stretch>
+        </p:blipFill>
+        <p:spPr>
+          <a:xfrm>
+            <a:off x="0" y="0"/>
+            <a:ext cx="12192000" cy="6858000"/>
+          </a:xfrm>
+          <a:prstGeom prst="rect">
+            <a:avLst/>
+          </a:prstGeom>
+        </p:spPr>
+      </p:pic>
+      <p:sp>
+        <p:nvSpPr>
+          <p:cNvPr id="6" name="Title 1">
+            <a:extLst>
+              <a:ext uri="{FF2B5EF4-FFF2-40B4-BE49-F238E27FC236}">
+                <a16:creationId xmlns:a16="http://schemas.microsoft.com/office/drawing/2014/main" id="{5B3A0D24-988B-EA48-AFB8-CA8099ECFD76}"/>
+              </a:ext>
+            </a:extLst>
+          </p:cNvPr>
+          <p:cNvSpPr>
+            <a:spLocks noGrp="1"/>
+          </p:cNvSpPr>
+          <p:nvPr>
+            <p:ph type="ctrTitle" hasCustomPrompt="1"/>
+          </p:nvPr>
+        </p:nvSpPr>
+        <p:spPr>
+          <a:xfrm>
+            <a:off x="308126" y="418438"/>
+            <a:ext cx="2542470" cy="304491"/>
+          </a:xfrm>
+        </p:spPr>
+        <p:txBody>
+          <a:bodyPr anchor="t">
+            <a:noAutofit/>
+          </a:bodyPr>
+          <a:lstStyle>
+            <a:lvl1pPr algn="l">
+              <a:defRPr sz="1000" b="1" i="0">
+                <a:solidFill>
+                  <a:schemeClr val="tx1"/>
+                </a:solidFill>
+                <a:latin typeface="+mj-lt"/>
+                <a:cs typeface="Arial" panose="020B0604020202020204" pitchFamily="34" charset="0"/>
+              </a:defRPr>
+            </a:lvl1pPr>
+          </a:lstStyle>
+          <a:p>
+            <a:r>
+              <a:rPr lang="en-US" dirty="0"/>
+              <a:t>Lorem Ipsum Dolor</a:t>
+            </a:r>
+          </a:p>
+        </p:txBody>
+      </p:sp>
+      <p:sp>
+        <p:nvSpPr>
+          <p:cNvPr id="7" name="Text Placeholder 24">
+            <a:extLst>
+              <a:ext uri="{FF2B5EF4-FFF2-40B4-BE49-F238E27FC236}">
+                <a16:creationId xmlns:a16="http://schemas.microsoft.com/office/drawing/2014/main" id="{A66910EA-6FCF-6149-8BAC-5F1B610EFC37}"/>
+              </a:ext>
+            </a:extLst>
+          </p:cNvPr>
+          <p:cNvSpPr>
+            <a:spLocks noGrp="1"/>
+          </p:cNvSpPr>
+          <p:nvPr>
+            <p:ph type="body" sz="quarter" idx="14" hasCustomPrompt="1"/>
+          </p:nvPr>
+        </p:nvSpPr>
+        <p:spPr>
+          <a:xfrm>
+            <a:off x="297109" y="1693898"/>
+            <a:ext cx="8549780" cy="1933722"/>
+          </a:xfrm>
+        </p:spPr>
+        <p:txBody>
+          <a:bodyPr>
+            <a:noAutofit/>
+          </a:bodyPr>
+          <a:lstStyle>
+            <a:lvl1pPr marL="0" indent="0">
+              <a:buNone/>
+              <a:defRPr sz="6000" b="1" i="0">
+                <a:solidFill>
+                  <a:srgbClr val="1E19BB"/>
+                </a:solidFill>
+                <a:latin typeface="+mj-lt"/>
+                <a:cs typeface="Arial" panose="020B0604020202020204" pitchFamily="34" charset="0"/>
+              </a:defRPr>
+            </a:lvl1pPr>
+          </a:lstStyle>
+          <a:p>
+            <a:pPr lvl="0"/>
+            <a:r>
+              <a:rPr lang="en-US" dirty="0"/>
+              <a:t>“Big quote” or big statement </a:t>
+            </a:r>
+          </a:p>
+        </p:txBody>
+      </p:sp>
+      <p:sp>
+        <p:nvSpPr>
+          <p:cNvPr id="10" name="Slide Number Placeholder 4">
+            <a:extLst>
+              <a:ext uri="{FF2B5EF4-FFF2-40B4-BE49-F238E27FC236}">
+                <a16:creationId xmlns:a16="http://schemas.microsoft.com/office/drawing/2014/main" id="{8391A59D-B615-7A4B-A58F-EF2CA49F87AE}"/>
+              </a:ext>
+            </a:extLst>
+          </p:cNvPr>
+          <p:cNvSpPr>
+            <a:spLocks noGrp="1"/>
+          </p:cNvSpPr>
+          <p:nvPr>
+            <p:ph type="sldNum" sz="quarter" idx="12"/>
+          </p:nvPr>
+        </p:nvSpPr>
+        <p:spPr>
+          <a:xfrm>
+            <a:off x="9073189" y="6349176"/>
+            <a:ext cx="2743200" cy="365125"/>
+          </a:xfrm>
+        </p:spPr>
+        <p:txBody>
+          <a:bodyPr/>
+          <a:lstStyle>
+            <a:lvl1pPr>
+              <a:defRPr sz="900" b="0" i="0">
+                <a:solidFill>
+                  <a:schemeClr val="tx1"/>
+                </a:solidFill>
+                <a:latin typeface="Arial" panose="020B0604020202020204" pitchFamily="34" charset="0"/>
+                <a:cs typeface="Arial" panose="020B0604020202020204" pitchFamily="34" charset="0"/>
+              </a:defRPr>
+            </a:lvl1pPr>
+          </a:lstStyle>
+          <a:p>
+            <a:fld id="{88F6FEFC-CCC7-A94C-AAC3-BECAE4BF550D}" type="slidenum">
+              <a:rPr lang="en-US" smtClean="0"/>
+              <a:pPr/>
+              <a:t>‹#›</a:t>
+            </a:fld>
+            <a:endParaRPr lang="en-US" dirty="0"/>
+          </a:p>
+        </p:txBody>
+      </p:sp>
+    </p:spTree>
+    <p:extLst>
+      <p:ext uri="{BB962C8B-B14F-4D97-AF65-F5344CB8AC3E}">
+        <p14:creationId xmlns:p14="http://schemas.microsoft.com/office/powerpoint/2010/main" val="1971536619"/>
       </p:ext>
     </p:extLst>
   </p:cSld>
@@ -5624,26 +4117,18 @@
   </p:cSld>
   <p:clrMap bg1="lt1" tx1="dk1" bg2="lt2" tx2="dk2" accent1="accent1" accent2="accent2" accent3="accent3" accent4="accent4" accent5="accent5" accent6="accent6" hlink="hlink" folHlink="folHlink"/>
   <p:sldLayoutIdLst>
-    <p:sldLayoutId id="2147483934" r:id="rId1"/>
-    <p:sldLayoutId id="2147483929" r:id="rId2"/>
-    <p:sldLayoutId id="2147483932" r:id="rId3"/>
-    <p:sldLayoutId id="2147483930" r:id="rId4"/>
-    <p:sldLayoutId id="2147483931" r:id="rId5"/>
-    <p:sldLayoutId id="2147483933" r:id="rId6"/>
-    <p:sldLayoutId id="2147483865" r:id="rId7"/>
-    <p:sldLayoutId id="2147483950" r:id="rId8"/>
-    <p:sldLayoutId id="2147483935" r:id="rId9"/>
-    <p:sldLayoutId id="2147483937" r:id="rId10"/>
-    <p:sldLayoutId id="2147483914" r:id="rId11"/>
-    <p:sldLayoutId id="2147483902" r:id="rId12"/>
-    <p:sldLayoutId id="2147483945" r:id="rId13"/>
-    <p:sldLayoutId id="2147483946" r:id="rId14"/>
-    <p:sldLayoutId id="2147483942" r:id="rId15"/>
-    <p:sldLayoutId id="2147483939" r:id="rId16"/>
-    <p:sldLayoutId id="2147483925" r:id="rId17"/>
-    <p:sldLayoutId id="2147483944" r:id="rId18"/>
-    <p:sldLayoutId id="2147483895" r:id="rId19"/>
-    <p:sldLayoutId id="2147483949" r:id="rId20"/>
+    <p:sldLayoutId id="2147483865" r:id="rId1"/>
+    <p:sldLayoutId id="2147483935" r:id="rId2"/>
+    <p:sldLayoutId id="2147483937" r:id="rId3"/>
+    <p:sldLayoutId id="2147483914" r:id="rId4"/>
+    <p:sldLayoutId id="2147483902" r:id="rId5"/>
+    <p:sldLayoutId id="2147483945" r:id="rId6"/>
+    <p:sldLayoutId id="2147483946" r:id="rId7"/>
+    <p:sldLayoutId id="2147483942" r:id="rId8"/>
+    <p:sldLayoutId id="2147483939" r:id="rId9"/>
+    <p:sldLayoutId id="2147483925" r:id="rId10"/>
+    <p:sldLayoutId id="2147483895" r:id="rId11"/>
+    <p:sldLayoutId id="2147483949" r:id="rId12"/>
   </p:sldLayoutIdLst>
   <p:hf hdr="0" ftr="0" dt="0"/>
   <p:txStyles>
@@ -21414,15 +19899,6 @@
 </file>
 
 <file path=customXml/item1.xml><?xml version="1.0" encoding="utf-8"?>
-<?mso-contentType ?>
-<FormTemplates xmlns="http://schemas.microsoft.com/sharepoint/v3/contenttype/forms">
-  <Display>DocumentLibraryForm</Display>
-  <Edit>DocumentLibraryForm</Edit>
-  <New>DocumentLibraryForm</New>
-</FormTemplates>
-</file>
-
-<file path=customXml/item2.xml><?xml version="1.0" encoding="utf-8"?>
 <ct:contentTypeSchema xmlns:ct="http://schemas.microsoft.com/office/2006/metadata/contentType" xmlns:ma="http://schemas.microsoft.com/office/2006/metadata/properties/metaAttributes" ct:_="" ma:_="" ma:contentTypeName="Document" ma:contentTypeID="0x0101005018A10443E8964A8CC444CCA72FCC09" ma:contentTypeVersion="12" ma:contentTypeDescription="Create a new document." ma:contentTypeScope="" ma:versionID="5f269a22dfb90c440be9974630a1d48a">
   <xsd:schema xmlns:xsd="http://www.w3.org/2001/XMLSchema" xmlns:xs="http://www.w3.org/2001/XMLSchema" xmlns:p="http://schemas.microsoft.com/office/2006/metadata/properties" xmlns:ns3="b5f03f3b-433d-47cb-adeb-326d892aa9fc" xmlns:ns4="70b70b9e-4f3b-4b3f-a260-8b4cbc9e3221" targetNamespace="http://schemas.microsoft.com/office/2006/metadata/properties" ma:root="true" ma:fieldsID="8a4ce1d9908f17e0b28517a6595a42aa" ns3:_="" ns4:_="">
     <xsd:import namespace="b5f03f3b-433d-47cb-adeb-326d892aa9fc"/>
@@ -21639,6 +20115,15 @@
 </ct:contentTypeSchema>
 </file>
 
+<file path=customXml/item2.xml><?xml version="1.0" encoding="utf-8"?>
+<?mso-contentType ?>
+<FormTemplates xmlns="http://schemas.microsoft.com/sharepoint/v3/contenttype/forms">
+  <Display>DocumentLibraryForm</Display>
+  <Edit>DocumentLibraryForm</Edit>
+  <New>DocumentLibraryForm</New>
+</FormTemplates>
+</file>
+
 <file path=customXml/item3.xml><?xml version="1.0" encoding="utf-8"?>
 <p:properties xmlns:p="http://schemas.microsoft.com/office/2006/metadata/properties" xmlns:xsi="http://www.w3.org/2001/XMLSchema-instance" xmlns:pc="http://schemas.microsoft.com/office/infopath/2007/PartnerControls">
   <documentManagement/>
@@ -21646,14 +20131,6 @@
 </file>
 
 <file path=customXml/itemProps1.xml><?xml version="1.0" encoding="utf-8"?>
-<ds:datastoreItem xmlns:ds="http://schemas.openxmlformats.org/officeDocument/2006/customXml" ds:itemID="{3ED16ACD-10E9-46CC-B043-473B6C59C75E}">
-  <ds:schemaRefs>
-    <ds:schemaRef ds:uri="http://schemas.microsoft.com/sharepoint/v3/contenttype/forms"/>
-  </ds:schemaRefs>
-</ds:datastoreItem>
-</file>
-
-<file path=customXml/itemProps2.xml><?xml version="1.0" encoding="utf-8"?>
 <ds:datastoreItem xmlns:ds="http://schemas.openxmlformats.org/officeDocument/2006/customXml" ds:itemID="{03D8EC7B-CF97-48AB-A782-54B18D4B0FD4}">
   <ds:schemaRefs>
     <ds:schemaRef ds:uri="http://schemas.microsoft.com/office/2006/metadata/contentType"/>
@@ -21668,6 +20145,14 @@
     <ds:schemaRef ds:uri="http://purl.org/dc/elements/1.1/"/>
     <ds:schemaRef ds:uri="http://purl.org/dc/terms/"/>
     <ds:schemaRef ds:uri="http://schemas.microsoft.com/internal/obd"/>
+  </ds:schemaRefs>
+</ds:datastoreItem>
+</file>
+
+<file path=customXml/itemProps2.xml><?xml version="1.0" encoding="utf-8"?>
+<ds:datastoreItem xmlns:ds="http://schemas.openxmlformats.org/officeDocument/2006/customXml" ds:itemID="{3ED16ACD-10E9-46CC-B043-473B6C59C75E}">
+  <ds:schemaRefs>
+    <ds:schemaRef ds:uri="http://schemas.microsoft.com/sharepoint/v3/contenttype/forms"/>
   </ds:schemaRefs>
 </ds:datastoreItem>
 </file>
